--- a/lesson08.pptx
+++ b/lesson08.pptx
@@ -5,32 +5,33 @@
     <p:sldMasterId id="2147483648" r:id="rId1"/>
   </p:sldMasterIdLst>
   <p:notesMasterIdLst>
-    <p:notesMasterId r:id="rId25"/>
+    <p:notesMasterId r:id="rId26"/>
   </p:notesMasterIdLst>
   <p:sldIdLst>
     <p:sldId id="371" r:id="rId2"/>
     <p:sldId id="376" r:id="rId3"/>
     <p:sldId id="329" r:id="rId4"/>
-    <p:sldId id="331" r:id="rId5"/>
-    <p:sldId id="332" r:id="rId6"/>
-    <p:sldId id="333" r:id="rId7"/>
-    <p:sldId id="334" r:id="rId8"/>
-    <p:sldId id="335" r:id="rId9"/>
-    <p:sldId id="336" r:id="rId10"/>
-    <p:sldId id="337" r:id="rId11"/>
-    <p:sldId id="338" r:id="rId12"/>
-    <p:sldId id="368" r:id="rId13"/>
-    <p:sldId id="351" r:id="rId14"/>
-    <p:sldId id="353" r:id="rId15"/>
-    <p:sldId id="352" r:id="rId16"/>
-    <p:sldId id="356" r:id="rId17"/>
-    <p:sldId id="357" r:id="rId18"/>
-    <p:sldId id="369" r:id="rId19"/>
-    <p:sldId id="370" r:id="rId20"/>
-    <p:sldId id="372" r:id="rId21"/>
-    <p:sldId id="373" r:id="rId22"/>
-    <p:sldId id="374" r:id="rId23"/>
-    <p:sldId id="375" r:id="rId24"/>
+    <p:sldId id="358" r:id="rId5"/>
+    <p:sldId id="331" r:id="rId6"/>
+    <p:sldId id="332" r:id="rId7"/>
+    <p:sldId id="333" r:id="rId8"/>
+    <p:sldId id="334" r:id="rId9"/>
+    <p:sldId id="335" r:id="rId10"/>
+    <p:sldId id="336" r:id="rId11"/>
+    <p:sldId id="337" r:id="rId12"/>
+    <p:sldId id="338" r:id="rId13"/>
+    <p:sldId id="368" r:id="rId14"/>
+    <p:sldId id="351" r:id="rId15"/>
+    <p:sldId id="353" r:id="rId16"/>
+    <p:sldId id="352" r:id="rId17"/>
+    <p:sldId id="356" r:id="rId18"/>
+    <p:sldId id="357" r:id="rId19"/>
+    <p:sldId id="369" r:id="rId20"/>
+    <p:sldId id="370" r:id="rId21"/>
+    <p:sldId id="372" r:id="rId22"/>
+    <p:sldId id="373" r:id="rId23"/>
+    <p:sldId id="374" r:id="rId24"/>
+    <p:sldId id="375" r:id="rId25"/>
   </p:sldIdLst>
   <p:sldSz cx="12192000" cy="6858000"/>
   <p:notesSz cx="6858000" cy="9144000"/>
@@ -137,6 +138,7 @@
             <p14:sldId id="371"/>
             <p14:sldId id="376"/>
             <p14:sldId id="329"/>
+            <p14:sldId id="358"/>
             <p14:sldId id="331"/>
             <p14:sldId id="332"/>
             <p14:sldId id="333"/>
@@ -191,6 +193,153 @@
 </p:cmAuthorLst>
 </file>
 
+<file path=ppt/revisionInfo.xml><?xml version="1.0" encoding="utf-8"?>
+<p1510:revInfo xmlns:a="http://schemas.openxmlformats.org/drawingml/2006/main" xmlns:r="http://schemas.openxmlformats.org/officeDocument/2006/relationships" xmlns:p1510="http://schemas.microsoft.com/office/powerpoint/2015/10/main">
+  <p1510:revLst>
+    <p1510:client id="{5B174B23-911B-4665-A088-9D76E589F9C5}" v="5" dt="2021-01-03T18:28:50.042"/>
+  </p1510:revLst>
+</p1510:revInfo>
+</file>
+
+<file path=ppt/changesInfos/changesInfo1.xml><?xml version="1.0" encoding="utf-8"?>
+<pc:chgInfo xmlns:a="http://schemas.openxmlformats.org/drawingml/2006/main" xmlns:r="http://schemas.openxmlformats.org/officeDocument/2006/relationships" xmlns:ac="http://schemas.microsoft.com/office/drawing/2013/main/command" xmlns:pc="http://schemas.microsoft.com/office/powerpoint/2013/main/command">
+  <pc:docChgLst>
+    <pc:chgData name="Anatoliy Kigel" userId="7432c6c4687b0a9c" providerId="LiveId" clId="{5B174B23-911B-4665-A088-9D76E589F9C5}"/>
+    <pc:docChg chg="custSel addSld modSld">
+      <pc:chgData name="Anatoliy Kigel" userId="7432c6c4687b0a9c" providerId="LiveId" clId="{5B174B23-911B-4665-A088-9D76E589F9C5}" dt="2021-01-03T18:28:50.042" v="43"/>
+      <pc:docMkLst>
+        <pc:docMk/>
+      </pc:docMkLst>
+      <pc:sldChg chg="addSp delSp modSp mod">
+        <pc:chgData name="Anatoliy Kigel" userId="7432c6c4687b0a9c" providerId="LiveId" clId="{5B174B23-911B-4665-A088-9D76E589F9C5}" dt="2021-01-03T18:28:36.677" v="36" actId="1035"/>
+        <pc:sldMkLst>
+          <pc:docMk/>
+          <pc:sldMk cId="2282934457" sldId="331"/>
+        </pc:sldMkLst>
+        <pc:spChg chg="mod">
+          <ac:chgData name="Anatoliy Kigel" userId="7432c6c4687b0a9c" providerId="LiveId" clId="{5B174B23-911B-4665-A088-9D76E589F9C5}" dt="2021-01-03T18:28:36.677" v="36" actId="1035"/>
+          <ac:spMkLst>
+            <pc:docMk/>
+            <pc:sldMk cId="2282934457" sldId="331"/>
+            <ac:spMk id="9" creationId="{00000000-0000-0000-0000-000000000000}"/>
+          </ac:spMkLst>
+        </pc:spChg>
+        <pc:spChg chg="del">
+          <ac:chgData name="Anatoliy Kigel" userId="7432c6c4687b0a9c" providerId="LiveId" clId="{5B174B23-911B-4665-A088-9D76E589F9C5}" dt="2021-01-03T18:25:52.728" v="1" actId="478"/>
+          <ac:spMkLst>
+            <pc:docMk/>
+            <pc:sldMk cId="2282934457" sldId="331"/>
+            <ac:spMk id="12" creationId="{00000000-0000-0000-0000-000000000000}"/>
+          </ac:spMkLst>
+        </pc:spChg>
+        <pc:picChg chg="add mod">
+          <ac:chgData name="Anatoliy Kigel" userId="7432c6c4687b0a9c" providerId="LiveId" clId="{5B174B23-911B-4665-A088-9D76E589F9C5}" dt="2021-01-03T18:27:56.681" v="24" actId="1076"/>
+          <ac:picMkLst>
+            <pc:docMk/>
+            <pc:sldMk cId="2282934457" sldId="331"/>
+            <ac:picMk id="3" creationId="{7316BDD8-A581-4560-826E-C4E9617D7FC4}"/>
+          </ac:picMkLst>
+        </pc:picChg>
+        <pc:picChg chg="del mod">
+          <ac:chgData name="Anatoliy Kigel" userId="7432c6c4687b0a9c" providerId="LiveId" clId="{5B174B23-911B-4665-A088-9D76E589F9C5}" dt="2021-01-03T18:27:47.034" v="17" actId="478"/>
+          <ac:picMkLst>
+            <pc:docMk/>
+            <pc:sldMk cId="2282934457" sldId="331"/>
+            <ac:picMk id="11" creationId="{00000000-0000-0000-0000-000000000000}"/>
+          </ac:picMkLst>
+        </pc:picChg>
+      </pc:sldChg>
+      <pc:sldChg chg="addSp delSp modSp mod">
+        <pc:chgData name="Anatoliy Kigel" userId="7432c6c4687b0a9c" providerId="LiveId" clId="{5B174B23-911B-4665-A088-9D76E589F9C5}" dt="2021-01-03T18:28:44.267" v="40"/>
+        <pc:sldMkLst>
+          <pc:docMk/>
+          <pc:sldMk cId="1023181945" sldId="332"/>
+        </pc:sldMkLst>
+        <pc:spChg chg="mod">
+          <ac:chgData name="Anatoliy Kigel" userId="7432c6c4687b0a9c" providerId="LiveId" clId="{5B174B23-911B-4665-A088-9D76E589F9C5}" dt="2021-01-03T18:28:04.558" v="30" actId="1036"/>
+          <ac:spMkLst>
+            <pc:docMk/>
+            <pc:sldMk cId="1023181945" sldId="332"/>
+            <ac:spMk id="7" creationId="{00000000-0000-0000-0000-000000000000}"/>
+          </ac:spMkLst>
+        </pc:spChg>
+        <pc:spChg chg="del mod">
+          <ac:chgData name="Anatoliy Kigel" userId="7432c6c4687b0a9c" providerId="LiveId" clId="{5B174B23-911B-4665-A088-9D76E589F9C5}" dt="2021-01-03T18:28:40.597" v="39" actId="478"/>
+          <ac:spMkLst>
+            <pc:docMk/>
+            <pc:sldMk cId="1023181945" sldId="332"/>
+            <ac:spMk id="9" creationId="{00000000-0000-0000-0000-000000000000}"/>
+          </ac:spMkLst>
+        </pc:spChg>
+        <pc:spChg chg="mod">
+          <ac:chgData name="Anatoliy Kigel" userId="7432c6c4687b0a9c" providerId="LiveId" clId="{5B174B23-911B-4665-A088-9D76E589F9C5}" dt="2021-01-03T18:28:04.558" v="30" actId="1036"/>
+          <ac:spMkLst>
+            <pc:docMk/>
+            <pc:sldMk cId="1023181945" sldId="332"/>
+            <ac:spMk id="10" creationId="{00000000-0000-0000-0000-000000000000}"/>
+          </ac:spMkLst>
+        </pc:spChg>
+        <pc:spChg chg="add mod">
+          <ac:chgData name="Anatoliy Kigel" userId="7432c6c4687b0a9c" providerId="LiveId" clId="{5B174B23-911B-4665-A088-9D76E589F9C5}" dt="2021-01-03T18:28:44.267" v="40"/>
+          <ac:spMkLst>
+            <pc:docMk/>
+            <pc:sldMk cId="1023181945" sldId="332"/>
+            <ac:spMk id="12" creationId="{912BF5F5-62AA-44FF-9010-450647794B7C}"/>
+          </ac:spMkLst>
+        </pc:spChg>
+        <pc:picChg chg="del">
+          <ac:chgData name="Anatoliy Kigel" userId="7432c6c4687b0a9c" providerId="LiveId" clId="{5B174B23-911B-4665-A088-9D76E589F9C5}" dt="2021-01-03T18:28:00.131" v="25" actId="478"/>
+          <ac:picMkLst>
+            <pc:docMk/>
+            <pc:sldMk cId="1023181945" sldId="332"/>
+            <ac:picMk id="2" creationId="{00000000-0000-0000-0000-000000000000}"/>
+          </ac:picMkLst>
+        </pc:picChg>
+        <pc:picChg chg="add del mod">
+          <ac:chgData name="Anatoliy Kigel" userId="7432c6c4687b0a9c" providerId="LiveId" clId="{5B174B23-911B-4665-A088-9D76E589F9C5}" dt="2021-01-03T18:28:30.742" v="31" actId="478"/>
+          <ac:picMkLst>
+            <pc:docMk/>
+            <pc:sldMk cId="1023181945" sldId="332"/>
+            <ac:picMk id="8" creationId="{5CB8A07A-4B6A-4934-A224-D2573437B79B}"/>
+          </ac:picMkLst>
+        </pc:picChg>
+        <pc:picChg chg="add mod">
+          <ac:chgData name="Anatoliy Kigel" userId="7432c6c4687b0a9c" providerId="LiveId" clId="{5B174B23-911B-4665-A088-9D76E589F9C5}" dt="2021-01-03T18:28:31.025" v="32"/>
+          <ac:picMkLst>
+            <pc:docMk/>
+            <pc:sldMk cId="1023181945" sldId="332"/>
+            <ac:picMk id="11" creationId="{EDF0EF65-3741-44C7-9CA9-1506BCF5B233}"/>
+          </ac:picMkLst>
+        </pc:picChg>
+      </pc:sldChg>
+      <pc:sldChg chg="addSp delSp modSp add mod">
+        <pc:chgData name="Anatoliy Kigel" userId="7432c6c4687b0a9c" providerId="LiveId" clId="{5B174B23-911B-4665-A088-9D76E589F9C5}" dt="2021-01-03T18:28:50.042" v="43"/>
+        <pc:sldMkLst>
+          <pc:docMk/>
+          <pc:sldMk cId="3453687622" sldId="358"/>
+        </pc:sldMkLst>
+        <pc:spChg chg="del mod">
+          <ac:chgData name="Anatoliy Kigel" userId="7432c6c4687b0a9c" providerId="LiveId" clId="{5B174B23-911B-4665-A088-9D76E589F9C5}" dt="2021-01-03T18:28:49.359" v="42" actId="478"/>
+          <ac:spMkLst>
+            <pc:docMk/>
+            <pc:sldMk cId="3453687622" sldId="358"/>
+            <ac:spMk id="3" creationId="{00000000-0000-0000-0000-000000000000}"/>
+          </ac:spMkLst>
+        </pc:spChg>
+        <pc:spChg chg="add mod">
+          <ac:chgData name="Anatoliy Kigel" userId="7432c6c4687b0a9c" providerId="LiveId" clId="{5B174B23-911B-4665-A088-9D76E589F9C5}" dt="2021-01-03T18:28:50.042" v="43"/>
+          <ac:spMkLst>
+            <pc:docMk/>
+            <pc:sldMk cId="3453687622" sldId="358"/>
+            <ac:spMk id="8" creationId="{B36E367F-71CF-416B-B5B1-685DE4362314}"/>
+          </ac:spMkLst>
+        </pc:spChg>
+      </pc:sldChg>
+    </pc:docChg>
+  </pc:docChgLst>
+</pc:chgInfo>
+</file>
+
 <file path=ppt/notesMasters/notesMaster1.xml><?xml version="1.0" encoding="utf-8"?>
 <p:notesMaster xmlns:a="http://schemas.openxmlformats.org/drawingml/2006/main" xmlns:r="http://schemas.openxmlformats.org/officeDocument/2006/relationships" xmlns:p="http://schemas.openxmlformats.org/presentationml/2006/main">
   <p:cSld>
@@ -274,7 +423,7 @@
             <a:fld id="{85522811-C5C6-42D2-A409-F8556720C93F}" type="datetimeFigureOut">
               <a:rPr lang="uk-UA" smtClean="0"/>
               <a:pPr/>
-              <a:t>26.12.2020</a:t>
+              <a:t>03.01.2021</a:t>
             </a:fld>
             <a:endParaRPr lang="uk-UA"/>
           </a:p>
@@ -436,7 +585,7 @@
             <a:fld id="{B2668688-711B-4328-ACFB-54B46FA90133}" type="slidenum">
               <a:rPr lang="uk-UA" smtClean="0"/>
               <a:pPr/>
-              <a:t>‹#›</a:t>
+              <a:t>‹№›</a:t>
             </a:fld>
             <a:endParaRPr lang="uk-UA"/>
           </a:p>
@@ -819,7 +968,7 @@
             <a:fld id="{E6FC6B0D-6115-4D7C-8040-9C8E2349BB6E}" type="datetime1">
               <a:rPr lang="uk-UA" smtClean="0"/>
               <a:pPr/>
-              <a:t>26.12.2020</a:t>
+              <a:t>03.01.2021</a:t>
             </a:fld>
             <a:endParaRPr lang="uk-UA"/>
           </a:p>
@@ -862,7 +1011,7 @@
             <a:fld id="{6389AA22-90B4-448C-8B6B-C699140D38B9}" type="slidenum">
               <a:rPr lang="uk-UA" smtClean="0"/>
               <a:pPr/>
-              <a:t>‹#›</a:t>
+              <a:t>‹№›</a:t>
             </a:fld>
             <a:endParaRPr lang="uk-UA"/>
           </a:p>
@@ -986,7 +1135,7 @@
             <a:fld id="{996367BA-0A39-4DE2-BFC3-D5290044365E}" type="datetime1">
               <a:rPr lang="uk-UA" smtClean="0"/>
               <a:pPr/>
-              <a:t>26.12.2020</a:t>
+              <a:t>03.01.2021</a:t>
             </a:fld>
             <a:endParaRPr lang="uk-UA"/>
           </a:p>
@@ -1029,7 +1178,7 @@
             <a:fld id="{6389AA22-90B4-448C-8B6B-C699140D38B9}" type="slidenum">
               <a:rPr lang="uk-UA" smtClean="0"/>
               <a:pPr/>
-              <a:t>‹#›</a:t>
+              <a:t>‹№›</a:t>
             </a:fld>
             <a:endParaRPr lang="uk-UA"/>
           </a:p>
@@ -1163,7 +1312,7 @@
             <a:fld id="{1BD6A67F-6C29-47DC-AF8A-FDB3C787DF70}" type="datetime1">
               <a:rPr lang="uk-UA" smtClean="0"/>
               <a:pPr/>
-              <a:t>26.12.2020</a:t>
+              <a:t>03.01.2021</a:t>
             </a:fld>
             <a:endParaRPr lang="uk-UA"/>
           </a:p>
@@ -1206,7 +1355,7 @@
             <a:fld id="{6389AA22-90B4-448C-8B6B-C699140D38B9}" type="slidenum">
               <a:rPr lang="uk-UA" smtClean="0"/>
               <a:pPr/>
-              <a:t>‹#›</a:t>
+              <a:t>‹№›</a:t>
             </a:fld>
             <a:endParaRPr lang="uk-UA"/>
           </a:p>
@@ -1330,7 +1479,7 @@
             <a:fld id="{1657D9C5-7FF1-434F-B56E-9BAD559744E9}" type="datetime1">
               <a:rPr lang="uk-UA" smtClean="0"/>
               <a:pPr/>
-              <a:t>26.12.2020</a:t>
+              <a:t>03.01.2021</a:t>
             </a:fld>
             <a:endParaRPr lang="uk-UA"/>
           </a:p>
@@ -1373,7 +1522,7 @@
             <a:fld id="{6389AA22-90B4-448C-8B6B-C699140D38B9}" type="slidenum">
               <a:rPr lang="uk-UA" smtClean="0"/>
               <a:pPr/>
-              <a:t>‹#›</a:t>
+              <a:t>‹№›</a:t>
             </a:fld>
             <a:endParaRPr lang="uk-UA"/>
           </a:p>
@@ -1573,7 +1722,7 @@
             <a:fld id="{2CEB0FC9-DE63-476B-A1A9-BE934D9049F8}" type="datetime1">
               <a:rPr lang="uk-UA" smtClean="0"/>
               <a:pPr/>
-              <a:t>26.12.2020</a:t>
+              <a:t>03.01.2021</a:t>
             </a:fld>
             <a:endParaRPr lang="uk-UA"/>
           </a:p>
@@ -1616,7 +1765,7 @@
             <a:fld id="{6389AA22-90B4-448C-8B6B-C699140D38B9}" type="slidenum">
               <a:rPr lang="uk-UA" smtClean="0"/>
               <a:pPr/>
-              <a:t>‹#›</a:t>
+              <a:t>‹№›</a:t>
             </a:fld>
             <a:endParaRPr lang="uk-UA"/>
           </a:p>
@@ -1858,7 +2007,7 @@
             <a:fld id="{F964460F-86E2-4DF6-9D0F-12F5005CF375}" type="datetime1">
               <a:rPr lang="uk-UA" smtClean="0"/>
               <a:pPr/>
-              <a:t>26.12.2020</a:t>
+              <a:t>03.01.2021</a:t>
             </a:fld>
             <a:endParaRPr lang="uk-UA"/>
           </a:p>
@@ -1901,7 +2050,7 @@
             <a:fld id="{6389AA22-90B4-448C-8B6B-C699140D38B9}" type="slidenum">
               <a:rPr lang="uk-UA" smtClean="0"/>
               <a:pPr/>
-              <a:t>‹#›</a:t>
+              <a:t>‹№›</a:t>
             </a:fld>
             <a:endParaRPr lang="uk-UA"/>
           </a:p>
@@ -2277,7 +2426,7 @@
             <a:fld id="{C521715E-DDCD-4267-B0A5-2918B6F6768A}" type="datetime1">
               <a:rPr lang="uk-UA" smtClean="0"/>
               <a:pPr/>
-              <a:t>26.12.2020</a:t>
+              <a:t>03.01.2021</a:t>
             </a:fld>
             <a:endParaRPr lang="uk-UA"/>
           </a:p>
@@ -2320,7 +2469,7 @@
             <a:fld id="{6389AA22-90B4-448C-8B6B-C699140D38B9}" type="slidenum">
               <a:rPr lang="uk-UA" smtClean="0"/>
               <a:pPr/>
-              <a:t>‹#›</a:t>
+              <a:t>‹№›</a:t>
             </a:fld>
             <a:endParaRPr lang="uk-UA"/>
           </a:p>
@@ -2392,7 +2541,7 @@
             <a:fld id="{9289842C-EB2D-4EBB-A272-2F6A49D9794D}" type="datetime1">
               <a:rPr lang="uk-UA" smtClean="0"/>
               <a:pPr/>
-              <a:t>26.12.2020</a:t>
+              <a:t>03.01.2021</a:t>
             </a:fld>
             <a:endParaRPr lang="uk-UA"/>
           </a:p>
@@ -2435,7 +2584,7 @@
             <a:fld id="{6389AA22-90B4-448C-8B6B-C699140D38B9}" type="slidenum">
               <a:rPr lang="uk-UA" smtClean="0"/>
               <a:pPr/>
-              <a:t>‹#›</a:t>
+              <a:t>‹№›</a:t>
             </a:fld>
             <a:endParaRPr lang="uk-UA"/>
           </a:p>
@@ -2484,7 +2633,7 @@
             <a:fld id="{D036F091-B700-4B52-99AC-85D0FD94D904}" type="datetime1">
               <a:rPr lang="uk-UA" smtClean="0"/>
               <a:pPr/>
-              <a:t>26.12.2020</a:t>
+              <a:t>03.01.2021</a:t>
             </a:fld>
             <a:endParaRPr lang="uk-UA"/>
           </a:p>
@@ -2527,7 +2676,7 @@
             <a:fld id="{6389AA22-90B4-448C-8B6B-C699140D38B9}" type="slidenum">
               <a:rPr lang="uk-UA" smtClean="0"/>
               <a:pPr/>
-              <a:t>‹#›</a:t>
+              <a:t>‹№›</a:t>
             </a:fld>
             <a:endParaRPr lang="uk-UA"/>
           </a:p>
@@ -2758,7 +2907,7 @@
             <a:fld id="{B35DFABA-3811-4634-B803-2EAC4CD0063B}" type="datetime1">
               <a:rPr lang="uk-UA" smtClean="0"/>
               <a:pPr/>
-              <a:t>26.12.2020</a:t>
+              <a:t>03.01.2021</a:t>
             </a:fld>
             <a:endParaRPr lang="uk-UA"/>
           </a:p>
@@ -2801,7 +2950,7 @@
             <a:fld id="{6389AA22-90B4-448C-8B6B-C699140D38B9}" type="slidenum">
               <a:rPr lang="uk-UA" smtClean="0"/>
               <a:pPr/>
-              <a:t>‹#›</a:t>
+              <a:t>‹№›</a:t>
             </a:fld>
             <a:endParaRPr lang="uk-UA"/>
           </a:p>
@@ -3008,7 +3157,7 @@
             <a:fld id="{8A9EA25E-F88E-463A-A119-D1E55A881002}" type="datetime1">
               <a:rPr lang="uk-UA" smtClean="0"/>
               <a:pPr/>
-              <a:t>26.12.2020</a:t>
+              <a:t>03.01.2021</a:t>
             </a:fld>
             <a:endParaRPr lang="uk-UA"/>
           </a:p>
@@ -3051,7 +3200,7 @@
             <a:fld id="{6389AA22-90B4-448C-8B6B-C699140D38B9}" type="slidenum">
               <a:rPr lang="uk-UA" smtClean="0"/>
               <a:pPr/>
-              <a:t>‹#›</a:t>
+              <a:t>‹№›</a:t>
             </a:fld>
             <a:endParaRPr lang="uk-UA"/>
           </a:p>
@@ -3218,7 +3367,7 @@
             <a:fld id="{E708ED03-0080-49A2-B709-7DA4ACB3A1C3}" type="datetime1">
               <a:rPr lang="uk-UA" smtClean="0"/>
               <a:pPr/>
-              <a:t>26.12.2020</a:t>
+              <a:t>03.01.2021</a:t>
             </a:fld>
             <a:endParaRPr lang="uk-UA"/>
           </a:p>
@@ -3297,7 +3446,7 @@
             <a:fld id="{6389AA22-90B4-448C-8B6B-C699140D38B9}" type="slidenum">
               <a:rPr lang="uk-UA" smtClean="0"/>
               <a:pPr/>
-              <a:t>‹#›</a:t>
+              <a:t>‹№›</a:t>
             </a:fld>
             <a:endParaRPr lang="uk-UA"/>
           </a:p>
@@ -3628,7 +3777,7 @@
           <a:p>
             <a:pPr algn="ctr"/>
             <a:r>
-              <a:rPr lang="ru-RU" sz="4400" b="1" dirty="0" smtClean="0">
+              <a:rPr lang="ru-RU" sz="4400" b="1" dirty="0">
                 <a:solidFill>
                   <a:schemeClr val="bg1"/>
                 </a:solidFill>
@@ -3762,7 +3911,7 @@
           <a:p>
             <a:pPr algn="ctr" fontAlgn="base"/>
             <a:r>
-              <a:rPr lang="en-US" sz="3200" b="1" dirty="0" smtClean="0">
+              <a:rPr lang="en-US" sz="3200" b="1" dirty="0">
                 <a:solidFill>
                   <a:schemeClr val="bg1"/>
                 </a:solidFill>
@@ -3771,7 +3920,7 @@
               <a:t>ORT</a:t>
             </a:r>
             <a:r>
-              <a:rPr lang="en-US" sz="3200" b="1" dirty="0" smtClean="0">
+              <a:rPr lang="en-US" sz="3200" b="1" dirty="0">
                 <a:solidFill>
                   <a:srgbClr val="FFC000"/>
                 </a:solidFill>
@@ -3780,7 +3929,7 @@
               <a:t>DNIPRO</a:t>
             </a:r>
             <a:r>
-              <a:rPr lang="en-US" sz="3200" b="1" dirty="0" smtClean="0">
+              <a:rPr lang="en-US" sz="3200" b="1" dirty="0">
                 <a:solidFill>
                   <a:schemeClr val="bg1"/>
                 </a:solidFill>
@@ -3789,7 +3938,7 @@
               <a:t>.ORG</a:t>
             </a:r>
             <a:r>
-              <a:rPr lang="en-US" sz="3200" b="1" dirty="0" smtClean="0">
+              <a:rPr lang="en-US" sz="3200" b="1" dirty="0">
                 <a:solidFill>
                   <a:srgbClr val="FFC000"/>
                 </a:solidFill>
@@ -3816,13 +3965,6 @@
   <p:clrMapOvr>
     <a:masterClrMapping/>
   </p:clrMapOvr>
-  <p:timing>
-    <p:tnLst>
-      <p:par>
-        <p:cTn id="1" dur="indefinite" restart="never" nodeType="tmRoot"/>
-      </p:par>
-    </p:tnLst>
-  </p:timing>
 </p:sld>
 </file>
 
@@ -3845,244 +3987,77 @@
       </p:grpSpPr>
       <p:sp>
         <p:nvSpPr>
-          <p:cNvPr id="8" name="Номер слайда 36"/>
-          <p:cNvSpPr txBox="1">
-            <a:spLocks/>
-          </p:cNvSpPr>
+          <p:cNvPr id="5" name="Прямоугольник 4"/>
+          <p:cNvSpPr/>
           <p:nvPr/>
         </p:nvSpPr>
         <p:spPr>
           <a:xfrm>
-            <a:off x="11208568" y="6237313"/>
-            <a:ext cx="648072" cy="432048"/>
-          </a:xfrm>
-          <a:prstGeom prst="roundRect">
-            <a:avLst/>
-          </a:prstGeom>
-          <a:ln w="25400" cap="flat" cmpd="sng" algn="ctr">
-            <a:solidFill>
-              <a:schemeClr val="tx2">
-                <a:lumMod val="60000"/>
-                <a:lumOff val="40000"/>
-              </a:schemeClr>
-            </a:solidFill>
-            <a:prstDash val="solid"/>
-          </a:ln>
+            <a:off x="0" y="0"/>
+            <a:ext cx="12192000" cy="6858000"/>
+          </a:xfrm>
+          <a:prstGeom prst="rect">
+            <a:avLst/>
+          </a:prstGeom>
+          <a:solidFill>
+            <a:schemeClr val="tx2">
+              <a:lumMod val="75000"/>
+            </a:schemeClr>
+          </a:solidFill>
         </p:spPr>
         <p:style>
           <a:lnRef idx="2">
-            <a:schemeClr val="accent1"/>
+            <a:schemeClr val="accent1">
+              <a:shade val="50000"/>
+            </a:schemeClr>
           </a:lnRef>
           <a:fillRef idx="1">
-            <a:schemeClr val="lt1"/>
+            <a:schemeClr val="accent1"/>
           </a:fillRef>
           <a:effectRef idx="0">
             <a:schemeClr val="accent1"/>
           </a:effectRef>
           <a:fontRef idx="minor">
-            <a:schemeClr val="dk1"/>
+            <a:schemeClr val="lt1"/>
           </a:fontRef>
         </p:style>
         <p:txBody>
-          <a:bodyPr vert="horz" lIns="91440" tIns="45720" rIns="91440" bIns="45720" rtlCol="0" anchor="ctr"/>
-          <a:lstStyle/>
-          <a:p>
-            <a:pPr algn="ctr">
-              <a:defRPr/>
-            </a:pPr>
-            <a:fld id="{6389AA22-90B4-448C-8B6B-C699140D38B9}" type="slidenum">
-              <a:rPr lang="uk-UA" sz="2400" b="1">
-                <a:solidFill>
-                  <a:schemeClr val="bg1">
-                    <a:lumMod val="50000"/>
-                  </a:schemeClr>
-                </a:solidFill>
-              </a:rPr>
-              <a:pPr algn="ctr">
-                <a:defRPr/>
-              </a:pPr>
-              <a:t>10</a:t>
-            </a:fld>
-            <a:endParaRPr lang="uk-UA" sz="2400" b="1" dirty="0">
-              <a:solidFill>
-                <a:schemeClr val="bg1">
-                  <a:lumMod val="50000"/>
-                </a:schemeClr>
-              </a:solidFill>
-            </a:endParaRPr>
-          </a:p>
-        </p:txBody>
-      </p:sp>
-      <p:sp>
-        <p:nvSpPr>
-          <p:cNvPr id="3" name="TextBox 2"/>
-          <p:cNvSpPr txBox="1"/>
-          <p:nvPr/>
-        </p:nvSpPr>
-        <p:spPr>
-          <a:xfrm>
-            <a:off x="0" y="188640"/>
-            <a:ext cx="12192000" cy="584775"/>
-          </a:xfrm>
-          <a:prstGeom prst="rect">
-            <a:avLst/>
-          </a:prstGeom>
-          <a:noFill/>
-        </p:spPr>
-        <p:txBody>
-          <a:bodyPr wrap="square" rtlCol="0">
-            <a:spAutoFit/>
-          </a:bodyPr>
+          <a:bodyPr rtlCol="0" anchor="ctr"/>
           <a:lstStyle/>
           <a:p>
             <a:pPr algn="ctr"/>
             <a:r>
-              <a:rPr lang="ru-RU" sz="3200" b="1" dirty="0" smtClean="0"/>
-              <a:t>Анимация переходов</a:t>
-            </a:r>
-            <a:endParaRPr lang="ru-RU" sz="3200" b="1" dirty="0"/>
-          </a:p>
-        </p:txBody>
-      </p:sp>
-      <p:pic>
-        <p:nvPicPr>
-          <p:cNvPr id="7" name="Рисунок 6"/>
-          <p:cNvPicPr>
-            <a:picLocks noChangeAspect="1"/>
-          </p:cNvPicPr>
-          <p:nvPr/>
-        </p:nvPicPr>
-        <p:blipFill>
-          <a:blip r:embed="rId2"/>
-          <a:stretch>
-            <a:fillRect/>
-          </a:stretch>
-        </p:blipFill>
-        <p:spPr>
-          <a:xfrm>
-            <a:off x="407368" y="1041665"/>
-            <a:ext cx="7632848" cy="3126141"/>
-          </a:xfrm>
-          <a:prstGeom prst="rect">
-            <a:avLst/>
-          </a:prstGeom>
-          <a:ln>
-            <a:solidFill>
-              <a:schemeClr val="bg1">
-                <a:lumMod val="85000"/>
-              </a:schemeClr>
-            </a:solidFill>
-          </a:ln>
-          <a:effectLst>
-            <a:outerShdw blurRad="292100" dist="139700" dir="2700000" algn="tl" rotWithShape="0">
-              <a:srgbClr val="333333">
-                <a:alpha val="65000"/>
-              </a:srgbClr>
-            </a:outerShdw>
-          </a:effectLst>
-        </p:spPr>
-      </p:pic>
-      <p:pic>
-        <p:nvPicPr>
-          <p:cNvPr id="11" name="Рисунок 10"/>
-          <p:cNvPicPr>
-            <a:picLocks noChangeAspect="1"/>
-          </p:cNvPicPr>
-          <p:nvPr/>
-        </p:nvPicPr>
-        <p:blipFill>
-          <a:blip r:embed="rId3"/>
-          <a:stretch>
-            <a:fillRect/>
-          </a:stretch>
-        </p:blipFill>
-        <p:spPr>
-          <a:xfrm>
-            <a:off x="407368" y="4581128"/>
-            <a:ext cx="7632848" cy="1667255"/>
-          </a:xfrm>
-          <a:prstGeom prst="rect">
-            <a:avLst/>
-          </a:prstGeom>
-          <a:ln>
-            <a:solidFill>
-              <a:schemeClr val="bg1">
-                <a:lumMod val="85000"/>
-              </a:schemeClr>
-            </a:solidFill>
-          </a:ln>
-          <a:effectLst>
-            <a:outerShdw blurRad="292100" dist="139700" dir="2700000" algn="tl" rotWithShape="0">
-              <a:srgbClr val="333333">
-                <a:alpha val="65000"/>
-              </a:srgbClr>
-            </a:outerShdw>
-          </a:effectLst>
-        </p:spPr>
-      </p:pic>
-      <p:sp>
-        <p:nvSpPr>
-          <p:cNvPr id="2" name="TextBox 1"/>
-          <p:cNvSpPr txBox="1"/>
-          <p:nvPr/>
-        </p:nvSpPr>
-        <p:spPr>
-          <a:xfrm>
-            <a:off x="8602016" y="1266525"/>
-            <a:ext cx="2952328" cy="2554545"/>
-          </a:xfrm>
-          <a:prstGeom prst="rect">
-            <a:avLst/>
-          </a:prstGeom>
-          <a:noFill/>
-        </p:spPr>
-        <p:txBody>
-          <a:bodyPr wrap="square" rtlCol="0">
-            <a:spAutoFit/>
-          </a:bodyPr>
-          <a:lstStyle/>
-          <a:p>
-            <a:r>
-              <a:rPr lang="ru-RU" sz="2000" dirty="0" smtClean="0"/>
-              <a:t>Конфигурация анимации переходов доступна при помощи специальных свойств (задающих отдельные аспекты анимации) или же при помощи универсального свойства</a:t>
-            </a:r>
-            <a:r>
-              <a:rPr lang="en-US" sz="2000" dirty="0" smtClean="0"/>
+              <a:rPr lang="ru-RU" sz="6000" b="1" dirty="0"/>
+              <a:t>3. Анимация переходов</a:t>
+            </a:r>
+            <a:r>
+              <a:rPr lang="en-US" sz="6000" b="1" dirty="0"/>
               <a:t> </a:t>
             </a:r>
-            <a:r>
-              <a:rPr lang="en-US" sz="2000" b="1" dirty="0" smtClean="0"/>
-              <a:t>transition</a:t>
-            </a:r>
-            <a:r>
-              <a:rPr lang="en-US" sz="2000" dirty="0" smtClean="0"/>
-              <a:t>.</a:t>
-            </a:r>
-            <a:r>
-              <a:rPr lang="ru-RU" sz="2000" dirty="0" smtClean="0"/>
-              <a:t> </a:t>
-            </a:r>
-            <a:endParaRPr lang="ru-RU" sz="2000" dirty="0"/>
+            <a:br>
+              <a:rPr lang="uk-UA" sz="6000" b="1" dirty="0"/>
+            </a:br>
+            <a:r>
+              <a:rPr lang="uk-UA" sz="6000" b="1" dirty="0"/>
+              <a:t>на </a:t>
+            </a:r>
+            <a:r>
+              <a:rPr lang="ru-RU" sz="6000" b="1" dirty="0"/>
+              <a:t>практике</a:t>
+            </a:r>
           </a:p>
         </p:txBody>
       </p:sp>
     </p:spTree>
     <p:extLst>
       <p:ext uri="{BB962C8B-B14F-4D97-AF65-F5344CB8AC3E}">
-        <p14:creationId xmlns:p14="http://schemas.microsoft.com/office/powerpoint/2010/main" val="1815854048"/>
+        <p14:creationId xmlns:p14="http://schemas.microsoft.com/office/powerpoint/2010/main" val="1545669484"/>
       </p:ext>
     </p:extLst>
   </p:cSld>
   <p:clrMapOvr>
     <a:masterClrMapping/>
   </p:clrMapOvr>
-  <p:timing>
-    <p:tnLst>
-      <p:par>
-        <p:cTn id="1" dur="indefinite" restart="never" nodeType="tmRoot"/>
-      </p:par>
-    </p:tnLst>
-  </p:timing>
 </p:sld>
 </file>
 
@@ -4113,7 +4088,7 @@
         </p:nvSpPr>
         <p:spPr>
           <a:xfrm>
-            <a:off x="11208568" y="6165304"/>
+            <a:off x="11208568" y="6237313"/>
             <a:ext cx="648072" cy="432048"/>
           </a:xfrm>
           <a:prstGeom prst="roundRect">
@@ -4173,9 +4148,39 @@
           </a:p>
         </p:txBody>
       </p:sp>
+      <p:sp>
+        <p:nvSpPr>
+          <p:cNvPr id="3" name="TextBox 2"/>
+          <p:cNvSpPr txBox="1"/>
+          <p:nvPr/>
+        </p:nvSpPr>
+        <p:spPr>
+          <a:xfrm>
+            <a:off x="0" y="188640"/>
+            <a:ext cx="12192000" cy="584775"/>
+          </a:xfrm>
+          <a:prstGeom prst="rect">
+            <a:avLst/>
+          </a:prstGeom>
+          <a:noFill/>
+        </p:spPr>
+        <p:txBody>
+          <a:bodyPr wrap="square" rtlCol="0">
+            <a:spAutoFit/>
+          </a:bodyPr>
+          <a:lstStyle/>
+          <a:p>
+            <a:pPr algn="ctr"/>
+            <a:r>
+              <a:rPr lang="ru-RU" sz="3200" b="1" dirty="0"/>
+              <a:t>Анимация переходов</a:t>
+            </a:r>
+          </a:p>
+        </p:txBody>
+      </p:sp>
       <p:pic>
         <p:nvPicPr>
-          <p:cNvPr id="2" name="Рисунок 1"/>
+          <p:cNvPr id="7" name="Рисунок 6"/>
           <p:cNvPicPr>
             <a:picLocks noChangeAspect="1"/>
           </p:cNvPicPr>
@@ -4189,8 +4194,8 @@
         </p:blipFill>
         <p:spPr>
           <a:xfrm>
-            <a:off x="1799486" y="1340768"/>
-            <a:ext cx="8572569" cy="1954160"/>
+            <a:off x="407368" y="1041665"/>
+            <a:ext cx="7632848" cy="3126141"/>
           </a:xfrm>
           <a:prstGeom prst="rect">
             <a:avLst/>
@@ -4211,16 +4216,54 @@
           </a:effectLst>
         </p:spPr>
       </p:pic>
-      <p:sp>
-        <p:nvSpPr>
-          <p:cNvPr id="5" name="TextBox 4"/>
+      <p:pic>
+        <p:nvPicPr>
+          <p:cNvPr id="11" name="Рисунок 10"/>
+          <p:cNvPicPr>
+            <a:picLocks noChangeAspect="1"/>
+          </p:cNvPicPr>
+          <p:nvPr/>
+        </p:nvPicPr>
+        <p:blipFill>
+          <a:blip r:embed="rId3"/>
+          <a:stretch>
+            <a:fillRect/>
+          </a:stretch>
+        </p:blipFill>
+        <p:spPr>
+          <a:xfrm>
+            <a:off x="407368" y="4581128"/>
+            <a:ext cx="7632848" cy="1667255"/>
+          </a:xfrm>
+          <a:prstGeom prst="rect">
+            <a:avLst/>
+          </a:prstGeom>
+          <a:ln>
+            <a:solidFill>
+              <a:schemeClr val="bg1">
+                <a:lumMod val="85000"/>
+              </a:schemeClr>
+            </a:solidFill>
+          </a:ln>
+          <a:effectLst>
+            <a:outerShdw blurRad="292100" dist="139700" dir="2700000" algn="tl" rotWithShape="0">
+              <a:srgbClr val="333333">
+                <a:alpha val="65000"/>
+              </a:srgbClr>
+            </a:outerShdw>
+          </a:effectLst>
+        </p:spPr>
+      </p:pic>
+      <p:sp>
+        <p:nvSpPr>
+          <p:cNvPr id="2" name="TextBox 1"/>
           <p:cNvSpPr txBox="1"/>
           <p:nvPr/>
         </p:nvSpPr>
         <p:spPr>
           <a:xfrm>
-            <a:off x="1799485" y="3645024"/>
-            <a:ext cx="8572570" cy="2677656"/>
+            <a:off x="8602016" y="1266525"/>
+            <a:ext cx="2952328" cy="2554545"/>
           </a:xfrm>
           <a:prstGeom prst="rect">
             <a:avLst/>
@@ -4234,105 +4277,38 @@
           <a:lstStyle/>
           <a:p>
             <a:r>
-              <a:rPr lang="ru-RU" sz="2400" dirty="0"/>
-              <a:t>Анимировать можно только те </a:t>
-            </a:r>
-            <a:r>
-              <a:rPr lang="ru-RU" sz="2400" b="1" dirty="0"/>
-              <a:t>свойства значения которых задаются в числовом виде</a:t>
-            </a:r>
-            <a:r>
-              <a:rPr lang="ru-RU" sz="2400" dirty="0"/>
-              <a:t>, и браузер может рассчитать изменение этих значений во </a:t>
-            </a:r>
-            <a:r>
-              <a:rPr lang="ru-RU" sz="2400" dirty="0" smtClean="0"/>
-              <a:t>времени. Чтобы </a:t>
-            </a:r>
-            <a:r>
-              <a:rPr lang="ru-RU" sz="2400" dirty="0"/>
-              <a:t>анимация перехода работала необходимо </a:t>
-            </a:r>
-            <a:r>
-              <a:rPr lang="ru-RU" sz="2400" dirty="0" smtClean="0"/>
-              <a:t>чтобы у тега было задано </a:t>
-            </a:r>
-            <a:r>
-              <a:rPr lang="ru-RU" sz="2400" dirty="0"/>
-              <a:t>начальное </a:t>
-            </a:r>
-            <a:r>
-              <a:rPr lang="ru-RU" sz="2400" dirty="0" smtClean="0"/>
-              <a:t>значение того свойства которое должно быть анимируемым (т.</a:t>
-            </a:r>
-            <a:r>
-              <a:rPr lang="uk-UA" sz="2400" dirty="0"/>
-              <a:t>е</a:t>
-            </a:r>
-            <a:r>
-              <a:rPr lang="ru-RU" sz="2400" dirty="0" smtClean="0"/>
-              <a:t>. нужно указать стартовое значение </a:t>
-            </a:r>
-            <a:r>
-              <a:rPr lang="ru-RU" sz="2400" dirty="0"/>
-              <a:t>с которого начнётся </a:t>
-            </a:r>
-            <a:r>
-              <a:rPr lang="ru-RU" sz="2400" dirty="0" smtClean="0"/>
-              <a:t>переход).</a:t>
-            </a:r>
-            <a:endParaRPr lang="ru-RU" sz="2400" dirty="0"/>
-          </a:p>
-        </p:txBody>
-      </p:sp>
-      <p:sp>
-        <p:nvSpPr>
-          <p:cNvPr id="6" name="TextBox 5"/>
-          <p:cNvSpPr txBox="1"/>
-          <p:nvPr/>
-        </p:nvSpPr>
-        <p:spPr>
-          <a:xfrm>
-            <a:off x="0" y="323945"/>
-            <a:ext cx="12192000" cy="584775"/>
-          </a:xfrm>
-          <a:prstGeom prst="rect">
-            <a:avLst/>
-          </a:prstGeom>
-          <a:noFill/>
-        </p:spPr>
-        <p:txBody>
-          <a:bodyPr wrap="square" rtlCol="0">
-            <a:spAutoFit/>
-          </a:bodyPr>
-          <a:lstStyle/>
-          <a:p>
-            <a:pPr algn="ctr"/>
-            <a:r>
-              <a:rPr lang="ru-RU" sz="3200" b="1" dirty="0" smtClean="0"/>
-              <a:t>Анимация переходов</a:t>
-            </a:r>
-            <a:endParaRPr lang="ru-RU" sz="3200" b="1" dirty="0"/>
+              <a:rPr lang="ru-RU" sz="2000" dirty="0"/>
+              <a:t>Конфигурация анимации переходов доступна при помощи специальных свойств (задающих отдельные аспекты анимации) или же при помощи универсального свойства</a:t>
+            </a:r>
+            <a:r>
+              <a:rPr lang="en-US" sz="2000" dirty="0"/>
+              <a:t> </a:t>
+            </a:r>
+            <a:r>
+              <a:rPr lang="en-US" sz="2000" b="1" dirty="0"/>
+              <a:t>transition</a:t>
+            </a:r>
+            <a:r>
+              <a:rPr lang="en-US" sz="2000" dirty="0"/>
+              <a:t>.</a:t>
+            </a:r>
+            <a:r>
+              <a:rPr lang="ru-RU" sz="2000" dirty="0"/>
+              <a:t> </a:t>
+            </a:r>
           </a:p>
         </p:txBody>
       </p:sp>
     </p:spTree>
     <p:extLst>
       <p:ext uri="{BB962C8B-B14F-4D97-AF65-F5344CB8AC3E}">
-        <p14:creationId xmlns:p14="http://schemas.microsoft.com/office/powerpoint/2010/main" val="3346189428"/>
+        <p14:creationId xmlns:p14="http://schemas.microsoft.com/office/powerpoint/2010/main" val="1815854048"/>
       </p:ext>
     </p:extLst>
   </p:cSld>
   <p:clrMapOvr>
     <a:masterClrMapping/>
   </p:clrMapOvr>
-  <p:timing>
-    <p:tnLst>
-      <p:par>
-        <p:cTn id="1" dur="indefinite" restart="never" nodeType="tmRoot"/>
-      </p:par>
-    </p:tnLst>
-  </p:timing>
 </p:sld>
 </file>
 
@@ -4355,69 +4331,191 @@
       </p:grpSpPr>
       <p:sp>
         <p:nvSpPr>
-          <p:cNvPr id="5" name="Прямоугольник 4"/>
-          <p:cNvSpPr/>
+          <p:cNvPr id="8" name="Номер слайда 36"/>
+          <p:cNvSpPr txBox="1">
+            <a:spLocks/>
+          </p:cNvSpPr>
           <p:nvPr/>
         </p:nvSpPr>
         <p:spPr>
           <a:xfrm>
-            <a:off x="0" y="0"/>
-            <a:ext cx="12192000" cy="6858000"/>
-          </a:xfrm>
-          <a:prstGeom prst="rect">
-            <a:avLst/>
-          </a:prstGeom>
-          <a:solidFill>
-            <a:schemeClr val="tx2">
-              <a:lumMod val="75000"/>
-            </a:schemeClr>
-          </a:solidFill>
+            <a:off x="11208568" y="6165304"/>
+            <a:ext cx="648072" cy="432048"/>
+          </a:xfrm>
+          <a:prstGeom prst="roundRect">
+            <a:avLst/>
+          </a:prstGeom>
+          <a:ln w="25400" cap="flat" cmpd="sng" algn="ctr">
+            <a:solidFill>
+              <a:schemeClr val="tx2">
+                <a:lumMod val="60000"/>
+                <a:lumOff val="40000"/>
+              </a:schemeClr>
+            </a:solidFill>
+            <a:prstDash val="solid"/>
+          </a:ln>
         </p:spPr>
         <p:style>
           <a:lnRef idx="2">
-            <a:schemeClr val="accent1">
-              <a:shade val="50000"/>
-            </a:schemeClr>
+            <a:schemeClr val="accent1"/>
           </a:lnRef>
           <a:fillRef idx="1">
-            <a:schemeClr val="accent1"/>
+            <a:schemeClr val="lt1"/>
           </a:fillRef>
           <a:effectRef idx="0">
             <a:schemeClr val="accent1"/>
           </a:effectRef>
           <a:fontRef idx="minor">
-            <a:schemeClr val="lt1"/>
+            <a:schemeClr val="dk1"/>
           </a:fontRef>
         </p:style>
         <p:txBody>
-          <a:bodyPr rtlCol="0" anchor="ctr"/>
+          <a:bodyPr vert="horz" lIns="91440" tIns="45720" rIns="91440" bIns="45720" rtlCol="0" anchor="ctr"/>
+          <a:lstStyle/>
+          <a:p>
+            <a:pPr algn="ctr">
+              <a:defRPr/>
+            </a:pPr>
+            <a:fld id="{6389AA22-90B4-448C-8B6B-C699140D38B9}" type="slidenum">
+              <a:rPr lang="uk-UA" sz="2400" b="1">
+                <a:solidFill>
+                  <a:schemeClr val="bg1">
+                    <a:lumMod val="50000"/>
+                  </a:schemeClr>
+                </a:solidFill>
+              </a:rPr>
+              <a:pPr algn="ctr">
+                <a:defRPr/>
+              </a:pPr>
+              <a:t>12</a:t>
+            </a:fld>
+            <a:endParaRPr lang="uk-UA" sz="2400" b="1" dirty="0">
+              <a:solidFill>
+                <a:schemeClr val="bg1">
+                  <a:lumMod val="50000"/>
+                </a:schemeClr>
+              </a:solidFill>
+            </a:endParaRPr>
+          </a:p>
+        </p:txBody>
+      </p:sp>
+      <p:pic>
+        <p:nvPicPr>
+          <p:cNvPr id="2" name="Рисунок 1"/>
+          <p:cNvPicPr>
+            <a:picLocks noChangeAspect="1"/>
+          </p:cNvPicPr>
+          <p:nvPr/>
+        </p:nvPicPr>
+        <p:blipFill>
+          <a:blip r:embed="rId2"/>
+          <a:stretch>
+            <a:fillRect/>
+          </a:stretch>
+        </p:blipFill>
+        <p:spPr>
+          <a:xfrm>
+            <a:off x="1799486" y="1340768"/>
+            <a:ext cx="8572569" cy="1954160"/>
+          </a:xfrm>
+          <a:prstGeom prst="rect">
+            <a:avLst/>
+          </a:prstGeom>
+          <a:ln>
+            <a:solidFill>
+              <a:schemeClr val="bg1">
+                <a:lumMod val="85000"/>
+              </a:schemeClr>
+            </a:solidFill>
+          </a:ln>
+          <a:effectLst>
+            <a:outerShdw blurRad="292100" dist="139700" dir="2700000" algn="tl" rotWithShape="0">
+              <a:srgbClr val="333333">
+                <a:alpha val="65000"/>
+              </a:srgbClr>
+            </a:outerShdw>
+          </a:effectLst>
+        </p:spPr>
+      </p:pic>
+      <p:sp>
+        <p:nvSpPr>
+          <p:cNvPr id="5" name="TextBox 4"/>
+          <p:cNvSpPr txBox="1"/>
+          <p:nvPr/>
+        </p:nvSpPr>
+        <p:spPr>
+          <a:xfrm>
+            <a:off x="1799485" y="3645024"/>
+            <a:ext cx="8572570" cy="2677656"/>
+          </a:xfrm>
+          <a:prstGeom prst="rect">
+            <a:avLst/>
+          </a:prstGeom>
+          <a:noFill/>
+        </p:spPr>
+        <p:txBody>
+          <a:bodyPr wrap="square" rtlCol="0">
+            <a:spAutoFit/>
+          </a:bodyPr>
+          <a:lstStyle/>
+          <a:p>
+            <a:r>
+              <a:rPr lang="ru-RU" sz="2400" dirty="0"/>
+              <a:t>Анимировать можно только те </a:t>
+            </a:r>
+            <a:r>
+              <a:rPr lang="ru-RU" sz="2400" b="1" dirty="0"/>
+              <a:t>свойства значения которых задаются в числовом виде</a:t>
+            </a:r>
+            <a:r>
+              <a:rPr lang="ru-RU" sz="2400" dirty="0"/>
+              <a:t>, и браузер может рассчитать изменение этих значений во времени. Чтобы анимация перехода работала необходимо чтобы у тега было задано начальное значение того свойства которое должно быть анимируемым (т.</a:t>
+            </a:r>
+            <a:r>
+              <a:rPr lang="uk-UA" sz="2400" dirty="0"/>
+              <a:t>е</a:t>
+            </a:r>
+            <a:r>
+              <a:rPr lang="ru-RU" sz="2400" dirty="0"/>
+              <a:t>. нужно указать стартовое значение с которого начнётся переход).</a:t>
+            </a:r>
+          </a:p>
+        </p:txBody>
+      </p:sp>
+      <p:sp>
+        <p:nvSpPr>
+          <p:cNvPr id="6" name="TextBox 5"/>
+          <p:cNvSpPr txBox="1"/>
+          <p:nvPr/>
+        </p:nvSpPr>
+        <p:spPr>
+          <a:xfrm>
+            <a:off x="0" y="323945"/>
+            <a:ext cx="12192000" cy="584775"/>
+          </a:xfrm>
+          <a:prstGeom prst="rect">
+            <a:avLst/>
+          </a:prstGeom>
+          <a:noFill/>
+        </p:spPr>
+        <p:txBody>
+          <a:bodyPr wrap="square" rtlCol="0">
+            <a:spAutoFit/>
+          </a:bodyPr>
           <a:lstStyle/>
           <a:p>
             <a:pPr algn="ctr"/>
             <a:r>
-              <a:rPr lang="en-US" sz="6000" b="1" dirty="0"/>
-              <a:t>4</a:t>
-            </a:r>
-            <a:r>
-              <a:rPr lang="ru-RU" sz="6000" b="1" dirty="0" smtClean="0"/>
-              <a:t>. Полезные </a:t>
-            </a:r>
-            <a:r>
-              <a:rPr lang="it-IT" sz="6000" b="1" dirty="0" smtClean="0"/>
-              <a:t>CSS</a:t>
-            </a:r>
-            <a:r>
-              <a:rPr lang="ru-RU" sz="6000" b="1" dirty="0" smtClean="0"/>
-              <a:t>-свойства</a:t>
-            </a:r>
-            <a:endParaRPr lang="uk-UA" sz="6000" b="1" dirty="0"/>
+              <a:rPr lang="ru-RU" sz="3200" b="1" dirty="0"/>
+              <a:t>Анимация переходов</a:t>
+            </a:r>
           </a:p>
         </p:txBody>
       </p:sp>
     </p:spTree>
     <p:extLst>
       <p:ext uri="{BB962C8B-B14F-4D97-AF65-F5344CB8AC3E}">
-        <p14:creationId xmlns:p14="http://schemas.microsoft.com/office/powerpoint/2010/main" val="2267737662"/>
+        <p14:creationId xmlns:p14="http://schemas.microsoft.com/office/powerpoint/2010/main" val="3346189428"/>
       </p:ext>
     </p:extLst>
   </p:cSld>
@@ -4446,242 +4544,75 @@
       </p:grpSpPr>
       <p:sp>
         <p:nvSpPr>
-          <p:cNvPr id="8" name="Номер слайда 36"/>
-          <p:cNvSpPr txBox="1">
-            <a:spLocks/>
-          </p:cNvSpPr>
+          <p:cNvPr id="5" name="Прямоугольник 4"/>
+          <p:cNvSpPr/>
           <p:nvPr/>
         </p:nvSpPr>
         <p:spPr>
           <a:xfrm>
-            <a:off x="11208568" y="6165304"/>
-            <a:ext cx="648072" cy="432048"/>
-          </a:xfrm>
-          <a:prstGeom prst="roundRect">
-            <a:avLst/>
-          </a:prstGeom>
-          <a:ln w="25400" cap="flat" cmpd="sng" algn="ctr">
-            <a:solidFill>
-              <a:schemeClr val="tx2">
-                <a:lumMod val="60000"/>
-                <a:lumOff val="40000"/>
-              </a:schemeClr>
-            </a:solidFill>
-            <a:prstDash val="solid"/>
-          </a:ln>
+            <a:off x="0" y="0"/>
+            <a:ext cx="12192000" cy="6858000"/>
+          </a:xfrm>
+          <a:prstGeom prst="rect">
+            <a:avLst/>
+          </a:prstGeom>
+          <a:solidFill>
+            <a:schemeClr val="tx2">
+              <a:lumMod val="75000"/>
+            </a:schemeClr>
+          </a:solidFill>
         </p:spPr>
         <p:style>
           <a:lnRef idx="2">
-            <a:schemeClr val="accent1"/>
+            <a:schemeClr val="accent1">
+              <a:shade val="50000"/>
+            </a:schemeClr>
           </a:lnRef>
           <a:fillRef idx="1">
-            <a:schemeClr val="lt1"/>
+            <a:schemeClr val="accent1"/>
           </a:fillRef>
           <a:effectRef idx="0">
             <a:schemeClr val="accent1"/>
           </a:effectRef>
           <a:fontRef idx="minor">
-            <a:schemeClr val="dk1"/>
+            <a:schemeClr val="lt1"/>
           </a:fontRef>
         </p:style>
         <p:txBody>
-          <a:bodyPr vert="horz" lIns="91440" tIns="45720" rIns="91440" bIns="45720" rtlCol="0" anchor="ctr"/>
-          <a:lstStyle/>
-          <a:p>
-            <a:pPr algn="ctr">
-              <a:defRPr/>
-            </a:pPr>
-            <a:fld id="{6389AA22-90B4-448C-8B6B-C699140D38B9}" type="slidenum">
-              <a:rPr lang="uk-UA" sz="2400" b="1">
-                <a:solidFill>
-                  <a:schemeClr val="bg1">
-                    <a:lumMod val="50000"/>
-                  </a:schemeClr>
-                </a:solidFill>
-              </a:rPr>
-              <a:pPr algn="ctr">
-                <a:defRPr/>
-              </a:pPr>
-              <a:t>13</a:t>
-            </a:fld>
-            <a:endParaRPr lang="uk-UA" sz="2400" b="1" dirty="0">
-              <a:solidFill>
-                <a:schemeClr val="bg1">
-                  <a:lumMod val="50000"/>
-                </a:schemeClr>
-              </a:solidFill>
-            </a:endParaRPr>
-          </a:p>
-        </p:txBody>
-      </p:sp>
-      <p:sp>
-        <p:nvSpPr>
-          <p:cNvPr id="3" name="TextBox 2"/>
-          <p:cNvSpPr txBox="1"/>
-          <p:nvPr/>
-        </p:nvSpPr>
-        <p:spPr>
-          <a:xfrm>
-            <a:off x="0" y="188640"/>
-            <a:ext cx="12191999" cy="707886"/>
-          </a:xfrm>
-          <a:prstGeom prst="rect">
-            <a:avLst/>
-          </a:prstGeom>
-          <a:noFill/>
-        </p:spPr>
-        <p:txBody>
-          <a:bodyPr wrap="square" rtlCol="0">
-            <a:spAutoFit/>
-          </a:bodyPr>
+          <a:bodyPr rtlCol="0" anchor="ctr"/>
           <a:lstStyle/>
           <a:p>
             <a:pPr algn="ctr"/>
             <a:r>
-              <a:rPr lang="en-US" sz="4000" b="1" dirty="0" smtClean="0"/>
-              <a:t>CSS Transform</a:t>
-            </a:r>
-            <a:endParaRPr lang="ru-RU" sz="4000" b="1" dirty="0"/>
-          </a:p>
-        </p:txBody>
-      </p:sp>
-      <p:sp>
-        <p:nvSpPr>
-          <p:cNvPr id="4" name="Прямоугольник 3"/>
-          <p:cNvSpPr/>
-          <p:nvPr/>
-        </p:nvSpPr>
-        <p:spPr>
-          <a:xfrm>
-            <a:off x="3989524" y="6021288"/>
-            <a:ext cx="4338432" cy="461665"/>
-          </a:xfrm>
-          <a:prstGeom prst="rect">
-            <a:avLst/>
-          </a:prstGeom>
-        </p:spPr>
-        <p:txBody>
-          <a:bodyPr wrap="none">
-            <a:spAutoFit/>
-          </a:bodyPr>
-          <a:lstStyle/>
-          <a:p>
-            <a:r>
-              <a:rPr lang="en-US" sz="2400" b="1" dirty="0">
-                <a:hlinkClick r:id="rId2"/>
-              </a:rPr>
-              <a:t>https://webref.ru/css/transform</a:t>
-            </a:r>
-            <a:endParaRPr lang="uk-UA" sz="2400" b="1" dirty="0"/>
-          </a:p>
-        </p:txBody>
-      </p:sp>
-      <p:sp>
-        <p:nvSpPr>
-          <p:cNvPr id="5" name="TextBox 4"/>
-          <p:cNvSpPr txBox="1"/>
-          <p:nvPr/>
-        </p:nvSpPr>
-        <p:spPr>
-          <a:xfrm>
-            <a:off x="-1" y="5354052"/>
-            <a:ext cx="12191999" cy="523220"/>
-          </a:xfrm>
-          <a:prstGeom prst="rect">
-            <a:avLst/>
-          </a:prstGeom>
-          <a:noFill/>
-        </p:spPr>
-        <p:txBody>
-          <a:bodyPr wrap="square" rtlCol="0">
-            <a:spAutoFit/>
-          </a:bodyPr>
-          <a:lstStyle/>
-          <a:p>
-            <a:pPr algn="ctr"/>
-            <a:r>
-              <a:rPr lang="it-IT" sz="2800" b="1" dirty="0" smtClean="0"/>
-              <a:t>transform</a:t>
-            </a:r>
-            <a:r>
-              <a:rPr lang="it-IT" sz="2800" dirty="0" smtClean="0"/>
-              <a:t> – </a:t>
-            </a:r>
-            <a:r>
-              <a:rPr lang="ru-RU" sz="2800" dirty="0" smtClean="0"/>
-              <a:t>геометрические трансформации элемента</a:t>
-            </a:r>
-            <a:endParaRPr lang="uk-UA" sz="2800" dirty="0"/>
-          </a:p>
-        </p:txBody>
-      </p:sp>
-      <p:pic>
-        <p:nvPicPr>
-          <p:cNvPr id="1034" name="Picture 10" descr="CSS Property: transform | HTML Dog"/>
-          <p:cNvPicPr>
-            <a:picLocks noChangeAspect="1" noChangeArrowheads="1"/>
-          </p:cNvPicPr>
-          <p:nvPr/>
-        </p:nvPicPr>
-        <p:blipFill>
-          <a:blip r:embed="rId3">
-            <a:extLst>
-              <a:ext uri="{28A0092B-C50C-407E-A947-70E740481C1C}">
-                <a14:useLocalDpi xmlns:a14="http://schemas.microsoft.com/office/drawing/2010/main" val="0"/>
-              </a:ext>
-            </a:extLst>
-          </a:blip>
-          <a:srcRect/>
-          <a:stretch>
-            <a:fillRect/>
-          </a:stretch>
-        </p:blipFill>
-        <p:spPr bwMode="auto">
-          <a:xfrm>
-            <a:off x="3989524" y="1052736"/>
-            <a:ext cx="3761656" cy="3761657"/>
-          </a:xfrm>
-          <a:prstGeom prst="rect">
-            <a:avLst/>
-          </a:prstGeom>
-          <a:ln>
-            <a:noFill/>
-          </a:ln>
-          <a:effectLst>
-            <a:outerShdw blurRad="292100" dist="139700" dir="2700000" algn="tl" rotWithShape="0">
-              <a:srgbClr val="333333">
-                <a:alpha val="65000"/>
-              </a:srgbClr>
-            </a:outerShdw>
-          </a:effectLst>
-          <a:extLst>
-            <a:ext uri="{909E8E84-426E-40DD-AFC4-6F175D3DCCD1}">
-              <a14:hiddenFill xmlns:a14="http://schemas.microsoft.com/office/drawing/2010/main">
-                <a:solidFill>
-                  <a:srgbClr val="FFFFFF"/>
-                </a:solidFill>
-              </a14:hiddenFill>
-            </a:ext>
-          </a:extLst>
-        </p:spPr>
-      </p:pic>
+              <a:rPr lang="en-US" sz="6000" b="1" dirty="0"/>
+              <a:t>4</a:t>
+            </a:r>
+            <a:r>
+              <a:rPr lang="ru-RU" sz="6000" b="1" dirty="0"/>
+              <a:t>. Полезные </a:t>
+            </a:r>
+            <a:r>
+              <a:rPr lang="it-IT" sz="6000" b="1" dirty="0"/>
+              <a:t>CSS</a:t>
+            </a:r>
+            <a:r>
+              <a:rPr lang="ru-RU" sz="6000" b="1" dirty="0"/>
+              <a:t>-свойства</a:t>
+            </a:r>
+            <a:endParaRPr lang="uk-UA" sz="6000" b="1" dirty="0"/>
+          </a:p>
+        </p:txBody>
+      </p:sp>
     </p:spTree>
     <p:extLst>
       <p:ext uri="{BB962C8B-B14F-4D97-AF65-F5344CB8AC3E}">
-        <p14:creationId xmlns:p14="http://schemas.microsoft.com/office/powerpoint/2010/main" val="1878899344"/>
+        <p14:creationId xmlns:p14="http://schemas.microsoft.com/office/powerpoint/2010/main" val="2267737662"/>
       </p:ext>
     </p:extLst>
   </p:cSld>
   <p:clrMapOvr>
     <a:masterClrMapping/>
   </p:clrMapOvr>
-  <p:timing>
-    <p:tnLst>
-      <p:par>
-        <p:cTn id="1" dur="indefinite" restart="never" nodeType="tmRoot"/>
-      </p:par>
-    </p:tnLst>
-  </p:timing>
 </p:sld>
 </file>
 
@@ -4796,8 +4727,8 @@
           <a:p>
             <a:pPr algn="ctr"/>
             <a:r>
-              <a:rPr lang="en-US" sz="4000" b="1" dirty="0" smtClean="0"/>
-              <a:t>CSS Filter</a:t>
+              <a:rPr lang="en-US" sz="4000" b="1" dirty="0"/>
+              <a:t>CSS Transform</a:t>
             </a:r>
             <a:endParaRPr lang="ru-RU" sz="4000" b="1" dirty="0"/>
           </a:p>
@@ -4812,7 +4743,7 @@
         <p:spPr>
           <a:xfrm>
             <a:off x="3989524" y="6021288"/>
-            <a:ext cx="3689793" cy="461665"/>
+            <a:ext cx="4338432" cy="461665"/>
           </a:xfrm>
           <a:prstGeom prst="rect">
             <a:avLst/>
@@ -4828,13 +4759,7 @@
               <a:rPr lang="en-US" sz="2400" b="1" dirty="0">
                 <a:hlinkClick r:id="rId2"/>
               </a:rPr>
-              <a:t>https://</a:t>
-            </a:r>
-            <a:r>
-              <a:rPr lang="en-US" sz="2400" b="1" dirty="0" smtClean="0">
-                <a:hlinkClick r:id="rId2"/>
-              </a:rPr>
-              <a:t>webref.ru/css/filter</a:t>
+              <a:t>https://webref.ru/css/transform</a:t>
             </a:r>
             <a:endParaRPr lang="uk-UA" sz="2400" b="1" dirty="0"/>
           </a:p>
@@ -4864,20 +4789,16 @@
           <a:p>
             <a:pPr algn="ctr"/>
             <a:r>
-              <a:rPr lang="it-IT" sz="2800" b="1" dirty="0" smtClean="0"/>
-              <a:t>filter</a:t>
-            </a:r>
-            <a:r>
-              <a:rPr lang="it-IT" sz="2800" dirty="0" smtClean="0"/>
+              <a:rPr lang="it-IT" sz="2800" b="1" dirty="0"/>
+              <a:t>transform</a:t>
+            </a:r>
+            <a:r>
+              <a:rPr lang="it-IT" sz="2800" dirty="0"/>
               <a:t> – </a:t>
             </a:r>
             <a:r>
-              <a:rPr lang="ru-RU" sz="2800" dirty="0" smtClean="0"/>
-              <a:t>графические фильтры средствами </a:t>
-            </a:r>
-            <a:r>
-              <a:rPr lang="it-IT" sz="2800" dirty="0" smtClean="0"/>
-              <a:t>CSS</a:t>
+              <a:rPr lang="ru-RU" sz="2800" dirty="0"/>
+              <a:t>геометрические трансформации элемента</a:t>
             </a:r>
             <a:endParaRPr lang="uk-UA" sz="2800" dirty="0"/>
           </a:p>
@@ -4885,7 +4806,7 @@
       </p:sp>
       <p:pic>
         <p:nvPicPr>
-          <p:cNvPr id="3074" name="Picture 2" descr="Filtering life"/>
+          <p:cNvPr id="1034" name="Picture 10" descr="CSS Property: transform | HTML Dog"/>
           <p:cNvPicPr>
             <a:picLocks noChangeAspect="1" noChangeArrowheads="1"/>
           </p:cNvPicPr>
@@ -4906,13 +4827,22 @@
         </p:blipFill>
         <p:spPr bwMode="auto">
           <a:xfrm>
-            <a:off x="2226756" y="980728"/>
-            <a:ext cx="8045708" cy="4223997"/>
+            <a:off x="3989524" y="1052736"/>
+            <a:ext cx="3761656" cy="3761657"/>
           </a:xfrm>
           <a:prstGeom prst="rect">
             <a:avLst/>
           </a:prstGeom>
-          <a:noFill/>
+          <a:ln>
+            <a:noFill/>
+          </a:ln>
+          <a:effectLst>
+            <a:outerShdw blurRad="292100" dist="139700" dir="2700000" algn="tl" rotWithShape="0">
+              <a:srgbClr val="333333">
+                <a:alpha val="65000"/>
+              </a:srgbClr>
+            </a:outerShdw>
+          </a:effectLst>
           <a:extLst>
             <a:ext uri="{909E8E84-426E-40DD-AFC4-6F175D3DCCD1}">
               <a14:hiddenFill xmlns:a14="http://schemas.microsoft.com/office/drawing/2010/main">
@@ -4927,20 +4857,13 @@
     </p:spTree>
     <p:extLst>
       <p:ext uri="{BB962C8B-B14F-4D97-AF65-F5344CB8AC3E}">
-        <p14:creationId xmlns:p14="http://schemas.microsoft.com/office/powerpoint/2010/main" val="1138088765"/>
+        <p14:creationId xmlns:p14="http://schemas.microsoft.com/office/powerpoint/2010/main" val="1878899344"/>
       </p:ext>
     </p:extLst>
   </p:cSld>
   <p:clrMapOvr>
     <a:masterClrMapping/>
   </p:clrMapOvr>
-  <p:timing>
-    <p:tnLst>
-      <p:par>
-        <p:cTn id="1" dur="indefinite" restart="never" nodeType="tmRoot"/>
-      </p:par>
-    </p:tnLst>
-  </p:timing>
 </p:sld>
 </file>
 
@@ -5039,7 +4962,7 @@
         </p:nvSpPr>
         <p:spPr>
           <a:xfrm>
-            <a:off x="0" y="416858"/>
+            <a:off x="0" y="188640"/>
             <a:ext cx="12191999" cy="707886"/>
           </a:xfrm>
           <a:prstGeom prst="rect">
@@ -5055,8 +4978,8 @@
           <a:p>
             <a:pPr algn="ctr"/>
             <a:r>
-              <a:rPr lang="en-US" sz="4000" b="1" dirty="0" smtClean="0"/>
-              <a:t>CSS Position</a:t>
+              <a:rPr lang="en-US" sz="4000" b="1" dirty="0"/>
+              <a:t>CSS Filter</a:t>
             </a:r>
             <a:endParaRPr lang="ru-RU" sz="4000" b="1" dirty="0"/>
           </a:p>
@@ -5071,7 +4994,7 @@
         <p:spPr>
           <a:xfrm>
             <a:off x="3989524" y="6021288"/>
-            <a:ext cx="4115166" cy="461665"/>
+            <a:ext cx="3689793" cy="461665"/>
           </a:xfrm>
           <a:prstGeom prst="rect">
             <a:avLst/>
@@ -5087,13 +5010,7 @@
               <a:rPr lang="en-US" sz="2400" b="1" dirty="0">
                 <a:hlinkClick r:id="rId2"/>
               </a:rPr>
-              <a:t>https://</a:t>
-            </a:r>
-            <a:r>
-              <a:rPr lang="en-US" sz="2400" b="1" dirty="0" smtClean="0">
-                <a:hlinkClick r:id="rId2"/>
-              </a:rPr>
-              <a:t>webref.ru/css/position</a:t>
+              <a:t>https://webref.ru/css/filter</a:t>
             </a:r>
             <a:endParaRPr lang="uk-UA" sz="2400" b="1" dirty="0"/>
           </a:p>
@@ -5123,15 +5040,261 @@
           <a:p>
             <a:pPr algn="ctr"/>
             <a:r>
-              <a:rPr lang="it-IT" sz="2800" b="1" dirty="0" smtClean="0"/>
+              <a:rPr lang="it-IT" sz="2800" b="1" dirty="0"/>
+              <a:t>filter</a:t>
+            </a:r>
+            <a:r>
+              <a:rPr lang="it-IT" sz="2800" dirty="0"/>
+              <a:t> – </a:t>
+            </a:r>
+            <a:r>
+              <a:rPr lang="ru-RU" sz="2800" dirty="0"/>
+              <a:t>графические фильтры средствами </a:t>
+            </a:r>
+            <a:r>
+              <a:rPr lang="it-IT" sz="2800" dirty="0"/>
+              <a:t>CSS</a:t>
+            </a:r>
+            <a:endParaRPr lang="uk-UA" sz="2800" dirty="0"/>
+          </a:p>
+        </p:txBody>
+      </p:sp>
+      <p:pic>
+        <p:nvPicPr>
+          <p:cNvPr id="3074" name="Picture 2" descr="Filtering life"/>
+          <p:cNvPicPr>
+            <a:picLocks noChangeAspect="1" noChangeArrowheads="1"/>
+          </p:cNvPicPr>
+          <p:nvPr/>
+        </p:nvPicPr>
+        <p:blipFill>
+          <a:blip r:embed="rId3">
+            <a:extLst>
+              <a:ext uri="{28A0092B-C50C-407E-A947-70E740481C1C}">
+                <a14:useLocalDpi xmlns:a14="http://schemas.microsoft.com/office/drawing/2010/main" val="0"/>
+              </a:ext>
+            </a:extLst>
+          </a:blip>
+          <a:srcRect/>
+          <a:stretch>
+            <a:fillRect/>
+          </a:stretch>
+        </p:blipFill>
+        <p:spPr bwMode="auto">
+          <a:xfrm>
+            <a:off x="2226756" y="980728"/>
+            <a:ext cx="8045708" cy="4223997"/>
+          </a:xfrm>
+          <a:prstGeom prst="rect">
+            <a:avLst/>
+          </a:prstGeom>
+          <a:noFill/>
+          <a:extLst>
+            <a:ext uri="{909E8E84-426E-40DD-AFC4-6F175D3DCCD1}">
+              <a14:hiddenFill xmlns:a14="http://schemas.microsoft.com/office/drawing/2010/main">
+                <a:solidFill>
+                  <a:srgbClr val="FFFFFF"/>
+                </a:solidFill>
+              </a14:hiddenFill>
+            </a:ext>
+          </a:extLst>
+        </p:spPr>
+      </p:pic>
+    </p:spTree>
+    <p:extLst>
+      <p:ext uri="{BB962C8B-B14F-4D97-AF65-F5344CB8AC3E}">
+        <p14:creationId xmlns:p14="http://schemas.microsoft.com/office/powerpoint/2010/main" val="1138088765"/>
+      </p:ext>
+    </p:extLst>
+  </p:cSld>
+  <p:clrMapOvr>
+    <a:masterClrMapping/>
+  </p:clrMapOvr>
+</p:sld>
+</file>
+
+<file path=ppt/slides/slide16.xml><?xml version="1.0" encoding="utf-8"?>
+<p:sld xmlns:a="http://schemas.openxmlformats.org/drawingml/2006/main" xmlns:r="http://schemas.openxmlformats.org/officeDocument/2006/relationships" xmlns:p="http://schemas.openxmlformats.org/presentationml/2006/main">
+  <p:cSld>
+    <p:spTree>
+      <p:nvGrpSpPr>
+        <p:cNvPr id="1" name=""/>
+        <p:cNvGrpSpPr/>
+        <p:nvPr/>
+      </p:nvGrpSpPr>
+      <p:grpSpPr>
+        <a:xfrm>
+          <a:off x="0" y="0"/>
+          <a:ext cx="0" cy="0"/>
+          <a:chOff x="0" y="0"/>
+          <a:chExt cx="0" cy="0"/>
+        </a:xfrm>
+      </p:grpSpPr>
+      <p:sp>
+        <p:nvSpPr>
+          <p:cNvPr id="8" name="Номер слайда 36"/>
+          <p:cNvSpPr txBox="1">
+            <a:spLocks/>
+          </p:cNvSpPr>
+          <p:nvPr/>
+        </p:nvSpPr>
+        <p:spPr>
+          <a:xfrm>
+            <a:off x="11208568" y="6165304"/>
+            <a:ext cx="648072" cy="432048"/>
+          </a:xfrm>
+          <a:prstGeom prst="roundRect">
+            <a:avLst/>
+          </a:prstGeom>
+          <a:ln w="25400" cap="flat" cmpd="sng" algn="ctr">
+            <a:solidFill>
+              <a:schemeClr val="tx2">
+                <a:lumMod val="60000"/>
+                <a:lumOff val="40000"/>
+              </a:schemeClr>
+            </a:solidFill>
+            <a:prstDash val="solid"/>
+          </a:ln>
+        </p:spPr>
+        <p:style>
+          <a:lnRef idx="2">
+            <a:schemeClr val="accent1"/>
+          </a:lnRef>
+          <a:fillRef idx="1">
+            <a:schemeClr val="lt1"/>
+          </a:fillRef>
+          <a:effectRef idx="0">
+            <a:schemeClr val="accent1"/>
+          </a:effectRef>
+          <a:fontRef idx="minor">
+            <a:schemeClr val="dk1"/>
+          </a:fontRef>
+        </p:style>
+        <p:txBody>
+          <a:bodyPr vert="horz" lIns="91440" tIns="45720" rIns="91440" bIns="45720" rtlCol="0" anchor="ctr"/>
+          <a:lstStyle/>
+          <a:p>
+            <a:pPr algn="ctr">
+              <a:defRPr/>
+            </a:pPr>
+            <a:fld id="{6389AA22-90B4-448C-8B6B-C699140D38B9}" type="slidenum">
+              <a:rPr lang="uk-UA" sz="2400" b="1">
+                <a:solidFill>
+                  <a:schemeClr val="bg1">
+                    <a:lumMod val="50000"/>
+                  </a:schemeClr>
+                </a:solidFill>
+              </a:rPr>
+              <a:pPr algn="ctr">
+                <a:defRPr/>
+              </a:pPr>
+              <a:t>16</a:t>
+            </a:fld>
+            <a:endParaRPr lang="uk-UA" sz="2400" b="1" dirty="0">
+              <a:solidFill>
+                <a:schemeClr val="bg1">
+                  <a:lumMod val="50000"/>
+                </a:schemeClr>
+              </a:solidFill>
+            </a:endParaRPr>
+          </a:p>
+        </p:txBody>
+      </p:sp>
+      <p:sp>
+        <p:nvSpPr>
+          <p:cNvPr id="3" name="TextBox 2"/>
+          <p:cNvSpPr txBox="1"/>
+          <p:nvPr/>
+        </p:nvSpPr>
+        <p:spPr>
+          <a:xfrm>
+            <a:off x="0" y="416858"/>
+            <a:ext cx="12191999" cy="707886"/>
+          </a:xfrm>
+          <a:prstGeom prst="rect">
+            <a:avLst/>
+          </a:prstGeom>
+          <a:noFill/>
+        </p:spPr>
+        <p:txBody>
+          <a:bodyPr wrap="square" rtlCol="0">
+            <a:spAutoFit/>
+          </a:bodyPr>
+          <a:lstStyle/>
+          <a:p>
+            <a:pPr algn="ctr"/>
+            <a:r>
+              <a:rPr lang="en-US" sz="4000" b="1" dirty="0"/>
+              <a:t>CSS Position</a:t>
+            </a:r>
+            <a:endParaRPr lang="ru-RU" sz="4000" b="1" dirty="0"/>
+          </a:p>
+        </p:txBody>
+      </p:sp>
+      <p:sp>
+        <p:nvSpPr>
+          <p:cNvPr id="4" name="Прямоугольник 3"/>
+          <p:cNvSpPr/>
+          <p:nvPr/>
+        </p:nvSpPr>
+        <p:spPr>
+          <a:xfrm>
+            <a:off x="3989524" y="6021288"/>
+            <a:ext cx="4115166" cy="461665"/>
+          </a:xfrm>
+          <a:prstGeom prst="rect">
+            <a:avLst/>
+          </a:prstGeom>
+        </p:spPr>
+        <p:txBody>
+          <a:bodyPr wrap="none">
+            <a:spAutoFit/>
+          </a:bodyPr>
+          <a:lstStyle/>
+          <a:p>
+            <a:r>
+              <a:rPr lang="en-US" sz="2400" b="1" dirty="0">
+                <a:hlinkClick r:id="rId2"/>
+              </a:rPr>
+              <a:t>https://webref.ru/css/position</a:t>
+            </a:r>
+            <a:endParaRPr lang="uk-UA" sz="2400" b="1" dirty="0"/>
+          </a:p>
+        </p:txBody>
+      </p:sp>
+      <p:sp>
+        <p:nvSpPr>
+          <p:cNvPr id="5" name="TextBox 4"/>
+          <p:cNvSpPr txBox="1"/>
+          <p:nvPr/>
+        </p:nvSpPr>
+        <p:spPr>
+          <a:xfrm>
+            <a:off x="-1" y="5354052"/>
+            <a:ext cx="12191999" cy="523220"/>
+          </a:xfrm>
+          <a:prstGeom prst="rect">
+            <a:avLst/>
+          </a:prstGeom>
+          <a:noFill/>
+        </p:spPr>
+        <p:txBody>
+          <a:bodyPr wrap="square" rtlCol="0">
+            <a:spAutoFit/>
+          </a:bodyPr>
+          <a:lstStyle/>
+          <a:p>
+            <a:pPr algn="ctr"/>
+            <a:r>
+              <a:rPr lang="it-IT" sz="2800" b="1" dirty="0"/>
               <a:t>position</a:t>
             </a:r>
             <a:r>
-              <a:rPr lang="it-IT" sz="2800" dirty="0" smtClean="0"/>
+              <a:rPr lang="it-IT" sz="2800" dirty="0"/>
               <a:t> – </a:t>
             </a:r>
             <a:r>
-              <a:rPr lang="ru-RU" sz="2800" dirty="0" smtClean="0"/>
+              <a:rPr lang="ru-RU" sz="2800" dirty="0"/>
               <a:t>принудительное указание позиции элемента</a:t>
             </a:r>
             <a:endParaRPr lang="uk-UA" sz="2800" dirty="0"/>
@@ -5189,99 +5352,6 @@
   <p:clrMapOvr>
     <a:masterClrMapping/>
   </p:clrMapOvr>
-  <p:timing>
-    <p:tnLst>
-      <p:par>
-        <p:cTn id="1" dur="indefinite" restart="never" nodeType="tmRoot"/>
-      </p:par>
-    </p:tnLst>
-  </p:timing>
-</p:sld>
-</file>
-
-<file path=ppt/slides/slide16.xml><?xml version="1.0" encoding="utf-8"?>
-<p:sld xmlns:a="http://schemas.openxmlformats.org/drawingml/2006/main" xmlns:r="http://schemas.openxmlformats.org/officeDocument/2006/relationships" xmlns:p="http://schemas.openxmlformats.org/presentationml/2006/main">
-  <p:cSld>
-    <p:spTree>
-      <p:nvGrpSpPr>
-        <p:cNvPr id="1" name=""/>
-        <p:cNvGrpSpPr/>
-        <p:nvPr/>
-      </p:nvGrpSpPr>
-      <p:grpSpPr>
-        <a:xfrm>
-          <a:off x="0" y="0"/>
-          <a:ext cx="0" cy="0"/>
-          <a:chOff x="0" y="0"/>
-          <a:chExt cx="0" cy="0"/>
-        </a:xfrm>
-      </p:grpSpPr>
-      <p:sp>
-        <p:nvSpPr>
-          <p:cNvPr id="5" name="Прямоугольник 4"/>
-          <p:cNvSpPr/>
-          <p:nvPr/>
-        </p:nvSpPr>
-        <p:spPr>
-          <a:xfrm>
-            <a:off x="0" y="0"/>
-            <a:ext cx="12192000" cy="6858000"/>
-          </a:xfrm>
-          <a:prstGeom prst="rect">
-            <a:avLst/>
-          </a:prstGeom>
-          <a:solidFill>
-            <a:schemeClr val="tx2">
-              <a:lumMod val="75000"/>
-            </a:schemeClr>
-          </a:solidFill>
-        </p:spPr>
-        <p:style>
-          <a:lnRef idx="2">
-            <a:schemeClr val="accent1">
-              <a:shade val="50000"/>
-            </a:schemeClr>
-          </a:lnRef>
-          <a:fillRef idx="1">
-            <a:schemeClr val="accent1"/>
-          </a:fillRef>
-          <a:effectRef idx="0">
-            <a:schemeClr val="accent1"/>
-          </a:effectRef>
-          <a:fontRef idx="minor">
-            <a:schemeClr val="lt1"/>
-          </a:fontRef>
-        </p:style>
-        <p:txBody>
-          <a:bodyPr rtlCol="0" anchor="ctr"/>
-          <a:lstStyle/>
-          <a:p>
-            <a:pPr algn="ctr"/>
-            <a:r>
-              <a:rPr lang="ru-RU" sz="6000" b="1" dirty="0"/>
-              <a:t>Домашнее задание</a:t>
-            </a:r>
-            <a:endParaRPr lang="uk-UA" sz="6000" b="1" dirty="0"/>
-          </a:p>
-        </p:txBody>
-      </p:sp>
-    </p:spTree>
-    <p:extLst>
-      <p:ext uri="{BB962C8B-B14F-4D97-AF65-F5344CB8AC3E}">
-        <p14:creationId xmlns:p14="http://schemas.microsoft.com/office/powerpoint/2010/main" val="3748598385"/>
-      </p:ext>
-    </p:extLst>
-  </p:cSld>
-  <p:clrMapOvr>
-    <a:masterClrMapping/>
-  </p:clrMapOvr>
-  <p:timing>
-    <p:tnLst>
-      <p:par>
-        <p:cTn id="1" dur="indefinite" restart="never" nodeType="tmRoot"/>
-      </p:par>
-    </p:tnLst>
-  </p:timing>
 </p:sld>
 </file>
 
@@ -5304,276 +5374,63 @@
       </p:grpSpPr>
       <p:sp>
         <p:nvSpPr>
-          <p:cNvPr id="8" name="Номер слайда 36"/>
-          <p:cNvSpPr txBox="1">
-            <a:spLocks/>
-          </p:cNvSpPr>
+          <p:cNvPr id="5" name="Прямоугольник 4"/>
+          <p:cNvSpPr/>
           <p:nvPr/>
         </p:nvSpPr>
         <p:spPr>
           <a:xfrm>
-            <a:off x="11194647" y="6159157"/>
-            <a:ext cx="648072" cy="432048"/>
-          </a:xfrm>
-          <a:prstGeom prst="roundRect">
-            <a:avLst/>
-          </a:prstGeom>
-          <a:ln w="25400" cap="flat" cmpd="sng" algn="ctr">
-            <a:solidFill>
-              <a:schemeClr val="tx2">
-                <a:lumMod val="60000"/>
-                <a:lumOff val="40000"/>
-              </a:schemeClr>
-            </a:solidFill>
-            <a:prstDash val="solid"/>
-          </a:ln>
+            <a:off x="0" y="0"/>
+            <a:ext cx="12192000" cy="6858000"/>
+          </a:xfrm>
+          <a:prstGeom prst="rect">
+            <a:avLst/>
+          </a:prstGeom>
+          <a:solidFill>
+            <a:schemeClr val="tx2">
+              <a:lumMod val="75000"/>
+            </a:schemeClr>
+          </a:solidFill>
         </p:spPr>
         <p:style>
           <a:lnRef idx="2">
-            <a:schemeClr val="accent1"/>
+            <a:schemeClr val="accent1">
+              <a:shade val="50000"/>
+            </a:schemeClr>
           </a:lnRef>
           <a:fillRef idx="1">
-            <a:schemeClr val="lt1"/>
+            <a:schemeClr val="accent1"/>
           </a:fillRef>
           <a:effectRef idx="0">
             <a:schemeClr val="accent1"/>
           </a:effectRef>
           <a:fontRef idx="minor">
-            <a:schemeClr val="dk1"/>
+            <a:schemeClr val="lt1"/>
           </a:fontRef>
         </p:style>
         <p:txBody>
-          <a:bodyPr vert="horz" lIns="91440" tIns="45720" rIns="91440" bIns="45720" rtlCol="0" anchor="ctr"/>
-          <a:lstStyle/>
-          <a:p>
-            <a:pPr algn="ctr">
-              <a:defRPr/>
-            </a:pPr>
-            <a:fld id="{6389AA22-90B4-448C-8B6B-C699140D38B9}" type="slidenum">
-              <a:rPr lang="uk-UA" sz="2400" b="1">
-                <a:solidFill>
-                  <a:schemeClr val="bg1">
-                    <a:lumMod val="50000"/>
-                  </a:schemeClr>
-                </a:solidFill>
-              </a:rPr>
-              <a:pPr algn="ctr">
-                <a:defRPr/>
-              </a:pPr>
-              <a:t>17</a:t>
-            </a:fld>
-            <a:endParaRPr lang="uk-UA" sz="2400" b="1" dirty="0">
-              <a:solidFill>
-                <a:schemeClr val="bg1">
-                  <a:lumMod val="50000"/>
-                </a:schemeClr>
-              </a:solidFill>
-            </a:endParaRPr>
-          </a:p>
-        </p:txBody>
-      </p:sp>
-      <p:sp>
-        <p:nvSpPr>
-          <p:cNvPr id="7" name="TextBox 6"/>
-          <p:cNvSpPr txBox="1"/>
-          <p:nvPr/>
-        </p:nvSpPr>
-        <p:spPr>
-          <a:xfrm>
-            <a:off x="0" y="334397"/>
-            <a:ext cx="12192000" cy="646331"/>
-          </a:xfrm>
-          <a:prstGeom prst="rect">
-            <a:avLst/>
-          </a:prstGeom>
-          <a:noFill/>
-        </p:spPr>
-        <p:txBody>
-          <a:bodyPr wrap="square" rtlCol="0">
-            <a:spAutoFit/>
-          </a:bodyPr>
+          <a:bodyPr rtlCol="0" anchor="ctr"/>
           <a:lstStyle/>
           <a:p>
             <a:pPr algn="ctr"/>
             <a:r>
-              <a:rPr lang="ru-RU" sz="3600" b="1" dirty="0"/>
-              <a:t>Домашнее </a:t>
-            </a:r>
-            <a:r>
-              <a:rPr lang="ru-RU" sz="3600" b="1" dirty="0" smtClean="0"/>
-              <a:t>задание</a:t>
-            </a:r>
-            <a:endParaRPr lang="ru-RU" sz="3600" b="1" dirty="0"/>
-          </a:p>
-        </p:txBody>
-      </p:sp>
-      <p:pic>
-        <p:nvPicPr>
-          <p:cNvPr id="4" name="Рисунок 3"/>
-          <p:cNvPicPr>
-            <a:picLocks noChangeAspect="1"/>
-          </p:cNvPicPr>
-          <p:nvPr/>
-        </p:nvPicPr>
-        <p:blipFill rotWithShape="1">
-          <a:blip r:embed="rId2"/>
-          <a:srcRect t="12785" b="3052"/>
-          <a:stretch/>
-        </p:blipFill>
-        <p:spPr>
-          <a:xfrm>
-            <a:off x="0" y="1340768"/>
-            <a:ext cx="8400256" cy="3908391"/>
-          </a:xfrm>
-          <a:prstGeom prst="rect">
-            <a:avLst/>
-          </a:prstGeom>
-          <a:ln>
-            <a:noFill/>
-          </a:ln>
-          <a:effectLst>
-            <a:outerShdw blurRad="190500" algn="tl" rotWithShape="0">
-              <a:srgbClr val="000000">
-                <a:alpha val="70000"/>
-              </a:srgbClr>
-            </a:outerShdw>
-          </a:effectLst>
-        </p:spPr>
-      </p:pic>
-      <p:sp>
-        <p:nvSpPr>
-          <p:cNvPr id="5" name="TextBox 4"/>
-          <p:cNvSpPr txBox="1"/>
-          <p:nvPr/>
-        </p:nvSpPr>
-        <p:spPr>
-          <a:xfrm>
-            <a:off x="8869567" y="2140801"/>
-            <a:ext cx="2664296" cy="2308324"/>
-          </a:xfrm>
-          <a:prstGeom prst="rect">
-            <a:avLst/>
-          </a:prstGeom>
-          <a:noFill/>
-        </p:spPr>
-        <p:txBody>
-          <a:bodyPr wrap="square" rtlCol="0">
-            <a:spAutoFit/>
-          </a:bodyPr>
-          <a:lstStyle/>
-          <a:p>
-            <a:r>
-              <a:rPr lang="ru-RU" sz="2400" dirty="0" smtClean="0"/>
-              <a:t>Создайте разметку, с анимацией перехода, как на </a:t>
-            </a:r>
-            <a:r>
-              <a:rPr lang="ru-RU" sz="2400" b="1" dirty="0" smtClean="0"/>
-              <a:t>макете</a:t>
-            </a:r>
-            <a:r>
-              <a:rPr lang="ru-RU" sz="2400" dirty="0" smtClean="0"/>
-              <a:t> и в </a:t>
-            </a:r>
-            <a:r>
-              <a:rPr lang="ru-RU" sz="2400" b="1" dirty="0" smtClean="0"/>
-              <a:t>примере</a:t>
-            </a:r>
-            <a:endParaRPr lang="ru-RU" sz="2400" b="1" dirty="0"/>
-          </a:p>
-        </p:txBody>
-      </p:sp>
-      <p:sp>
-        <p:nvSpPr>
-          <p:cNvPr id="10" name="TextBox 9"/>
-          <p:cNvSpPr txBox="1"/>
-          <p:nvPr/>
-        </p:nvSpPr>
-        <p:spPr>
-          <a:xfrm>
-            <a:off x="551384" y="5589240"/>
-            <a:ext cx="5184576" cy="707886"/>
-          </a:xfrm>
-          <a:prstGeom prst="rect">
-            <a:avLst/>
-          </a:prstGeom>
-          <a:noFill/>
-        </p:spPr>
-        <p:txBody>
-          <a:bodyPr wrap="square" rtlCol="0">
-            <a:spAutoFit/>
-          </a:bodyPr>
-          <a:lstStyle/>
-          <a:p>
-            <a:r>
-              <a:rPr lang="ru-RU" sz="2000" b="1" dirty="0" smtClean="0"/>
-              <a:t>Пример (из архива): </a:t>
-            </a:r>
-            <a:br>
-              <a:rPr lang="ru-RU" sz="2000" b="1" dirty="0" smtClean="0"/>
-            </a:br>
-            <a:r>
-              <a:rPr lang="ru-RU" sz="2000" b="1" dirty="0" smtClean="0">
-                <a:solidFill>
-                  <a:schemeClr val="accent6">
-                    <a:lumMod val="75000"/>
-                  </a:schemeClr>
-                </a:solidFill>
-              </a:rPr>
-              <a:t>./</a:t>
-            </a:r>
-            <a:r>
-              <a:rPr lang="en-US" sz="2000" b="1" dirty="0" err="1" smtClean="0">
-                <a:solidFill>
-                  <a:schemeClr val="accent6">
-                    <a:lumMod val="75000"/>
-                  </a:schemeClr>
-                </a:solidFill>
-              </a:rPr>
-              <a:t>css</a:t>
-            </a:r>
-            <a:r>
-              <a:rPr lang="en-US" sz="2000" b="1" dirty="0" smtClean="0">
-                <a:solidFill>
-                  <a:schemeClr val="accent6">
-                    <a:lumMod val="75000"/>
-                  </a:schemeClr>
-                </a:solidFill>
-              </a:rPr>
-              <a:t>-transition-master/</a:t>
-            </a:r>
-            <a:r>
-              <a:rPr lang="en-US" sz="2000" b="1" dirty="0" smtClean="0">
-                <a:solidFill>
-                  <a:srgbClr val="00B050"/>
-                </a:solidFill>
-              </a:rPr>
-              <a:t>homework-template</a:t>
-            </a:r>
-            <a:endParaRPr lang="ru-RU" sz="2000" b="1" dirty="0">
-              <a:solidFill>
-                <a:srgbClr val="00B050"/>
-              </a:solidFill>
-            </a:endParaRPr>
+              <a:rPr lang="ru-RU" sz="6000" b="1" dirty="0"/>
+              <a:t>Домашнее задание</a:t>
+            </a:r>
+            <a:endParaRPr lang="uk-UA" sz="6000" b="1" dirty="0"/>
           </a:p>
         </p:txBody>
       </p:sp>
     </p:spTree>
     <p:extLst>
       <p:ext uri="{BB962C8B-B14F-4D97-AF65-F5344CB8AC3E}">
-        <p14:creationId xmlns:p14="http://schemas.microsoft.com/office/powerpoint/2010/main" val="2424073144"/>
+        <p14:creationId xmlns:p14="http://schemas.microsoft.com/office/powerpoint/2010/main" val="3748598385"/>
       </p:ext>
     </p:extLst>
   </p:cSld>
   <p:clrMapOvr>
     <a:masterClrMapping/>
   </p:clrMapOvr>
-  <p:timing>
-    <p:tnLst>
-      <p:par>
-        <p:cTn id="1" dur="indefinite" restart="never" nodeType="tmRoot"/>
-      </p:par>
-    </p:tnLst>
-  </p:timing>
 </p:sld>
 </file>
 
@@ -5596,6 +5453,285 @@
       </p:grpSpPr>
       <p:sp>
         <p:nvSpPr>
+          <p:cNvPr id="8" name="Номер слайда 36"/>
+          <p:cNvSpPr txBox="1">
+            <a:spLocks/>
+          </p:cNvSpPr>
+          <p:nvPr/>
+        </p:nvSpPr>
+        <p:spPr>
+          <a:xfrm>
+            <a:off x="11194647" y="6159157"/>
+            <a:ext cx="648072" cy="432048"/>
+          </a:xfrm>
+          <a:prstGeom prst="roundRect">
+            <a:avLst/>
+          </a:prstGeom>
+          <a:ln w="25400" cap="flat" cmpd="sng" algn="ctr">
+            <a:solidFill>
+              <a:schemeClr val="tx2">
+                <a:lumMod val="60000"/>
+                <a:lumOff val="40000"/>
+              </a:schemeClr>
+            </a:solidFill>
+            <a:prstDash val="solid"/>
+          </a:ln>
+        </p:spPr>
+        <p:style>
+          <a:lnRef idx="2">
+            <a:schemeClr val="accent1"/>
+          </a:lnRef>
+          <a:fillRef idx="1">
+            <a:schemeClr val="lt1"/>
+          </a:fillRef>
+          <a:effectRef idx="0">
+            <a:schemeClr val="accent1"/>
+          </a:effectRef>
+          <a:fontRef idx="minor">
+            <a:schemeClr val="dk1"/>
+          </a:fontRef>
+        </p:style>
+        <p:txBody>
+          <a:bodyPr vert="horz" lIns="91440" tIns="45720" rIns="91440" bIns="45720" rtlCol="0" anchor="ctr"/>
+          <a:lstStyle/>
+          <a:p>
+            <a:pPr algn="ctr">
+              <a:defRPr/>
+            </a:pPr>
+            <a:fld id="{6389AA22-90B4-448C-8B6B-C699140D38B9}" type="slidenum">
+              <a:rPr lang="uk-UA" sz="2400" b="1">
+                <a:solidFill>
+                  <a:schemeClr val="bg1">
+                    <a:lumMod val="50000"/>
+                  </a:schemeClr>
+                </a:solidFill>
+              </a:rPr>
+              <a:pPr algn="ctr">
+                <a:defRPr/>
+              </a:pPr>
+              <a:t>18</a:t>
+            </a:fld>
+            <a:endParaRPr lang="uk-UA" sz="2400" b="1" dirty="0">
+              <a:solidFill>
+                <a:schemeClr val="bg1">
+                  <a:lumMod val="50000"/>
+                </a:schemeClr>
+              </a:solidFill>
+            </a:endParaRPr>
+          </a:p>
+        </p:txBody>
+      </p:sp>
+      <p:sp>
+        <p:nvSpPr>
+          <p:cNvPr id="7" name="TextBox 6"/>
+          <p:cNvSpPr txBox="1"/>
+          <p:nvPr/>
+        </p:nvSpPr>
+        <p:spPr>
+          <a:xfrm>
+            <a:off x="0" y="334397"/>
+            <a:ext cx="12192000" cy="646331"/>
+          </a:xfrm>
+          <a:prstGeom prst="rect">
+            <a:avLst/>
+          </a:prstGeom>
+          <a:noFill/>
+        </p:spPr>
+        <p:txBody>
+          <a:bodyPr wrap="square" rtlCol="0">
+            <a:spAutoFit/>
+          </a:bodyPr>
+          <a:lstStyle/>
+          <a:p>
+            <a:pPr algn="ctr"/>
+            <a:r>
+              <a:rPr lang="ru-RU" sz="3600" b="1" dirty="0"/>
+              <a:t>Домашнее задание</a:t>
+            </a:r>
+          </a:p>
+        </p:txBody>
+      </p:sp>
+      <p:pic>
+        <p:nvPicPr>
+          <p:cNvPr id="4" name="Рисунок 3"/>
+          <p:cNvPicPr>
+            <a:picLocks noChangeAspect="1"/>
+          </p:cNvPicPr>
+          <p:nvPr/>
+        </p:nvPicPr>
+        <p:blipFill rotWithShape="1">
+          <a:blip r:embed="rId2"/>
+          <a:srcRect t="12785" b="3052"/>
+          <a:stretch/>
+        </p:blipFill>
+        <p:spPr>
+          <a:xfrm>
+            <a:off x="0" y="1340768"/>
+            <a:ext cx="8400256" cy="3908391"/>
+          </a:xfrm>
+          <a:prstGeom prst="rect">
+            <a:avLst/>
+          </a:prstGeom>
+          <a:ln>
+            <a:noFill/>
+          </a:ln>
+          <a:effectLst>
+            <a:outerShdw blurRad="190500" algn="tl" rotWithShape="0">
+              <a:srgbClr val="000000">
+                <a:alpha val="70000"/>
+              </a:srgbClr>
+            </a:outerShdw>
+          </a:effectLst>
+        </p:spPr>
+      </p:pic>
+      <p:sp>
+        <p:nvSpPr>
+          <p:cNvPr id="5" name="TextBox 4"/>
+          <p:cNvSpPr txBox="1"/>
+          <p:nvPr/>
+        </p:nvSpPr>
+        <p:spPr>
+          <a:xfrm>
+            <a:off x="8869567" y="2140801"/>
+            <a:ext cx="2664296" cy="2308324"/>
+          </a:xfrm>
+          <a:prstGeom prst="rect">
+            <a:avLst/>
+          </a:prstGeom>
+          <a:noFill/>
+        </p:spPr>
+        <p:txBody>
+          <a:bodyPr wrap="square" rtlCol="0">
+            <a:spAutoFit/>
+          </a:bodyPr>
+          <a:lstStyle/>
+          <a:p>
+            <a:r>
+              <a:rPr lang="ru-RU" sz="2400" dirty="0"/>
+              <a:t>Создайте разметку, с анимацией перехода, как на </a:t>
+            </a:r>
+            <a:r>
+              <a:rPr lang="ru-RU" sz="2400" b="1" dirty="0"/>
+              <a:t>макете</a:t>
+            </a:r>
+            <a:r>
+              <a:rPr lang="ru-RU" sz="2400" dirty="0"/>
+              <a:t> и в </a:t>
+            </a:r>
+            <a:r>
+              <a:rPr lang="ru-RU" sz="2400" b="1" dirty="0"/>
+              <a:t>примере</a:t>
+            </a:r>
+          </a:p>
+        </p:txBody>
+      </p:sp>
+      <p:sp>
+        <p:nvSpPr>
+          <p:cNvPr id="10" name="TextBox 9"/>
+          <p:cNvSpPr txBox="1"/>
+          <p:nvPr/>
+        </p:nvSpPr>
+        <p:spPr>
+          <a:xfrm>
+            <a:off x="551384" y="5589240"/>
+            <a:ext cx="5184576" cy="707886"/>
+          </a:xfrm>
+          <a:prstGeom prst="rect">
+            <a:avLst/>
+          </a:prstGeom>
+          <a:noFill/>
+        </p:spPr>
+        <p:txBody>
+          <a:bodyPr wrap="square" rtlCol="0">
+            <a:spAutoFit/>
+          </a:bodyPr>
+          <a:lstStyle/>
+          <a:p>
+            <a:r>
+              <a:rPr lang="ru-RU" sz="2000" b="1" dirty="0"/>
+              <a:t>Пример (из архива): </a:t>
+            </a:r>
+            <a:br>
+              <a:rPr lang="ru-RU" sz="2000" b="1" dirty="0"/>
+            </a:br>
+            <a:r>
+              <a:rPr lang="ru-RU" sz="2000" b="1" dirty="0">
+                <a:solidFill>
+                  <a:schemeClr val="accent6">
+                    <a:lumMod val="75000"/>
+                  </a:schemeClr>
+                </a:solidFill>
+              </a:rPr>
+              <a:t>./</a:t>
+            </a:r>
+            <a:r>
+              <a:rPr lang="en-US" sz="2000" b="1" dirty="0" err="1">
+                <a:solidFill>
+                  <a:schemeClr val="accent6">
+                    <a:lumMod val="75000"/>
+                  </a:schemeClr>
+                </a:solidFill>
+              </a:rPr>
+              <a:t>css</a:t>
+            </a:r>
+            <a:r>
+              <a:rPr lang="en-US" sz="2000" b="1" dirty="0">
+                <a:solidFill>
+                  <a:schemeClr val="accent6">
+                    <a:lumMod val="75000"/>
+                  </a:schemeClr>
+                </a:solidFill>
+              </a:rPr>
+              <a:t>-transition-master/</a:t>
+            </a:r>
+            <a:r>
+              <a:rPr lang="en-US" sz="2000" b="1" dirty="0">
+                <a:solidFill>
+                  <a:srgbClr val="00B050"/>
+                </a:solidFill>
+              </a:rPr>
+              <a:t>homework-template</a:t>
+            </a:r>
+            <a:endParaRPr lang="ru-RU" sz="2000" b="1" dirty="0">
+              <a:solidFill>
+                <a:srgbClr val="00B050"/>
+              </a:solidFill>
+            </a:endParaRPr>
+          </a:p>
+        </p:txBody>
+      </p:sp>
+    </p:spTree>
+    <p:extLst>
+      <p:ext uri="{BB962C8B-B14F-4D97-AF65-F5344CB8AC3E}">
+        <p14:creationId xmlns:p14="http://schemas.microsoft.com/office/powerpoint/2010/main" val="2424073144"/>
+      </p:ext>
+    </p:extLst>
+  </p:cSld>
+  <p:clrMapOvr>
+    <a:masterClrMapping/>
+  </p:clrMapOvr>
+</p:sld>
+</file>
+
+<file path=ppt/slides/slide19.xml><?xml version="1.0" encoding="utf-8"?>
+<p:sld xmlns:a="http://schemas.openxmlformats.org/drawingml/2006/main" xmlns:r="http://schemas.openxmlformats.org/officeDocument/2006/relationships" xmlns:p="http://schemas.openxmlformats.org/presentationml/2006/main">
+  <p:cSld>
+    <p:spTree>
+      <p:nvGrpSpPr>
+        <p:cNvPr id="1" name=""/>
+        <p:cNvGrpSpPr/>
+        <p:nvPr/>
+      </p:nvGrpSpPr>
+      <p:grpSpPr>
+        <a:xfrm>
+          <a:off x="0" y="0"/>
+          <a:ext cx="0" cy="0"/>
+          <a:chOff x="0" y="0"/>
+          <a:chExt cx="0" cy="0"/>
+        </a:xfrm>
+      </p:grpSpPr>
+      <p:sp>
+        <p:nvSpPr>
           <p:cNvPr id="5" name="Прямоугольник 4"/>
           <p:cNvSpPr/>
           <p:nvPr/>
@@ -5660,17 +5796,210 @@
   <p:clrMapOvr>
     <a:masterClrMapping/>
   </p:clrMapOvr>
-  <p:timing>
-    <p:tnLst>
-      <p:par>
-        <p:cTn id="1" dur="indefinite" restart="never" nodeType="tmRoot"/>
-      </p:par>
-    </p:tnLst>
-  </p:timing>
 </p:sld>
 </file>
 
-<file path=ppt/slides/slide19.xml><?xml version="1.0" encoding="utf-8"?>
+<file path=ppt/slides/slide2.xml><?xml version="1.0" encoding="utf-8"?>
+<p:sld xmlns:a="http://schemas.openxmlformats.org/drawingml/2006/main" xmlns:r="http://schemas.openxmlformats.org/officeDocument/2006/relationships" xmlns:p="http://schemas.openxmlformats.org/presentationml/2006/main">
+  <p:cSld>
+    <p:spTree>
+      <p:nvGrpSpPr>
+        <p:cNvPr id="1" name=""/>
+        <p:cNvGrpSpPr/>
+        <p:nvPr/>
+      </p:nvGrpSpPr>
+      <p:grpSpPr>
+        <a:xfrm>
+          <a:off x="0" y="0"/>
+          <a:ext cx="0" cy="0"/>
+          <a:chOff x="0" y="0"/>
+          <a:chExt cx="0" cy="0"/>
+        </a:xfrm>
+      </p:grpSpPr>
+      <p:sp>
+        <p:nvSpPr>
+          <p:cNvPr id="4" name="Номер слайда 36"/>
+          <p:cNvSpPr txBox="1">
+            <a:spLocks/>
+          </p:cNvSpPr>
+          <p:nvPr/>
+        </p:nvSpPr>
+        <p:spPr>
+          <a:xfrm>
+            <a:off x="11208568" y="6165304"/>
+            <a:ext cx="648072" cy="432048"/>
+          </a:xfrm>
+          <a:prstGeom prst="roundRect">
+            <a:avLst/>
+          </a:prstGeom>
+          <a:ln w="25400" cap="flat" cmpd="sng" algn="ctr">
+            <a:solidFill>
+              <a:schemeClr val="tx2">
+                <a:lumMod val="60000"/>
+                <a:lumOff val="40000"/>
+              </a:schemeClr>
+            </a:solidFill>
+            <a:prstDash val="solid"/>
+          </a:ln>
+        </p:spPr>
+        <p:style>
+          <a:lnRef idx="2">
+            <a:schemeClr val="accent1"/>
+          </a:lnRef>
+          <a:fillRef idx="1">
+            <a:schemeClr val="lt1"/>
+          </a:fillRef>
+          <a:effectRef idx="0">
+            <a:schemeClr val="accent1"/>
+          </a:effectRef>
+          <a:fontRef idx="minor">
+            <a:schemeClr val="dk1"/>
+          </a:fontRef>
+        </p:style>
+        <p:txBody>
+          <a:bodyPr vert="horz" lIns="91440" tIns="45720" rIns="91440" bIns="45720" rtlCol="0" anchor="ctr"/>
+          <a:lstStyle/>
+          <a:p>
+            <a:pPr algn="ctr">
+              <a:defRPr/>
+            </a:pPr>
+            <a:fld id="{6389AA22-90B4-448C-8B6B-C699140D38B9}" type="slidenum">
+              <a:rPr lang="uk-UA" sz="2400" b="1">
+                <a:solidFill>
+                  <a:schemeClr val="bg1">
+                    <a:lumMod val="50000"/>
+                  </a:schemeClr>
+                </a:solidFill>
+              </a:rPr>
+              <a:pPr algn="ctr">
+                <a:defRPr/>
+              </a:pPr>
+              <a:t>2</a:t>
+            </a:fld>
+            <a:endParaRPr lang="uk-UA" sz="2400" b="1" dirty="0">
+              <a:solidFill>
+                <a:schemeClr val="bg1">
+                  <a:lumMod val="50000"/>
+                </a:schemeClr>
+              </a:solidFill>
+            </a:endParaRPr>
+          </a:p>
+        </p:txBody>
+      </p:sp>
+      <p:sp>
+        <p:nvSpPr>
+          <p:cNvPr id="5" name="TextBox 4"/>
+          <p:cNvSpPr txBox="1"/>
+          <p:nvPr/>
+        </p:nvSpPr>
+        <p:spPr>
+          <a:xfrm>
+            <a:off x="0" y="499319"/>
+            <a:ext cx="12191999" cy="769441"/>
+          </a:xfrm>
+          <a:prstGeom prst="rect">
+            <a:avLst/>
+          </a:prstGeom>
+          <a:noFill/>
+        </p:spPr>
+        <p:txBody>
+          <a:bodyPr wrap="square" rtlCol="0">
+            <a:spAutoFit/>
+          </a:bodyPr>
+          <a:lstStyle/>
+          <a:p>
+            <a:pPr algn="ctr"/>
+            <a:r>
+              <a:rPr lang="ru-RU" sz="4400" b="1" dirty="0"/>
+              <a:t>Скачайте шаблоны</a:t>
+            </a:r>
+          </a:p>
+        </p:txBody>
+      </p:sp>
+      <p:sp>
+        <p:nvSpPr>
+          <p:cNvPr id="7" name="TextBox 6"/>
+          <p:cNvSpPr txBox="1"/>
+          <p:nvPr/>
+        </p:nvSpPr>
+        <p:spPr>
+          <a:xfrm>
+            <a:off x="0" y="5190291"/>
+            <a:ext cx="12192000" cy="830997"/>
+          </a:xfrm>
+          <a:prstGeom prst="rect">
+            <a:avLst/>
+          </a:prstGeom>
+          <a:noFill/>
+        </p:spPr>
+        <p:txBody>
+          <a:bodyPr wrap="square" rtlCol="0">
+            <a:spAutoFit/>
+          </a:bodyPr>
+          <a:lstStyle/>
+          <a:p>
+            <a:pPr algn="ctr"/>
+            <a:r>
+              <a:rPr lang="ru-RU" sz="2400" b="1" dirty="0"/>
+              <a:t>Скачайте архив с шаблонами которые нам понадобятся:</a:t>
+            </a:r>
+            <a:br>
+              <a:rPr lang="ru-RU" sz="2400" b="1" dirty="0"/>
+            </a:br>
+            <a:r>
+              <a:rPr lang="en-US" sz="2400" b="1" dirty="0">
+                <a:hlinkClick r:id="rId2"/>
+              </a:rPr>
+              <a:t>https://github.com/filebase-xyz/css-transition/archive/master.zip</a:t>
+            </a:r>
+            <a:endParaRPr lang="ru-RU" sz="2400" b="1" dirty="0"/>
+          </a:p>
+        </p:txBody>
+      </p:sp>
+      <p:pic>
+        <p:nvPicPr>
+          <p:cNvPr id="2" name="Рисунок 1"/>
+          <p:cNvPicPr>
+            <a:picLocks noChangeAspect="1"/>
+          </p:cNvPicPr>
+          <p:nvPr/>
+        </p:nvPicPr>
+        <p:blipFill>
+          <a:blip r:embed="rId3">
+            <a:extLst>
+              <a:ext uri="{28A0092B-C50C-407E-A947-70E740481C1C}">
+                <a14:useLocalDpi xmlns:a14="http://schemas.microsoft.com/office/drawing/2010/main" val="0"/>
+              </a:ext>
+            </a:extLst>
+          </a:blip>
+          <a:stretch>
+            <a:fillRect/>
+          </a:stretch>
+        </p:blipFill>
+        <p:spPr>
+          <a:xfrm>
+            <a:off x="4655840" y="1700808"/>
+            <a:ext cx="2880320" cy="2880320"/>
+          </a:xfrm>
+          <a:prstGeom prst="rect">
+            <a:avLst/>
+          </a:prstGeom>
+        </p:spPr>
+      </p:pic>
+    </p:spTree>
+    <p:extLst>
+      <p:ext uri="{BB962C8B-B14F-4D97-AF65-F5344CB8AC3E}">
+        <p14:creationId xmlns:p14="http://schemas.microsoft.com/office/powerpoint/2010/main" val="1315212788"/>
+      </p:ext>
+    </p:extLst>
+  </p:cSld>
+  <p:clrMapOvr>
+    <a:masterClrMapping/>
+  </p:clrMapOvr>
+</p:sld>
+</file>
+
+<file path=ppt/slides/slide20.xml><?xml version="1.0" encoding="utf-8"?>
 <p:sld xmlns:a="http://schemas.openxmlformats.org/drawingml/2006/main" xmlns:r="http://schemas.openxmlformats.org/officeDocument/2006/relationships" xmlns:p="http://schemas.openxmlformats.org/presentationml/2006/main">
   <p:cSld>
     <p:spTree>
@@ -5763,13 +6092,7 @@
               <a:rPr lang="ru-RU" sz="3600" b="1" dirty="0">
                 <a:hlinkClick r:id="rId3"/>
               </a:rPr>
-              <a:t>https://</a:t>
-            </a:r>
-            <a:r>
-              <a:rPr lang="ru-RU" sz="3600" b="1" dirty="0" smtClean="0">
-                <a:hlinkClick r:id="rId3"/>
-              </a:rPr>
-              <a:t>youtu.be/xnYai6Nt6JQ</a:t>
+              <a:t>https://youtu.be/xnYai6Nt6JQ</a:t>
             </a:r>
             <a:endParaRPr lang="ru-RU" sz="3600" b="1" dirty="0"/>
           </a:p>
@@ -5785,321 +6108,6 @@
   <p:clrMapOvr>
     <a:masterClrMapping/>
   </p:clrMapOvr>
-  <mc:AlternateContent xmlns:mc="http://schemas.openxmlformats.org/markup-compatibility/2006" xmlns:p14="http://schemas.microsoft.com/office/powerpoint/2010/main">
-    <mc:Choice Requires="p14">
-      <p:transition p14:dur="0"/>
-    </mc:Choice>
-    <mc:Fallback xmlns="">
-      <p:transition/>
-    </mc:Fallback>
-  </mc:AlternateContent>
-  <p:timing>
-    <p:tnLst>
-      <p:par>
-        <p:cTn id="1" dur="indefinite" restart="never" nodeType="tmRoot"/>
-      </p:par>
-    </p:tnLst>
-  </p:timing>
-</p:sld>
-</file>
-
-<file path=ppt/slides/slide2.xml><?xml version="1.0" encoding="utf-8"?>
-<p:sld xmlns:a="http://schemas.openxmlformats.org/drawingml/2006/main" xmlns:r="http://schemas.openxmlformats.org/officeDocument/2006/relationships" xmlns:p="http://schemas.openxmlformats.org/presentationml/2006/main">
-  <p:cSld>
-    <p:spTree>
-      <p:nvGrpSpPr>
-        <p:cNvPr id="1" name=""/>
-        <p:cNvGrpSpPr/>
-        <p:nvPr/>
-      </p:nvGrpSpPr>
-      <p:grpSpPr>
-        <a:xfrm>
-          <a:off x="0" y="0"/>
-          <a:ext cx="0" cy="0"/>
-          <a:chOff x="0" y="0"/>
-          <a:chExt cx="0" cy="0"/>
-        </a:xfrm>
-      </p:grpSpPr>
-      <p:sp>
-        <p:nvSpPr>
-          <p:cNvPr id="4" name="Номер слайда 36"/>
-          <p:cNvSpPr txBox="1">
-            <a:spLocks/>
-          </p:cNvSpPr>
-          <p:nvPr/>
-        </p:nvSpPr>
-        <p:spPr>
-          <a:xfrm>
-            <a:off x="11208568" y="6165304"/>
-            <a:ext cx="648072" cy="432048"/>
-          </a:xfrm>
-          <a:prstGeom prst="roundRect">
-            <a:avLst/>
-          </a:prstGeom>
-          <a:ln w="25400" cap="flat" cmpd="sng" algn="ctr">
-            <a:solidFill>
-              <a:schemeClr val="tx2">
-                <a:lumMod val="60000"/>
-                <a:lumOff val="40000"/>
-              </a:schemeClr>
-            </a:solidFill>
-            <a:prstDash val="solid"/>
-          </a:ln>
-        </p:spPr>
-        <p:style>
-          <a:lnRef idx="2">
-            <a:schemeClr val="accent1"/>
-          </a:lnRef>
-          <a:fillRef idx="1">
-            <a:schemeClr val="lt1"/>
-          </a:fillRef>
-          <a:effectRef idx="0">
-            <a:schemeClr val="accent1"/>
-          </a:effectRef>
-          <a:fontRef idx="minor">
-            <a:schemeClr val="dk1"/>
-          </a:fontRef>
-        </p:style>
-        <p:txBody>
-          <a:bodyPr vert="horz" lIns="91440" tIns="45720" rIns="91440" bIns="45720" rtlCol="0" anchor="ctr"/>
-          <a:lstStyle/>
-          <a:p>
-            <a:pPr algn="ctr">
-              <a:defRPr/>
-            </a:pPr>
-            <a:fld id="{6389AA22-90B4-448C-8B6B-C699140D38B9}" type="slidenum">
-              <a:rPr lang="uk-UA" sz="2400" b="1">
-                <a:solidFill>
-                  <a:schemeClr val="bg1">
-                    <a:lumMod val="50000"/>
-                  </a:schemeClr>
-                </a:solidFill>
-              </a:rPr>
-              <a:pPr algn="ctr">
-                <a:defRPr/>
-              </a:pPr>
-              <a:t>2</a:t>
-            </a:fld>
-            <a:endParaRPr lang="uk-UA" sz="2400" b="1" dirty="0">
-              <a:solidFill>
-                <a:schemeClr val="bg1">
-                  <a:lumMod val="50000"/>
-                </a:schemeClr>
-              </a:solidFill>
-            </a:endParaRPr>
-          </a:p>
-        </p:txBody>
-      </p:sp>
-      <p:sp>
-        <p:nvSpPr>
-          <p:cNvPr id="5" name="TextBox 4"/>
-          <p:cNvSpPr txBox="1"/>
-          <p:nvPr/>
-        </p:nvSpPr>
-        <p:spPr>
-          <a:xfrm>
-            <a:off x="0" y="499319"/>
-            <a:ext cx="12191999" cy="769441"/>
-          </a:xfrm>
-          <a:prstGeom prst="rect">
-            <a:avLst/>
-          </a:prstGeom>
-          <a:noFill/>
-        </p:spPr>
-        <p:txBody>
-          <a:bodyPr wrap="square" rtlCol="0">
-            <a:spAutoFit/>
-          </a:bodyPr>
-          <a:lstStyle/>
-          <a:p>
-            <a:pPr algn="ctr"/>
-            <a:r>
-              <a:rPr lang="ru-RU" sz="4400" b="1" dirty="0" smtClean="0"/>
-              <a:t>Скачайте шаблоны</a:t>
-            </a:r>
-            <a:endParaRPr lang="ru-RU" sz="4400" b="1" dirty="0"/>
-          </a:p>
-        </p:txBody>
-      </p:sp>
-      <p:sp>
-        <p:nvSpPr>
-          <p:cNvPr id="7" name="TextBox 6"/>
-          <p:cNvSpPr txBox="1"/>
-          <p:nvPr/>
-        </p:nvSpPr>
-        <p:spPr>
-          <a:xfrm>
-            <a:off x="0" y="5190291"/>
-            <a:ext cx="12192000" cy="830997"/>
-          </a:xfrm>
-          <a:prstGeom prst="rect">
-            <a:avLst/>
-          </a:prstGeom>
-          <a:noFill/>
-        </p:spPr>
-        <p:txBody>
-          <a:bodyPr wrap="square" rtlCol="0">
-            <a:spAutoFit/>
-          </a:bodyPr>
-          <a:lstStyle/>
-          <a:p>
-            <a:pPr algn="ctr"/>
-            <a:r>
-              <a:rPr lang="ru-RU" sz="2400" b="1" dirty="0" smtClean="0"/>
-              <a:t>Скачайте архив с шаблонами которые нам понадобятся:</a:t>
-            </a:r>
-            <a:br>
-              <a:rPr lang="ru-RU" sz="2400" b="1" dirty="0" smtClean="0"/>
-            </a:br>
-            <a:r>
-              <a:rPr lang="en-US" sz="2400" b="1" dirty="0">
-                <a:hlinkClick r:id="rId2"/>
-              </a:rPr>
-              <a:t>https://</a:t>
-            </a:r>
-            <a:r>
-              <a:rPr lang="en-US" sz="2400" b="1" dirty="0" smtClean="0">
-                <a:hlinkClick r:id="rId2"/>
-              </a:rPr>
-              <a:t>github.com/filebase-xyz/css-transition/archive/master.zip</a:t>
-            </a:r>
-            <a:endParaRPr lang="ru-RU" sz="2400" b="1" dirty="0"/>
-          </a:p>
-        </p:txBody>
-      </p:sp>
-      <p:pic>
-        <p:nvPicPr>
-          <p:cNvPr id="2" name="Рисунок 1"/>
-          <p:cNvPicPr>
-            <a:picLocks noChangeAspect="1"/>
-          </p:cNvPicPr>
-          <p:nvPr/>
-        </p:nvPicPr>
-        <p:blipFill>
-          <a:blip r:embed="rId3">
-            <a:extLst>
-              <a:ext uri="{28A0092B-C50C-407E-A947-70E740481C1C}">
-                <a14:useLocalDpi xmlns:a14="http://schemas.microsoft.com/office/drawing/2010/main" val="0"/>
-              </a:ext>
-            </a:extLst>
-          </a:blip>
-          <a:stretch>
-            <a:fillRect/>
-          </a:stretch>
-        </p:blipFill>
-        <p:spPr>
-          <a:xfrm>
-            <a:off x="4655840" y="1700808"/>
-            <a:ext cx="2880320" cy="2880320"/>
-          </a:xfrm>
-          <a:prstGeom prst="rect">
-            <a:avLst/>
-          </a:prstGeom>
-        </p:spPr>
-      </p:pic>
-    </p:spTree>
-    <p:extLst>
-      <p:ext uri="{BB962C8B-B14F-4D97-AF65-F5344CB8AC3E}">
-        <p14:creationId xmlns:p14="http://schemas.microsoft.com/office/powerpoint/2010/main" val="1315212788"/>
-      </p:ext>
-    </p:extLst>
-  </p:cSld>
-  <p:clrMapOvr>
-    <a:masterClrMapping/>
-  </p:clrMapOvr>
-  <p:timing>
-    <p:tnLst>
-      <p:par>
-        <p:cTn id="1" dur="indefinite" restart="never" nodeType="tmRoot"/>
-      </p:par>
-    </p:tnLst>
-  </p:timing>
-</p:sld>
-</file>
-
-<file path=ppt/slides/slide20.xml><?xml version="1.0" encoding="utf-8"?>
-<p:sld xmlns:a="http://schemas.openxmlformats.org/drawingml/2006/main" xmlns:r="http://schemas.openxmlformats.org/officeDocument/2006/relationships" xmlns:p="http://schemas.openxmlformats.org/presentationml/2006/main">
-  <p:cSld>
-    <p:spTree>
-      <p:nvGrpSpPr>
-        <p:cNvPr id="1" name=""/>
-        <p:cNvGrpSpPr/>
-        <p:nvPr/>
-      </p:nvGrpSpPr>
-      <p:grpSpPr>
-        <a:xfrm>
-          <a:off x="0" y="0"/>
-          <a:ext cx="0" cy="0"/>
-          <a:chOff x="0" y="0"/>
-          <a:chExt cx="0" cy="0"/>
-        </a:xfrm>
-      </p:grpSpPr>
-      <p:sp>
-        <p:nvSpPr>
-          <p:cNvPr id="5" name="Прямоугольник 4"/>
-          <p:cNvSpPr/>
-          <p:nvPr/>
-        </p:nvSpPr>
-        <p:spPr>
-          <a:xfrm>
-            <a:off x="0" y="0"/>
-            <a:ext cx="12192000" cy="6858000"/>
-          </a:xfrm>
-          <a:prstGeom prst="rect">
-            <a:avLst/>
-          </a:prstGeom>
-          <a:solidFill>
-            <a:schemeClr val="tx2">
-              <a:lumMod val="75000"/>
-            </a:schemeClr>
-          </a:solidFill>
-        </p:spPr>
-        <p:style>
-          <a:lnRef idx="2">
-            <a:schemeClr val="accent1">
-              <a:shade val="50000"/>
-            </a:schemeClr>
-          </a:lnRef>
-          <a:fillRef idx="1">
-            <a:schemeClr val="accent1"/>
-          </a:fillRef>
-          <a:effectRef idx="0">
-            <a:schemeClr val="accent1"/>
-          </a:effectRef>
-          <a:fontRef idx="minor">
-            <a:schemeClr val="lt1"/>
-          </a:fontRef>
-        </p:style>
-        <p:txBody>
-          <a:bodyPr rtlCol="0" anchor="ctr"/>
-          <a:lstStyle/>
-          <a:p>
-            <a:pPr algn="ctr"/>
-            <a:r>
-              <a:rPr lang="ru-RU" sz="6600" b="1" dirty="0" smtClean="0"/>
-              <a:t>Черед одно занятие…</a:t>
-            </a:r>
-            <a:endParaRPr lang="uk-UA" sz="6600" b="1" dirty="0"/>
-          </a:p>
-        </p:txBody>
-      </p:sp>
-    </p:spTree>
-    <p:extLst>
-      <p:ext uri="{BB962C8B-B14F-4D97-AF65-F5344CB8AC3E}">
-        <p14:creationId xmlns:p14="http://schemas.microsoft.com/office/powerpoint/2010/main" val="3085796894"/>
-      </p:ext>
-    </p:extLst>
-  </p:cSld>
-  <p:clrMapOvr>
-    <a:masterClrMapping/>
-  </p:clrMapOvr>
-  <p:timing>
-    <p:tnLst>
-      <p:par>
-        <p:cTn id="1" dur="indefinite" restart="never" nodeType="tmRoot"/>
-      </p:par>
-    </p:tnLst>
-  </p:timing>
 </p:sld>
 </file>
 
@@ -6122,220 +6130,63 @@
       </p:grpSpPr>
       <p:sp>
         <p:nvSpPr>
-          <p:cNvPr id="8" name="Номер слайда 36"/>
-          <p:cNvSpPr txBox="1">
-            <a:spLocks/>
-          </p:cNvSpPr>
+          <p:cNvPr id="5" name="Прямоугольник 4"/>
+          <p:cNvSpPr/>
           <p:nvPr/>
         </p:nvSpPr>
         <p:spPr>
           <a:xfrm>
-            <a:off x="11352584" y="6237312"/>
-            <a:ext cx="648072" cy="432048"/>
-          </a:xfrm>
-          <a:prstGeom prst="roundRect">
-            <a:avLst/>
-          </a:prstGeom>
-          <a:ln w="25400" cap="flat" cmpd="sng" algn="ctr">
-            <a:solidFill>
-              <a:schemeClr val="tx2">
-                <a:lumMod val="60000"/>
-                <a:lumOff val="40000"/>
-              </a:schemeClr>
-            </a:solidFill>
-            <a:prstDash val="solid"/>
-          </a:ln>
+            <a:off x="0" y="0"/>
+            <a:ext cx="12192000" cy="6858000"/>
+          </a:xfrm>
+          <a:prstGeom prst="rect">
+            <a:avLst/>
+          </a:prstGeom>
+          <a:solidFill>
+            <a:schemeClr val="tx2">
+              <a:lumMod val="75000"/>
+            </a:schemeClr>
+          </a:solidFill>
         </p:spPr>
         <p:style>
           <a:lnRef idx="2">
-            <a:schemeClr val="accent1"/>
+            <a:schemeClr val="accent1">
+              <a:shade val="50000"/>
+            </a:schemeClr>
           </a:lnRef>
           <a:fillRef idx="1">
-            <a:schemeClr val="lt1"/>
+            <a:schemeClr val="accent1"/>
           </a:fillRef>
           <a:effectRef idx="0">
             <a:schemeClr val="accent1"/>
           </a:effectRef>
           <a:fontRef idx="minor">
-            <a:schemeClr val="dk1"/>
+            <a:schemeClr val="lt1"/>
           </a:fontRef>
         </p:style>
         <p:txBody>
-          <a:bodyPr vert="horz" lIns="91440" tIns="45720" rIns="91440" bIns="45720" rtlCol="0" anchor="ctr"/>
-          <a:lstStyle/>
-          <a:p>
-            <a:pPr algn="ctr">
-              <a:defRPr/>
-            </a:pPr>
-            <a:fld id="{6389AA22-90B4-448C-8B6B-C699140D38B9}" type="slidenum">
-              <a:rPr lang="uk-UA" sz="2400" b="1">
-                <a:solidFill>
-                  <a:schemeClr val="bg1">
-                    <a:lumMod val="50000"/>
-                  </a:schemeClr>
-                </a:solidFill>
-              </a:rPr>
-              <a:pPr algn="ctr">
-                <a:defRPr/>
-              </a:pPr>
-              <a:t>21</a:t>
-            </a:fld>
-            <a:endParaRPr lang="uk-UA" sz="2400" b="1" dirty="0">
-              <a:solidFill>
-                <a:schemeClr val="bg1">
-                  <a:lumMod val="50000"/>
-                </a:schemeClr>
-              </a:solidFill>
-            </a:endParaRPr>
-          </a:p>
-        </p:txBody>
-      </p:sp>
-      <p:sp>
-        <p:nvSpPr>
-          <p:cNvPr id="9" name="Прямоугольник 8"/>
-          <p:cNvSpPr/>
-          <p:nvPr/>
-        </p:nvSpPr>
-        <p:spPr>
-          <a:xfrm>
-            <a:off x="0" y="332656"/>
-            <a:ext cx="12192000" cy="830997"/>
-          </a:xfrm>
-          <a:prstGeom prst="rect">
-            <a:avLst/>
-          </a:prstGeom>
-        </p:spPr>
-        <p:txBody>
-          <a:bodyPr wrap="square">
-            <a:spAutoFit/>
-          </a:bodyPr>
+          <a:bodyPr rtlCol="0" anchor="ctr"/>
           <a:lstStyle/>
           <a:p>
             <a:pPr algn="ctr"/>
             <a:r>
-              <a:rPr lang="en-US" sz="4000" b="1" dirty="0" smtClean="0"/>
-              <a:t>1. </a:t>
-            </a:r>
-            <a:r>
-              <a:rPr lang="ru-RU" sz="4000" b="1" dirty="0" smtClean="0"/>
-              <a:t>Скачайте и установите </a:t>
-            </a:r>
-            <a:r>
-              <a:rPr lang="en-US" sz="4800" b="1" dirty="0" err="1" smtClean="0">
-                <a:solidFill>
-                  <a:schemeClr val="accent6">
-                    <a:lumMod val="75000"/>
-                  </a:schemeClr>
-                </a:solidFill>
-              </a:rPr>
-              <a:t>git</a:t>
-            </a:r>
-            <a:endParaRPr lang="ru-RU" sz="4800" i="1" dirty="0">
-              <a:solidFill>
-                <a:schemeClr val="accent6">
-                  <a:lumMod val="75000"/>
-                </a:schemeClr>
-              </a:solidFill>
-            </a:endParaRPr>
-          </a:p>
-        </p:txBody>
-      </p:sp>
-      <p:sp>
-        <p:nvSpPr>
-          <p:cNvPr id="2" name="Прямоугольник 1"/>
-          <p:cNvSpPr/>
-          <p:nvPr/>
-        </p:nvSpPr>
-        <p:spPr>
-          <a:xfrm>
-            <a:off x="0" y="5661248"/>
-            <a:ext cx="12192000" cy="646331"/>
-          </a:xfrm>
-          <a:prstGeom prst="rect">
-            <a:avLst/>
-          </a:prstGeom>
-        </p:spPr>
-        <p:txBody>
-          <a:bodyPr wrap="square">
-            <a:spAutoFit/>
-          </a:bodyPr>
-          <a:lstStyle/>
-          <a:p>
-            <a:pPr algn="ctr"/>
-            <a:r>
-              <a:rPr lang="ru-RU" sz="3600" b="1" dirty="0">
-                <a:hlinkClick r:id="rId2"/>
-              </a:rPr>
-              <a:t>https://git-scm.com</a:t>
-            </a:r>
-            <a:r>
-              <a:rPr lang="ru-RU" sz="3600" b="1" dirty="0" smtClean="0">
-                <a:hlinkClick r:id="rId2"/>
-              </a:rPr>
-              <a:t>/</a:t>
-            </a:r>
-            <a:endParaRPr lang="ru-RU" sz="3600" b="1" dirty="0"/>
-          </a:p>
-        </p:txBody>
-      </p:sp>
-      <p:pic>
-        <p:nvPicPr>
-          <p:cNvPr id="1028" name="Picture 4" descr="https://git-scm.com/images/logos/downloads/Git-Logo-2Color.png"/>
-          <p:cNvPicPr>
-            <a:picLocks noChangeAspect="1" noChangeArrowheads="1"/>
-          </p:cNvPicPr>
-          <p:nvPr/>
-        </p:nvPicPr>
-        <p:blipFill>
-          <a:blip r:embed="rId3">
-            <a:extLst>
-              <a:ext uri="{28A0092B-C50C-407E-A947-70E740481C1C}">
-                <a14:useLocalDpi xmlns:a14="http://schemas.microsoft.com/office/drawing/2010/main" val="0"/>
-              </a:ext>
-            </a:extLst>
-          </a:blip>
-          <a:srcRect/>
-          <a:stretch>
-            <a:fillRect/>
-          </a:stretch>
-        </p:blipFill>
-        <p:spPr bwMode="auto">
-          <a:xfrm>
-            <a:off x="1847528" y="1484784"/>
-            <a:ext cx="8667750" cy="3619500"/>
-          </a:xfrm>
-          <a:prstGeom prst="rect">
-            <a:avLst/>
-          </a:prstGeom>
-          <a:noFill/>
-          <a:extLst>
-            <a:ext uri="{909E8E84-426E-40DD-AFC4-6F175D3DCCD1}">
-              <a14:hiddenFill xmlns:a14="http://schemas.microsoft.com/office/drawing/2010/main">
-                <a:solidFill>
-                  <a:srgbClr val="FFFFFF"/>
-                </a:solidFill>
-              </a14:hiddenFill>
-            </a:ext>
-          </a:extLst>
-        </p:spPr>
-      </p:pic>
+              <a:rPr lang="ru-RU" sz="6600" b="1" dirty="0"/>
+              <a:t>Черед одно занятие…</a:t>
+            </a:r>
+            <a:endParaRPr lang="uk-UA" sz="6600" b="1" dirty="0"/>
+          </a:p>
+        </p:txBody>
+      </p:sp>
     </p:spTree>
     <p:extLst>
       <p:ext uri="{BB962C8B-B14F-4D97-AF65-F5344CB8AC3E}">
-        <p14:creationId xmlns:p14="http://schemas.microsoft.com/office/powerpoint/2010/main" val="779638128"/>
+        <p14:creationId xmlns:p14="http://schemas.microsoft.com/office/powerpoint/2010/main" val="3085796894"/>
       </p:ext>
     </p:extLst>
   </p:cSld>
   <p:clrMapOvr>
     <a:masterClrMapping/>
   </p:clrMapOvr>
-  <p:timing>
-    <p:tnLst>
-      <p:par>
-        <p:cTn id="1" dur="indefinite" restart="never" nodeType="tmRoot"/>
-      </p:par>
-    </p:tnLst>
-  </p:timing>
 </p:sld>
 </file>
 
@@ -6434,8 +6285,8 @@
         </p:nvSpPr>
         <p:spPr>
           <a:xfrm>
-            <a:off x="0" y="404664"/>
-            <a:ext cx="12192000" cy="600164"/>
+            <a:off x="0" y="332656"/>
+            <a:ext cx="12192000" cy="830997"/>
           </a:xfrm>
           <a:prstGeom prst="rect">
             <a:avLst/>
@@ -6449,24 +6300,28 @@
           <a:p>
             <a:pPr algn="ctr"/>
             <a:r>
-              <a:rPr lang="en-US" sz="3300" b="1" dirty="0" smtClean="0"/>
-              <a:t>2. </a:t>
-            </a:r>
-            <a:r>
-              <a:rPr lang="ru-RU" sz="3300" b="1" dirty="0" smtClean="0"/>
-              <a:t>Зарегистрируйте аккаунт на сайте </a:t>
-            </a:r>
-            <a:r>
-              <a:rPr lang="en-US" sz="3300" b="1" dirty="0" smtClean="0">
+              <a:rPr lang="en-US" sz="4000" b="1" dirty="0"/>
+              <a:t>1. </a:t>
+            </a:r>
+            <a:r>
+              <a:rPr lang="ru-RU" sz="4000" b="1" dirty="0"/>
+              <a:t>Скачайте и установите </a:t>
+            </a:r>
+            <a:r>
+              <a:rPr lang="en-US" sz="4800" b="1" dirty="0" err="1">
                 <a:solidFill>
-                  <a:srgbClr val="7030A0"/>
+                  <a:schemeClr val="accent6">
+                    <a:lumMod val="75000"/>
+                  </a:schemeClr>
                 </a:solidFill>
               </a:rPr>
-              <a:t>GitHub</a:t>
-            </a:r>
-            <a:endParaRPr lang="ru-RU" sz="3300" i="1" dirty="0">
+              <a:t>git</a:t>
+            </a:r>
+            <a:endParaRPr lang="ru-RU" sz="4800" i="1" dirty="0">
               <a:solidFill>
-                <a:srgbClr val="7030A0"/>
+                <a:schemeClr val="accent6">
+                  <a:lumMod val="75000"/>
+                </a:schemeClr>
               </a:solidFill>
             </a:endParaRPr>
           </a:p>
@@ -6474,14 +6329,14 @@
       </p:sp>
       <p:sp>
         <p:nvSpPr>
-          <p:cNvPr id="11" name="Прямоугольник 10"/>
+          <p:cNvPr id="2" name="Прямоугольник 1"/>
           <p:cNvSpPr/>
           <p:nvPr/>
         </p:nvSpPr>
         <p:spPr>
           <a:xfrm>
-            <a:off x="0" y="5589240"/>
-            <a:ext cx="12192000" cy="769441"/>
+            <a:off x="0" y="5661248"/>
+            <a:ext cx="12192000" cy="646331"/>
           </a:xfrm>
           <a:prstGeom prst="rect">
             <a:avLst/>
@@ -6495,24 +6350,18 @@
           <a:p>
             <a:pPr algn="ctr"/>
             <a:r>
-              <a:rPr lang="en-US" sz="4400" b="1" dirty="0">
+              <a:rPr lang="ru-RU" sz="3600" b="1" dirty="0">
                 <a:hlinkClick r:id="rId2"/>
               </a:rPr>
-              <a:t>https://github.com</a:t>
-            </a:r>
-            <a:r>
-              <a:rPr lang="en-US" sz="4400" b="1" dirty="0" smtClean="0">
-                <a:hlinkClick r:id="rId2"/>
-              </a:rPr>
-              <a:t>/</a:t>
-            </a:r>
-            <a:endParaRPr lang="uk-UA" sz="4400" b="1" dirty="0"/>
+              <a:t>https://git-scm.com/</a:t>
+            </a:r>
+            <a:endParaRPr lang="ru-RU" sz="3600" b="1" dirty="0"/>
           </a:p>
         </p:txBody>
       </p:sp>
       <p:pic>
         <p:nvPicPr>
-          <p:cNvPr id="2050" name="Picture 2" descr="http://pngimg.com/uploads/github/github_PNG15.png"/>
+          <p:cNvPr id="1028" name="Picture 4" descr="https://git-scm.com/images/logos/downloads/Git-Logo-2Color.png"/>
           <p:cNvPicPr>
             <a:picLocks noChangeAspect="1" noChangeArrowheads="1"/>
           </p:cNvPicPr>
@@ -6533,8 +6382,8 @@
         </p:blipFill>
         <p:spPr bwMode="auto">
           <a:xfrm>
-            <a:off x="1015169" y="1268760"/>
-            <a:ext cx="10161662" cy="4108847"/>
+            <a:off x="1847528" y="1484784"/>
+            <a:ext cx="8667750" cy="3619500"/>
           </a:xfrm>
           <a:prstGeom prst="rect">
             <a:avLst/>
@@ -6554,20 +6403,13 @@
     </p:spTree>
     <p:extLst>
       <p:ext uri="{BB962C8B-B14F-4D97-AF65-F5344CB8AC3E}">
-        <p14:creationId xmlns:p14="http://schemas.microsoft.com/office/powerpoint/2010/main" val="1507598651"/>
+        <p14:creationId xmlns:p14="http://schemas.microsoft.com/office/powerpoint/2010/main" val="779638128"/>
       </p:ext>
     </p:extLst>
   </p:cSld>
   <p:clrMapOvr>
     <a:masterClrMapping/>
   </p:clrMapOvr>
-  <p:timing>
-    <p:tnLst>
-      <p:par>
-        <p:cTn id="1" dur="indefinite" restart="never" nodeType="tmRoot"/>
-      </p:par>
-    </p:tnLst>
-  </p:timing>
 </p:sld>
 </file>
 
@@ -6681,11 +6523,230 @@
           <a:p>
             <a:pPr algn="ctr"/>
             <a:r>
-              <a:rPr lang="ru-RU" sz="3300" b="1" dirty="0" err="1" smtClean="0"/>
+              <a:rPr lang="en-US" sz="3300" b="1" dirty="0"/>
+              <a:t>2. </a:t>
+            </a:r>
+            <a:r>
+              <a:rPr lang="ru-RU" sz="3300" b="1" dirty="0"/>
+              <a:t>Зарегистрируйте аккаунт на сайте </a:t>
+            </a:r>
+            <a:r>
+              <a:rPr lang="en-US" sz="3300" b="1" dirty="0">
+                <a:solidFill>
+                  <a:srgbClr val="7030A0"/>
+                </a:solidFill>
+              </a:rPr>
+              <a:t>GitHub</a:t>
+            </a:r>
+            <a:endParaRPr lang="ru-RU" sz="3300" i="1" dirty="0">
+              <a:solidFill>
+                <a:srgbClr val="7030A0"/>
+              </a:solidFill>
+            </a:endParaRPr>
+          </a:p>
+        </p:txBody>
+      </p:sp>
+      <p:sp>
+        <p:nvSpPr>
+          <p:cNvPr id="11" name="Прямоугольник 10"/>
+          <p:cNvSpPr/>
+          <p:nvPr/>
+        </p:nvSpPr>
+        <p:spPr>
+          <a:xfrm>
+            <a:off x="0" y="5589240"/>
+            <a:ext cx="12192000" cy="769441"/>
+          </a:xfrm>
+          <a:prstGeom prst="rect">
+            <a:avLst/>
+          </a:prstGeom>
+        </p:spPr>
+        <p:txBody>
+          <a:bodyPr wrap="square">
+            <a:spAutoFit/>
+          </a:bodyPr>
+          <a:lstStyle/>
+          <a:p>
+            <a:pPr algn="ctr"/>
+            <a:r>
+              <a:rPr lang="en-US" sz="4400" b="1" dirty="0">
+                <a:hlinkClick r:id="rId2"/>
+              </a:rPr>
+              <a:t>https://github.com/</a:t>
+            </a:r>
+            <a:endParaRPr lang="uk-UA" sz="4400" b="1" dirty="0"/>
+          </a:p>
+        </p:txBody>
+      </p:sp>
+      <p:pic>
+        <p:nvPicPr>
+          <p:cNvPr id="2050" name="Picture 2" descr="http://pngimg.com/uploads/github/github_PNG15.png"/>
+          <p:cNvPicPr>
+            <a:picLocks noChangeAspect="1" noChangeArrowheads="1"/>
+          </p:cNvPicPr>
+          <p:nvPr/>
+        </p:nvPicPr>
+        <p:blipFill>
+          <a:blip r:embed="rId3">
+            <a:extLst>
+              <a:ext uri="{28A0092B-C50C-407E-A947-70E740481C1C}">
+                <a14:useLocalDpi xmlns:a14="http://schemas.microsoft.com/office/drawing/2010/main" val="0"/>
+              </a:ext>
+            </a:extLst>
+          </a:blip>
+          <a:srcRect/>
+          <a:stretch>
+            <a:fillRect/>
+          </a:stretch>
+        </p:blipFill>
+        <p:spPr bwMode="auto">
+          <a:xfrm>
+            <a:off x="1015169" y="1268760"/>
+            <a:ext cx="10161662" cy="4108847"/>
+          </a:xfrm>
+          <a:prstGeom prst="rect">
+            <a:avLst/>
+          </a:prstGeom>
+          <a:noFill/>
+          <a:extLst>
+            <a:ext uri="{909E8E84-426E-40DD-AFC4-6F175D3DCCD1}">
+              <a14:hiddenFill xmlns:a14="http://schemas.microsoft.com/office/drawing/2010/main">
+                <a:solidFill>
+                  <a:srgbClr val="FFFFFF"/>
+                </a:solidFill>
+              </a14:hiddenFill>
+            </a:ext>
+          </a:extLst>
+        </p:spPr>
+      </p:pic>
+    </p:spTree>
+    <p:extLst>
+      <p:ext uri="{BB962C8B-B14F-4D97-AF65-F5344CB8AC3E}">
+        <p14:creationId xmlns:p14="http://schemas.microsoft.com/office/powerpoint/2010/main" val="1507598651"/>
+      </p:ext>
+    </p:extLst>
+  </p:cSld>
+  <p:clrMapOvr>
+    <a:masterClrMapping/>
+  </p:clrMapOvr>
+</p:sld>
+</file>
+
+<file path=ppt/slides/slide24.xml><?xml version="1.0" encoding="utf-8"?>
+<p:sld xmlns:a="http://schemas.openxmlformats.org/drawingml/2006/main" xmlns:r="http://schemas.openxmlformats.org/officeDocument/2006/relationships" xmlns:p="http://schemas.openxmlformats.org/presentationml/2006/main">
+  <p:cSld>
+    <p:spTree>
+      <p:nvGrpSpPr>
+        <p:cNvPr id="1" name=""/>
+        <p:cNvGrpSpPr/>
+        <p:nvPr/>
+      </p:nvGrpSpPr>
+      <p:grpSpPr>
+        <a:xfrm>
+          <a:off x="0" y="0"/>
+          <a:ext cx="0" cy="0"/>
+          <a:chOff x="0" y="0"/>
+          <a:chExt cx="0" cy="0"/>
+        </a:xfrm>
+      </p:grpSpPr>
+      <p:sp>
+        <p:nvSpPr>
+          <p:cNvPr id="8" name="Номер слайда 36"/>
+          <p:cNvSpPr txBox="1">
+            <a:spLocks/>
+          </p:cNvSpPr>
+          <p:nvPr/>
+        </p:nvSpPr>
+        <p:spPr>
+          <a:xfrm>
+            <a:off x="11352584" y="6237312"/>
+            <a:ext cx="648072" cy="432048"/>
+          </a:xfrm>
+          <a:prstGeom prst="roundRect">
+            <a:avLst/>
+          </a:prstGeom>
+          <a:ln w="25400" cap="flat" cmpd="sng" algn="ctr">
+            <a:solidFill>
+              <a:schemeClr val="tx2">
+                <a:lumMod val="60000"/>
+                <a:lumOff val="40000"/>
+              </a:schemeClr>
+            </a:solidFill>
+            <a:prstDash val="solid"/>
+          </a:ln>
+        </p:spPr>
+        <p:style>
+          <a:lnRef idx="2">
+            <a:schemeClr val="accent1"/>
+          </a:lnRef>
+          <a:fillRef idx="1">
+            <a:schemeClr val="lt1"/>
+          </a:fillRef>
+          <a:effectRef idx="0">
+            <a:schemeClr val="accent1"/>
+          </a:effectRef>
+          <a:fontRef idx="minor">
+            <a:schemeClr val="dk1"/>
+          </a:fontRef>
+        </p:style>
+        <p:txBody>
+          <a:bodyPr vert="horz" lIns="91440" tIns="45720" rIns="91440" bIns="45720" rtlCol="0" anchor="ctr"/>
+          <a:lstStyle/>
+          <a:p>
+            <a:pPr algn="ctr">
+              <a:defRPr/>
+            </a:pPr>
+            <a:fld id="{6389AA22-90B4-448C-8B6B-C699140D38B9}" type="slidenum">
+              <a:rPr lang="uk-UA" sz="2400" b="1">
+                <a:solidFill>
+                  <a:schemeClr val="bg1">
+                    <a:lumMod val="50000"/>
+                  </a:schemeClr>
+                </a:solidFill>
+              </a:rPr>
+              <a:pPr algn="ctr">
+                <a:defRPr/>
+              </a:pPr>
+              <a:t>24</a:t>
+            </a:fld>
+            <a:endParaRPr lang="uk-UA" sz="2400" b="1" dirty="0">
+              <a:solidFill>
+                <a:schemeClr val="bg1">
+                  <a:lumMod val="50000"/>
+                </a:schemeClr>
+              </a:solidFill>
+            </a:endParaRPr>
+          </a:p>
+        </p:txBody>
+      </p:sp>
+      <p:sp>
+        <p:nvSpPr>
+          <p:cNvPr id="9" name="Прямоугольник 8"/>
+          <p:cNvSpPr/>
+          <p:nvPr/>
+        </p:nvSpPr>
+        <p:spPr>
+          <a:xfrm>
+            <a:off x="0" y="404664"/>
+            <a:ext cx="12192000" cy="600164"/>
+          </a:xfrm>
+          <a:prstGeom prst="rect">
+            <a:avLst/>
+          </a:prstGeom>
+        </p:spPr>
+        <p:txBody>
+          <a:bodyPr wrap="square">
+            <a:spAutoFit/>
+          </a:bodyPr>
+          <a:lstStyle/>
+          <a:p>
+            <a:pPr algn="ctr"/>
+            <a:r>
+              <a:rPr lang="ru-RU" sz="3300" b="1" dirty="0" err="1"/>
               <a:t>Видеонструкция</a:t>
             </a:r>
             <a:r>
-              <a:rPr lang="ru-RU" sz="3300" b="1" dirty="0" smtClean="0"/>
+              <a:rPr lang="ru-RU" sz="3300" b="1" dirty="0"/>
               <a:t> будет выложена в Телеграм</a:t>
             </a:r>
             <a:endParaRPr lang="ru-RU" sz="3300" i="1" dirty="0">
@@ -6753,69 +6814,64 @@
           <a:p>
             <a:pPr algn="ctr"/>
             <a:r>
-              <a:rPr lang="ru-RU" sz="2400" dirty="0" smtClean="0"/>
+              <a:rPr lang="ru-RU" sz="2400" dirty="0"/>
               <a:t>Зарегистрируйте </a:t>
             </a:r>
             <a:r>
-              <a:rPr lang="ru-RU" sz="2400" b="1" dirty="0" smtClean="0"/>
+              <a:rPr lang="ru-RU" sz="2400" b="1" dirty="0"/>
               <a:t>аккаунт</a:t>
             </a:r>
             <a:r>
-              <a:rPr lang="ru-RU" sz="2400" dirty="0" smtClean="0"/>
+              <a:rPr lang="ru-RU" sz="2400" dirty="0"/>
               <a:t> на </a:t>
             </a:r>
             <a:r>
-              <a:rPr lang="en-US" sz="2400" b="1" dirty="0" smtClean="0"/>
+              <a:rPr lang="en-US" sz="2400" b="1" dirty="0"/>
               <a:t>GitHub</a:t>
             </a:r>
             <a:r>
               <a:rPr lang="ru-RU" sz="2400" dirty="0"/>
-              <a:t>.</a:t>
-            </a:r>
-            <a:r>
-              <a:rPr lang="ru-RU" sz="2400" dirty="0" smtClean="0"/>
+              <a:t>. </a:t>
+            </a:r>
+            <a:br>
+              <a:rPr lang="ru-RU" sz="2400" dirty="0"/>
+            </a:br>
+            <a:r>
+              <a:rPr lang="ru-RU" sz="2400" b="1" dirty="0"/>
+              <a:t>Скачайте</a:t>
+            </a:r>
+            <a:r>
+              <a:rPr lang="ru-RU" sz="2400" dirty="0"/>
+              <a:t>, </a:t>
+            </a:r>
+            <a:r>
+              <a:rPr lang="ru-RU" sz="2400" b="1" dirty="0"/>
+              <a:t>установите</a:t>
+            </a:r>
+            <a:r>
+              <a:rPr lang="ru-RU" sz="2400" dirty="0"/>
+              <a:t> и </a:t>
+            </a:r>
+            <a:r>
+              <a:rPr lang="ru-RU" sz="2400" b="1" dirty="0"/>
+              <a:t>настройте</a:t>
+            </a:r>
+            <a:r>
+              <a:rPr lang="ru-RU" sz="2400" dirty="0"/>
               <a:t> </a:t>
             </a:r>
-            <a:br>
-              <a:rPr lang="ru-RU" sz="2400" dirty="0" smtClean="0"/>
-            </a:br>
-            <a:r>
-              <a:rPr lang="ru-RU" sz="2400" b="1" dirty="0" smtClean="0"/>
-              <a:t>Скачайте</a:t>
-            </a:r>
-            <a:r>
-              <a:rPr lang="ru-RU" sz="2400" dirty="0" smtClean="0"/>
-              <a:t>, </a:t>
-            </a:r>
-            <a:r>
-              <a:rPr lang="ru-RU" sz="2400" b="1" dirty="0" smtClean="0"/>
-              <a:t>установите</a:t>
-            </a:r>
-            <a:r>
-              <a:rPr lang="ru-RU" sz="2400" dirty="0" smtClean="0"/>
-              <a:t> и </a:t>
-            </a:r>
-            <a:r>
-              <a:rPr lang="ru-RU" sz="2400" b="1" dirty="0" smtClean="0"/>
-              <a:t>настройте</a:t>
-            </a:r>
-            <a:r>
-              <a:rPr lang="ru-RU" sz="2400" dirty="0" smtClean="0"/>
+            <a:r>
+              <a:rPr lang="en-US" sz="2400" b="1" dirty="0" err="1"/>
+              <a:t>Git</a:t>
+            </a:r>
+            <a:r>
+              <a:rPr lang="en-US" sz="2400" dirty="0"/>
               <a:t> </a:t>
             </a:r>
             <a:r>
-              <a:rPr lang="en-US" sz="2400" b="1" dirty="0" err="1" smtClean="0"/>
-              <a:t>Git</a:t>
-            </a:r>
-            <a:r>
-              <a:rPr lang="en-US" sz="2400" dirty="0" smtClean="0"/>
-              <a:t> </a:t>
-            </a:r>
-            <a:r>
-              <a:rPr lang="ru-RU" sz="2400" dirty="0" smtClean="0"/>
+              <a:rPr lang="ru-RU" sz="2400" dirty="0"/>
               <a:t>по инструкции.</a:t>
             </a:r>
-            <a:endParaRPr lang="ru-RU" sz="2400" dirty="0"/>
           </a:p>
         </p:txBody>
       </p:sp>
@@ -6829,13 +6885,6 @@
   <p:clrMapOvr>
     <a:masterClrMapping/>
   </p:clrMapOvr>
-  <p:timing>
-    <p:tnLst>
-      <p:par>
-        <p:cTn id="1" dur="indefinite" restart="never" nodeType="tmRoot"/>
-      </p:par>
-    </p:tnLst>
-  </p:timing>
 </p:sld>
 </file>
 
@@ -6898,11 +6947,11 @@
           <a:p>
             <a:pPr algn="ctr"/>
             <a:r>
-              <a:rPr lang="en-US" sz="6000" b="1" dirty="0" smtClean="0"/>
+              <a:rPr lang="en-US" sz="6000" b="1" dirty="0"/>
               <a:t>1.</a:t>
             </a:r>
             <a:r>
-              <a:rPr lang="ru-RU" sz="6000" b="1" dirty="0" smtClean="0"/>
+              <a:rPr lang="ru-RU" sz="6000" b="1" dirty="0"/>
               <a:t> Состояние элемента</a:t>
             </a:r>
             <a:endParaRPr lang="uk-UA" sz="6000" b="1" dirty="0"/>
@@ -6919,13 +6968,6 @@
   <p:clrMapOvr>
     <a:masterClrMapping/>
   </p:clrMapOvr>
-  <p:timing>
-    <p:tnLst>
-      <p:par>
-        <p:cTn id="1" dur="indefinite" restart="never" nodeType="tmRoot"/>
-      </p:par>
-    </p:tnLst>
-  </p:timing>
 </p:sld>
 </file>
 
@@ -6948,7 +6990,7 @@
       </p:grpSpPr>
       <p:sp>
         <p:nvSpPr>
-          <p:cNvPr id="8" name="Номер слайда 36"/>
+          <p:cNvPr id="7" name="Номер слайда 36"/>
           <p:cNvSpPr txBox="1">
             <a:spLocks/>
           </p:cNvSpPr>
@@ -7018,51 +7060,14 @@
       </p:sp>
       <p:sp>
         <p:nvSpPr>
-          <p:cNvPr id="7" name="Прямоугольник 6"/>
-          <p:cNvSpPr/>
-          <p:nvPr/>
-        </p:nvSpPr>
-        <p:spPr>
-          <a:xfrm>
-            <a:off x="7326543" y="5487615"/>
-            <a:ext cx="3810017" cy="461665"/>
-          </a:xfrm>
-          <a:prstGeom prst="rect">
-            <a:avLst/>
-          </a:prstGeom>
-        </p:spPr>
-        <p:txBody>
-          <a:bodyPr wrap="none">
-            <a:spAutoFit/>
-          </a:bodyPr>
-          <a:lstStyle/>
-          <a:p>
-            <a:r>
-              <a:rPr lang="en-US" sz="2400" b="1" dirty="0">
-                <a:hlinkClick r:id="rId2"/>
-              </a:rPr>
-              <a:t>https://</a:t>
-            </a:r>
-            <a:r>
-              <a:rPr lang="en-US" sz="2400" b="1" dirty="0" smtClean="0">
-                <a:hlinkClick r:id="rId2"/>
-              </a:rPr>
-              <a:t>webref.ru/css/hover</a:t>
-            </a:r>
-            <a:endParaRPr lang="ru-RU" sz="2400" b="1" dirty="0"/>
-          </a:p>
-        </p:txBody>
-      </p:sp>
-      <p:sp>
-        <p:nvSpPr>
           <p:cNvPr id="10" name="TextBox 9"/>
           <p:cNvSpPr txBox="1"/>
           <p:nvPr/>
         </p:nvSpPr>
         <p:spPr>
           <a:xfrm>
-            <a:off x="7320136" y="1268760"/>
-            <a:ext cx="3556379" cy="4093428"/>
+            <a:off x="7248128" y="1531995"/>
+            <a:ext cx="4248472" cy="3416320"/>
           </a:xfrm>
           <a:prstGeom prst="rect">
             <a:avLst/>
@@ -7076,79 +7081,153 @@
           <a:lstStyle/>
           <a:p>
             <a:r>
-              <a:rPr lang="ru-RU" sz="2000" b="1" dirty="0" err="1"/>
-              <a:t>Псевдоклассы</a:t>
-            </a:r>
-            <a:r>
-              <a:rPr lang="ru-RU" sz="2000" dirty="0"/>
-              <a:t> определяют стили элемента для тех случаев когда состояние элемента меняется в зависимости от действий пользователя. Например </a:t>
-            </a:r>
-            <a:r>
-              <a:rPr lang="ru-RU" sz="2000" dirty="0" err="1"/>
-              <a:t>псевдокласс</a:t>
-            </a:r>
-            <a:r>
-              <a:rPr lang="ru-RU" sz="2000" dirty="0"/>
+              <a:rPr lang="ru-RU" sz="2400" dirty="0"/>
+              <a:t>Подготовьте разметку на основе таких команд </a:t>
+            </a:r>
+            <a:r>
+              <a:rPr lang="en-US" sz="2400" b="1" dirty="0"/>
+              <a:t>Emmet</a:t>
+            </a:r>
+            <a:r>
+              <a:rPr lang="en-US" sz="2400" dirty="0"/>
+              <a:t>’</a:t>
+            </a:r>
+            <a:r>
+              <a:rPr lang="uk-UA" sz="2400" dirty="0"/>
+              <a:t>а</a:t>
+            </a:r>
+            <a:r>
+              <a:rPr lang="en-US" sz="2400" dirty="0"/>
               <a:t> </a:t>
             </a:r>
             <a:r>
-              <a:rPr lang="en-US" sz="2000" b="1" dirty="0"/>
-              <a:t>:hover</a:t>
-            </a:r>
-            <a:r>
-              <a:rPr lang="ru-RU" sz="2000" dirty="0"/>
-              <a:t>,</a:t>
-            </a:r>
-            <a:r>
-              <a:rPr lang="ru-RU" sz="2000" b="1" dirty="0"/>
+              <a:rPr lang="uk-UA" sz="2400" dirty="0"/>
+              <a:t>в </a:t>
+            </a:r>
+            <a:r>
+              <a:rPr lang="en-US" sz="2400" b="1" dirty="0" err="1"/>
+              <a:t>VSCode</a:t>
+            </a:r>
+            <a:r>
+              <a:rPr lang="en-US" sz="2400" b="1" dirty="0"/>
               <a:t> </a:t>
             </a:r>
             <a:r>
-              <a:rPr lang="ru-RU" sz="2000" dirty="0"/>
-              <a:t> который </a:t>
-            </a:r>
-            <a:r>
-              <a:rPr lang="ru-RU" sz="2000" dirty="0" smtClean="0"/>
-              <a:t>будучи расположен в </a:t>
-            </a:r>
-            <a:r>
-              <a:rPr lang="ru-RU" sz="2000" dirty="0"/>
-              <a:t>селектору,</a:t>
-            </a:r>
-            <a:r>
-              <a:rPr lang="en-US" sz="2000" b="1" dirty="0"/>
+              <a:rPr lang="en-US" sz="2400" dirty="0"/>
+              <a:t>(</a:t>
+            </a:r>
+            <a:r>
+              <a:rPr lang="uk-UA" sz="2400" dirty="0"/>
+              <a:t>команд</a:t>
+            </a:r>
+            <a:r>
+              <a:rPr lang="ru-RU" sz="2400" dirty="0"/>
+              <a:t>ы выполняются по одной</a:t>
+            </a:r>
+            <a:r>
+              <a:rPr lang="en-US" sz="2400" dirty="0"/>
+              <a:t>)</a:t>
+            </a:r>
+          </a:p>
+          <a:p>
+            <a:endParaRPr lang="ru-RU" sz="2400" dirty="0"/>
+          </a:p>
+          <a:p>
+            <a:r>
+              <a:rPr lang="en-US" sz="2400" dirty="0"/>
+              <a:t>1)</a:t>
+            </a:r>
+            <a:r>
+              <a:rPr lang="uk-UA" sz="2400" dirty="0"/>
+              <a:t>Каркас </a:t>
+            </a:r>
+            <a:r>
+              <a:rPr lang="en-US" sz="2400" dirty="0"/>
+              <a:t>HTML</a:t>
+            </a:r>
+            <a:r>
+              <a:rPr lang="uk-UA" sz="2400" dirty="0"/>
+              <a:t>-</a:t>
+            </a:r>
+            <a:r>
+              <a:rPr lang="uk-UA" sz="2400" dirty="0" err="1"/>
+              <a:t>разметки</a:t>
+            </a:r>
+            <a:r>
+              <a:rPr lang="en-US" sz="2400" dirty="0"/>
+              <a:t>;</a:t>
+            </a:r>
+            <a:endParaRPr lang="uk-UA" sz="2400" dirty="0"/>
+          </a:p>
+          <a:p>
+            <a:endParaRPr lang="en-US" sz="2400" dirty="0"/>
+          </a:p>
+          <a:p>
+            <a:r>
+              <a:rPr lang="en-US" sz="2400" dirty="0"/>
+              <a:t>2</a:t>
+            </a:r>
+            <a:r>
+              <a:rPr lang="uk-UA" sz="2400" dirty="0"/>
+              <a:t>) </a:t>
+            </a:r>
+            <a:r>
+              <a:rPr lang="en-US" sz="2400" dirty="0"/>
+              <a:t>10</a:t>
+            </a:r>
+            <a:r>
+              <a:rPr lang="uk-UA" sz="2400" dirty="0"/>
               <a:t> </a:t>
             </a:r>
             <a:r>
-              <a:rPr lang="ru-RU" sz="2000" dirty="0"/>
-              <a:t>позволяет задать стили который будут применяться только когда на элемент наведён курсор мыши.</a:t>
-            </a:r>
-            <a:r>
-              <a:rPr lang="en-US" sz="2000" dirty="0"/>
+              <a:rPr lang="uk-UA" sz="2400" dirty="0" err="1"/>
+              <a:t>параграфов</a:t>
+            </a:r>
+            <a:r>
+              <a:rPr lang="ru-RU" sz="2400" dirty="0"/>
               <a:t> </a:t>
             </a:r>
-            <a:endParaRPr lang="ru-RU" sz="2000" dirty="0"/>
+            <a:r>
+              <a:rPr lang="en-US" sz="2400" b="1" dirty="0"/>
+              <a:t>&lt;p&gt; </a:t>
+            </a:r>
+            <a:r>
+              <a:rPr lang="uk-UA" sz="2400" dirty="0"/>
+              <a:t>с </a:t>
+            </a:r>
+            <a:r>
+              <a:rPr lang="en-US" sz="2400" dirty="0"/>
+              <a:t>50</a:t>
+            </a:r>
+            <a:r>
+              <a:rPr lang="uk-UA" sz="2400" dirty="0"/>
+              <a:t>-ю словами </a:t>
+            </a:r>
+            <a:r>
+              <a:rPr lang="ru-RU" sz="2400" dirty="0"/>
+              <a:t>каждый.</a:t>
+            </a:r>
+            <a:endParaRPr lang="ru-RU" sz="2400" b="1" dirty="0"/>
           </a:p>
         </p:txBody>
       </p:sp>
       <p:pic>
         <p:nvPicPr>
-          <p:cNvPr id="11" name="Рисунок 10"/>
+          <p:cNvPr id="6" name="Рисунок 5"/>
           <p:cNvPicPr>
             <a:picLocks noChangeAspect="1"/>
           </p:cNvPicPr>
           <p:nvPr/>
         </p:nvPicPr>
-        <p:blipFill>
-          <a:blip r:embed="rId3"/>
-          <a:stretch>
-            <a:fillRect/>
-          </a:stretch>
+        <p:blipFill rotWithShape="1">
+          <a:blip r:embed="rId2"/>
+          <a:srcRect l="5896" r="15084"/>
+          <a:stretch/>
         </p:blipFill>
         <p:spPr>
           <a:xfrm>
-            <a:off x="551384" y="1484784"/>
-            <a:ext cx="6356309" cy="2094693"/>
+            <a:off x="767408" y="1484784"/>
+            <a:ext cx="5903143" cy="4032448"/>
           </a:xfrm>
           <a:prstGeom prst="rect">
             <a:avLst/>
@@ -7167,13 +7246,19 @@
       </p:pic>
       <p:sp>
         <p:nvSpPr>
-          <p:cNvPr id="9" name="TextBox 8"/>
+          <p:cNvPr id="8" name="TextBox 7">
+            <a:extLst>
+              <a:ext uri="{FF2B5EF4-FFF2-40B4-BE49-F238E27FC236}">
+                <a16:creationId xmlns:a16="http://schemas.microsoft.com/office/drawing/2014/main" id="{B36E367F-71CF-416B-B5B1-685DE4362314}"/>
+              </a:ext>
+            </a:extLst>
+          </p:cNvPr>
           <p:cNvSpPr txBox="1"/>
           <p:nvPr/>
         </p:nvSpPr>
         <p:spPr>
           <a:xfrm>
-            <a:off x="0" y="238945"/>
+            <a:off x="0" y="332656"/>
             <a:ext cx="12192000" cy="646331"/>
           </a:xfrm>
           <a:prstGeom prst="rect">
@@ -7189,106 +7274,27 @@
           <a:p>
             <a:pPr algn="ctr"/>
             <a:r>
-              <a:rPr lang="ru-RU" sz="3600" b="1" dirty="0" err="1" smtClean="0"/>
+              <a:rPr lang="ru-RU" sz="3600" b="1" dirty="0" err="1"/>
               <a:t>Псевдоклассы</a:t>
             </a:r>
             <a:r>
-              <a:rPr lang="ru-RU" sz="3600" b="1" dirty="0" smtClean="0"/>
+              <a:rPr lang="ru-RU" sz="3600" b="1" dirty="0"/>
               <a:t> и состояние элемента</a:t>
             </a:r>
             <a:endParaRPr lang="en-US" sz="3600" b="1" dirty="0"/>
-          </a:p>
-        </p:txBody>
-      </p:sp>
-      <p:sp>
-        <p:nvSpPr>
-          <p:cNvPr id="12" name="TextBox 11"/>
-          <p:cNvSpPr txBox="1"/>
-          <p:nvPr/>
-        </p:nvSpPr>
-        <p:spPr>
-          <a:xfrm>
-            <a:off x="551384" y="4779729"/>
-            <a:ext cx="5184576" cy="707886"/>
-          </a:xfrm>
-          <a:prstGeom prst="rect">
-            <a:avLst/>
-          </a:prstGeom>
-          <a:noFill/>
-        </p:spPr>
-        <p:txBody>
-          <a:bodyPr wrap="square" rtlCol="0">
-            <a:spAutoFit/>
-          </a:bodyPr>
-          <a:lstStyle/>
-          <a:p>
-            <a:r>
-              <a:rPr lang="ru-RU" sz="2000" b="1" dirty="0" smtClean="0"/>
-              <a:t>Откройте проект из каталога (из архива): </a:t>
-            </a:r>
-            <a:r>
-              <a:rPr lang="ru-RU" sz="2000" b="1" dirty="0" smtClean="0">
-                <a:solidFill>
-                  <a:schemeClr val="accent6">
-                    <a:lumMod val="75000"/>
-                  </a:schemeClr>
-                </a:solidFill>
-              </a:rPr>
-              <a:t>./</a:t>
-            </a:r>
-            <a:r>
-              <a:rPr lang="en-US" sz="2000" b="1" dirty="0" err="1" smtClean="0">
-                <a:solidFill>
-                  <a:schemeClr val="accent6">
-                    <a:lumMod val="75000"/>
-                  </a:schemeClr>
-                </a:solidFill>
-              </a:rPr>
-              <a:t>css</a:t>
-            </a:r>
-            <a:r>
-              <a:rPr lang="en-US" sz="2000" b="1" dirty="0" smtClean="0">
-                <a:solidFill>
-                  <a:schemeClr val="accent6">
-                    <a:lumMod val="75000"/>
-                  </a:schemeClr>
-                </a:solidFill>
-              </a:rPr>
-              <a:t>-transition-master/</a:t>
-            </a:r>
-            <a:r>
-              <a:rPr lang="en-US" sz="2000" b="1" dirty="0" smtClean="0">
-                <a:solidFill>
-                  <a:srgbClr val="00B050"/>
-                </a:solidFill>
-              </a:rPr>
-              <a:t>transition-template-1</a:t>
-            </a:r>
-            <a:endParaRPr lang="ru-RU" sz="2000" b="1" dirty="0">
-              <a:solidFill>
-                <a:srgbClr val="00B050"/>
-              </a:solidFill>
-            </a:endParaRPr>
           </a:p>
         </p:txBody>
       </p:sp>
     </p:spTree>
     <p:extLst>
       <p:ext uri="{BB962C8B-B14F-4D97-AF65-F5344CB8AC3E}">
-        <p14:creationId xmlns:p14="http://schemas.microsoft.com/office/powerpoint/2010/main" val="2282934457"/>
+        <p14:creationId xmlns:p14="http://schemas.microsoft.com/office/powerpoint/2010/main" val="3453687622"/>
       </p:ext>
     </p:extLst>
   </p:cSld>
   <p:clrMapOvr>
     <a:masterClrMapping/>
   </p:clrMapOvr>
-  <p:timing>
-    <p:tnLst>
-      <p:par>
-        <p:cTn id="1" dur="indefinite" restart="never" nodeType="tmRoot"/>
-      </p:par>
-    </p:tnLst>
-  </p:timing>
 </p:sld>
 </file>
 
@@ -7311,7 +7317,7 @@
       </p:grpSpPr>
       <p:sp>
         <p:nvSpPr>
-          <p:cNvPr id="4" name="Номер слайда 36"/>
+          <p:cNvPr id="8" name="Номер слайда 36"/>
           <p:cNvSpPr txBox="1">
             <a:spLocks/>
           </p:cNvSpPr>
@@ -7319,7 +7325,7 @@
         </p:nvSpPr>
         <p:spPr>
           <a:xfrm>
-            <a:off x="11352584" y="6194922"/>
+            <a:off x="11136560" y="6165304"/>
             <a:ext cx="648072" cy="432048"/>
           </a:xfrm>
           <a:prstGeom prst="roundRect">
@@ -7387,8 +7393,8 @@
         </p:nvSpPr>
         <p:spPr>
           <a:xfrm>
-            <a:off x="7530135" y="4390674"/>
-            <a:ext cx="3827458" cy="461665"/>
+            <a:off x="7326543" y="5487615"/>
+            <a:ext cx="3810017" cy="461665"/>
           </a:xfrm>
           <a:prstGeom prst="rect">
             <a:avLst/>
@@ -7404,13 +7410,7 @@
               <a:rPr lang="en-US" sz="2400" b="1" dirty="0">
                 <a:hlinkClick r:id="rId2"/>
               </a:rPr>
-              <a:t>https://</a:t>
-            </a:r>
-            <a:r>
-              <a:rPr lang="en-US" sz="2400" b="1" dirty="0" smtClean="0">
-                <a:hlinkClick r:id="rId2"/>
-              </a:rPr>
-              <a:t>webref.ru/css/active</a:t>
+              <a:t>https://webref.ru/css/hover</a:t>
             </a:r>
             <a:endParaRPr lang="ru-RU" sz="2400" b="1" dirty="0"/>
           </a:p>
@@ -7424,8 +7424,8 @@
         </p:nvSpPr>
         <p:spPr>
           <a:xfrm>
-            <a:off x="7530135" y="2136339"/>
-            <a:ext cx="4176464" cy="1938992"/>
+            <a:off x="7320136" y="1268760"/>
+            <a:ext cx="3556379" cy="4093428"/>
           </a:xfrm>
           <a:prstGeom prst="rect">
             <a:avLst/>
@@ -7439,35 +7439,97 @@
           <a:lstStyle/>
           <a:p>
             <a:r>
-              <a:rPr lang="ru-RU" sz="2400" dirty="0"/>
-              <a:t>Также будет полезен </a:t>
-            </a:r>
-            <a:r>
-              <a:rPr lang="ru-RU" sz="2400" dirty="0" err="1" smtClean="0"/>
+              <a:rPr lang="ru-RU" sz="2000" b="1" dirty="0" err="1"/>
+              <a:t>Псевдоклассы</a:t>
+            </a:r>
+            <a:r>
+              <a:rPr lang="ru-RU" sz="2000" dirty="0"/>
+              <a:t> определяют стили элемента для тех случаев когда состояние элемента меняется в зависимости от действий пользователя. Например </a:t>
+            </a:r>
+            <a:r>
+              <a:rPr lang="ru-RU" sz="2000" dirty="0" err="1"/>
               <a:t>псевдокласс</a:t>
             </a:r>
             <a:r>
-              <a:rPr lang="ru-RU" sz="2400" dirty="0" smtClean="0"/>
+              <a:rPr lang="ru-RU" sz="2000" dirty="0"/>
               <a:t> </a:t>
             </a:r>
             <a:r>
-              <a:rPr lang="en-US" sz="2400" b="1" dirty="0"/>
-              <a:t>:active </a:t>
-            </a:r>
-            <a:r>
-              <a:rPr lang="en-US" sz="2400" dirty="0"/>
-              <a:t>– </a:t>
-            </a:r>
-            <a:r>
-              <a:rPr lang="ru-RU" sz="2400" dirty="0"/>
-              <a:t>задающий стили для элемента на который осуществляется нажатие.</a:t>
-            </a:r>
+              <a:rPr lang="en-US" sz="2000" b="1" dirty="0"/>
+              <a:t>:hover</a:t>
+            </a:r>
+            <a:r>
+              <a:rPr lang="ru-RU" sz="2000" dirty="0"/>
+              <a:t>,</a:t>
+            </a:r>
+            <a:r>
+              <a:rPr lang="ru-RU" sz="2000" b="1" dirty="0"/>
+              <a:t> </a:t>
+            </a:r>
+            <a:r>
+              <a:rPr lang="ru-RU" sz="2000" dirty="0"/>
+              <a:t> который будучи расположен в селектору,</a:t>
+            </a:r>
+            <a:r>
+              <a:rPr lang="en-US" sz="2000" b="1" dirty="0"/>
+              <a:t> </a:t>
+            </a:r>
+            <a:r>
+              <a:rPr lang="ru-RU" sz="2000" dirty="0"/>
+              <a:t>позволяет задать стили который будут применяться только когда на элемент наведён курсор мыши.</a:t>
+            </a:r>
+            <a:r>
+              <a:rPr lang="en-US" sz="2000" dirty="0"/>
+              <a:t> </a:t>
+            </a:r>
+            <a:endParaRPr lang="ru-RU" sz="2000" dirty="0"/>
+          </a:p>
+        </p:txBody>
+      </p:sp>
+      <p:sp>
+        <p:nvSpPr>
+          <p:cNvPr id="9" name="TextBox 8"/>
+          <p:cNvSpPr txBox="1"/>
+          <p:nvPr/>
+        </p:nvSpPr>
+        <p:spPr>
+          <a:xfrm>
+            <a:off x="0" y="332656"/>
+            <a:ext cx="12192000" cy="646331"/>
+          </a:xfrm>
+          <a:prstGeom prst="rect">
+            <a:avLst/>
+          </a:prstGeom>
+          <a:noFill/>
+        </p:spPr>
+        <p:txBody>
+          <a:bodyPr wrap="square" rtlCol="0">
+            <a:spAutoFit/>
+          </a:bodyPr>
+          <a:lstStyle/>
+          <a:p>
+            <a:pPr algn="ctr"/>
+            <a:r>
+              <a:rPr lang="ru-RU" sz="3600" b="1" dirty="0" err="1"/>
+              <a:t>Псевдоклассы</a:t>
+            </a:r>
+            <a:r>
+              <a:rPr lang="ru-RU" sz="3600" b="1" dirty="0"/>
+              <a:t> и состояние элемента</a:t>
+            </a:r>
+            <a:endParaRPr lang="en-US" sz="3600" b="1" dirty="0"/>
           </a:p>
         </p:txBody>
       </p:sp>
       <p:pic>
         <p:nvPicPr>
-          <p:cNvPr id="2" name="Рисунок 1"/>
+          <p:cNvPr id="3" name="Рисунок 2">
+            <a:extLst>
+              <a:ext uri="{FF2B5EF4-FFF2-40B4-BE49-F238E27FC236}">
+                <a16:creationId xmlns:a16="http://schemas.microsoft.com/office/drawing/2014/main" id="{7316BDD8-A581-4560-826E-C4E9617D7FC4}"/>
+              </a:ext>
+            </a:extLst>
+          </p:cNvPr>
           <p:cNvPicPr>
             <a:picLocks noChangeAspect="1"/>
           </p:cNvPicPr>
@@ -7481,18 +7543,14 @@
         </p:blipFill>
         <p:spPr>
           <a:xfrm>
-            <a:off x="479376" y="2136339"/>
-            <a:ext cx="6480720" cy="2628126"/>
+            <a:off x="551384" y="1470297"/>
+            <a:ext cx="6496050" cy="4248150"/>
           </a:xfrm>
           <a:prstGeom prst="rect">
             <a:avLst/>
           </a:prstGeom>
           <a:ln>
-            <a:solidFill>
-              <a:schemeClr val="bg1">
-                <a:lumMod val="85000"/>
-              </a:schemeClr>
-            </a:solidFill>
+            <a:noFill/>
           </a:ln>
           <a:effectLst>
             <a:outerShdw blurRad="292100" dist="139700" dir="2700000" algn="tl" rotWithShape="0">
@@ -7503,58 +7561,16 @@
           </a:effectLst>
         </p:spPr>
       </p:pic>
-      <p:sp>
-        <p:nvSpPr>
-          <p:cNvPr id="9" name="TextBox 8"/>
-          <p:cNvSpPr txBox="1"/>
-          <p:nvPr/>
-        </p:nvSpPr>
-        <p:spPr>
-          <a:xfrm>
-            <a:off x="0" y="548680"/>
-            <a:ext cx="12192000" cy="646331"/>
-          </a:xfrm>
-          <a:prstGeom prst="rect">
-            <a:avLst/>
-          </a:prstGeom>
-          <a:noFill/>
-        </p:spPr>
-        <p:txBody>
-          <a:bodyPr wrap="square" rtlCol="0">
-            <a:spAutoFit/>
-          </a:bodyPr>
-          <a:lstStyle/>
-          <a:p>
-            <a:pPr algn="ctr"/>
-            <a:r>
-              <a:rPr lang="ru-RU" sz="3600" b="1" dirty="0" err="1" smtClean="0"/>
-              <a:t>Псевдоклассы</a:t>
-            </a:r>
-            <a:r>
-              <a:rPr lang="ru-RU" sz="3600" b="1" dirty="0" smtClean="0"/>
-              <a:t> и состояние элемента</a:t>
-            </a:r>
-            <a:endParaRPr lang="en-US" sz="3600" b="1" dirty="0"/>
-          </a:p>
-        </p:txBody>
-      </p:sp>
     </p:spTree>
     <p:extLst>
       <p:ext uri="{BB962C8B-B14F-4D97-AF65-F5344CB8AC3E}">
-        <p14:creationId xmlns:p14="http://schemas.microsoft.com/office/powerpoint/2010/main" val="1023181945"/>
+        <p14:creationId xmlns:p14="http://schemas.microsoft.com/office/powerpoint/2010/main" val="2282934457"/>
       </p:ext>
     </p:extLst>
   </p:cSld>
   <p:clrMapOvr>
     <a:masterClrMapping/>
   </p:clrMapOvr>
-  <p:timing>
-    <p:tnLst>
-      <p:par>
-        <p:cTn id="1" dur="indefinite" restart="never" nodeType="tmRoot"/>
-      </p:par>
-    </p:tnLst>
-  </p:timing>
 </p:sld>
 </file>
 
@@ -7577,74 +7593,245 @@
       </p:grpSpPr>
       <p:sp>
         <p:nvSpPr>
-          <p:cNvPr id="5" name="Прямоугольник 4"/>
-          <p:cNvSpPr/>
+          <p:cNvPr id="4" name="Номер слайда 36"/>
+          <p:cNvSpPr txBox="1">
+            <a:spLocks/>
+          </p:cNvSpPr>
           <p:nvPr/>
         </p:nvSpPr>
         <p:spPr>
           <a:xfrm>
-            <a:off x="0" y="0"/>
-            <a:ext cx="12192000" cy="6858000"/>
-          </a:xfrm>
-          <a:prstGeom prst="rect">
-            <a:avLst/>
-          </a:prstGeom>
-          <a:solidFill>
-            <a:schemeClr val="tx2">
-              <a:lumMod val="75000"/>
-            </a:schemeClr>
-          </a:solidFill>
+            <a:off x="11352584" y="6194922"/>
+            <a:ext cx="648072" cy="432048"/>
+          </a:xfrm>
+          <a:prstGeom prst="roundRect">
+            <a:avLst/>
+          </a:prstGeom>
+          <a:ln w="25400" cap="flat" cmpd="sng" algn="ctr">
+            <a:solidFill>
+              <a:schemeClr val="tx2">
+                <a:lumMod val="60000"/>
+                <a:lumOff val="40000"/>
+              </a:schemeClr>
+            </a:solidFill>
+            <a:prstDash val="solid"/>
+          </a:ln>
         </p:spPr>
         <p:style>
           <a:lnRef idx="2">
-            <a:schemeClr val="accent1">
-              <a:shade val="50000"/>
-            </a:schemeClr>
+            <a:schemeClr val="accent1"/>
           </a:lnRef>
           <a:fillRef idx="1">
-            <a:schemeClr val="accent1"/>
+            <a:schemeClr val="lt1"/>
           </a:fillRef>
           <a:effectRef idx="0">
             <a:schemeClr val="accent1"/>
           </a:effectRef>
           <a:fontRef idx="minor">
-            <a:schemeClr val="lt1"/>
+            <a:schemeClr val="dk1"/>
           </a:fontRef>
         </p:style>
         <p:txBody>
-          <a:bodyPr rtlCol="0" anchor="ctr"/>
+          <a:bodyPr vert="horz" lIns="91440" tIns="45720" rIns="91440" bIns="45720" rtlCol="0" anchor="ctr"/>
+          <a:lstStyle/>
+          <a:p>
+            <a:pPr algn="ctr">
+              <a:defRPr/>
+            </a:pPr>
+            <a:fld id="{6389AA22-90B4-448C-8B6B-C699140D38B9}" type="slidenum">
+              <a:rPr lang="uk-UA" sz="2400" b="1">
+                <a:solidFill>
+                  <a:schemeClr val="bg1">
+                    <a:lumMod val="50000"/>
+                  </a:schemeClr>
+                </a:solidFill>
+              </a:rPr>
+              <a:pPr algn="ctr">
+                <a:defRPr/>
+              </a:pPr>
+              <a:t>6</a:t>
+            </a:fld>
+            <a:endParaRPr lang="uk-UA" sz="2400" b="1" dirty="0">
+              <a:solidFill>
+                <a:schemeClr val="bg1">
+                  <a:lumMod val="50000"/>
+                </a:schemeClr>
+              </a:solidFill>
+            </a:endParaRPr>
+          </a:p>
+        </p:txBody>
+      </p:sp>
+      <p:sp>
+        <p:nvSpPr>
+          <p:cNvPr id="7" name="Прямоугольник 6"/>
+          <p:cNvSpPr/>
+          <p:nvPr/>
+        </p:nvSpPr>
+        <p:spPr>
+          <a:xfrm>
+            <a:off x="7530135" y="4551511"/>
+            <a:ext cx="3827458" cy="461665"/>
+          </a:xfrm>
+          <a:prstGeom prst="rect">
+            <a:avLst/>
+          </a:prstGeom>
+        </p:spPr>
+        <p:txBody>
+          <a:bodyPr wrap="none">
+            <a:spAutoFit/>
+          </a:bodyPr>
+          <a:lstStyle/>
+          <a:p>
+            <a:r>
+              <a:rPr lang="en-US" sz="2400" b="1" dirty="0">
+                <a:hlinkClick r:id="rId2"/>
+              </a:rPr>
+              <a:t>https://webref.ru/css/active</a:t>
+            </a:r>
+            <a:endParaRPr lang="ru-RU" sz="2400" b="1" dirty="0"/>
+          </a:p>
+        </p:txBody>
+      </p:sp>
+      <p:sp>
+        <p:nvSpPr>
+          <p:cNvPr id="10" name="TextBox 9"/>
+          <p:cNvSpPr txBox="1"/>
+          <p:nvPr/>
+        </p:nvSpPr>
+        <p:spPr>
+          <a:xfrm>
+            <a:off x="7530135" y="2297176"/>
+            <a:ext cx="4176464" cy="1938992"/>
+          </a:xfrm>
+          <a:prstGeom prst="rect">
+            <a:avLst/>
+          </a:prstGeom>
+          <a:noFill/>
+        </p:spPr>
+        <p:txBody>
+          <a:bodyPr wrap="square" rtlCol="0">
+            <a:spAutoFit/>
+          </a:bodyPr>
+          <a:lstStyle/>
+          <a:p>
+            <a:r>
+              <a:rPr lang="ru-RU" sz="2400" dirty="0"/>
+              <a:t>Также будет полезен </a:t>
+            </a:r>
+            <a:r>
+              <a:rPr lang="ru-RU" sz="2400" dirty="0" err="1"/>
+              <a:t>псевдокласс</a:t>
+            </a:r>
+            <a:r>
+              <a:rPr lang="ru-RU" sz="2400" dirty="0"/>
+              <a:t> </a:t>
+            </a:r>
+            <a:r>
+              <a:rPr lang="en-US" sz="2400" b="1" dirty="0"/>
+              <a:t>:active </a:t>
+            </a:r>
+            <a:r>
+              <a:rPr lang="en-US" sz="2400" dirty="0"/>
+              <a:t>– </a:t>
+            </a:r>
+            <a:r>
+              <a:rPr lang="ru-RU" sz="2400" dirty="0"/>
+              <a:t>задающий стили для элемента на который осуществляется нажатие.</a:t>
+            </a:r>
+          </a:p>
+        </p:txBody>
+      </p:sp>
+      <p:pic>
+        <p:nvPicPr>
+          <p:cNvPr id="11" name="Рисунок 10">
+            <a:extLst>
+              <a:ext uri="{FF2B5EF4-FFF2-40B4-BE49-F238E27FC236}">
+                <a16:creationId xmlns:a16="http://schemas.microsoft.com/office/drawing/2014/main" id="{EDF0EF65-3741-44C7-9CA9-1506BCF5B233}"/>
+              </a:ext>
+            </a:extLst>
+          </p:cNvPr>
+          <p:cNvPicPr>
+            <a:picLocks noChangeAspect="1"/>
+          </p:cNvPicPr>
+          <p:nvPr/>
+        </p:nvPicPr>
+        <p:blipFill>
+          <a:blip r:embed="rId3"/>
+          <a:stretch>
+            <a:fillRect/>
+          </a:stretch>
+        </p:blipFill>
+        <p:spPr>
+          <a:xfrm>
+            <a:off x="551384" y="1470297"/>
+            <a:ext cx="6496050" cy="4248150"/>
+          </a:xfrm>
+          <a:prstGeom prst="rect">
+            <a:avLst/>
+          </a:prstGeom>
+          <a:ln>
+            <a:noFill/>
+          </a:ln>
+          <a:effectLst>
+            <a:outerShdw blurRad="292100" dist="139700" dir="2700000" algn="tl" rotWithShape="0">
+              <a:srgbClr val="333333">
+                <a:alpha val="65000"/>
+              </a:srgbClr>
+            </a:outerShdw>
+          </a:effectLst>
+        </p:spPr>
+      </p:pic>
+      <p:sp>
+        <p:nvSpPr>
+          <p:cNvPr id="12" name="TextBox 11">
+            <a:extLst>
+              <a:ext uri="{FF2B5EF4-FFF2-40B4-BE49-F238E27FC236}">
+                <a16:creationId xmlns:a16="http://schemas.microsoft.com/office/drawing/2014/main" id="{912BF5F5-62AA-44FF-9010-450647794B7C}"/>
+              </a:ext>
+            </a:extLst>
+          </p:cNvPr>
+          <p:cNvSpPr txBox="1"/>
+          <p:nvPr/>
+        </p:nvSpPr>
+        <p:spPr>
+          <a:xfrm>
+            <a:off x="0" y="332656"/>
+            <a:ext cx="12192000" cy="646331"/>
+          </a:xfrm>
+          <a:prstGeom prst="rect">
+            <a:avLst/>
+          </a:prstGeom>
+          <a:noFill/>
+        </p:spPr>
+        <p:txBody>
+          <a:bodyPr wrap="square" rtlCol="0">
+            <a:spAutoFit/>
+          </a:bodyPr>
           <a:lstStyle/>
           <a:p>
             <a:pPr algn="ctr"/>
             <a:r>
-              <a:rPr lang="ru-RU" sz="6000" b="1" dirty="0" smtClean="0"/>
-              <a:t>2. Анимация средствами </a:t>
-            </a:r>
-            <a:r>
-              <a:rPr lang="en-US" sz="6000" b="1" dirty="0"/>
-              <a:t>CSS</a:t>
-            </a:r>
-            <a:endParaRPr lang="uk-UA" sz="6000" b="1" dirty="0"/>
+              <a:rPr lang="ru-RU" sz="3600" b="1" dirty="0" err="1"/>
+              <a:t>Псевдоклассы</a:t>
+            </a:r>
+            <a:r>
+              <a:rPr lang="ru-RU" sz="3600" b="1" dirty="0"/>
+              <a:t> и состояние элемента</a:t>
+            </a:r>
+            <a:endParaRPr lang="en-US" sz="3600" b="1" dirty="0"/>
           </a:p>
         </p:txBody>
       </p:sp>
     </p:spTree>
     <p:extLst>
       <p:ext uri="{BB962C8B-B14F-4D97-AF65-F5344CB8AC3E}">
-        <p14:creationId xmlns:p14="http://schemas.microsoft.com/office/powerpoint/2010/main" val="1739932376"/>
+        <p14:creationId xmlns:p14="http://schemas.microsoft.com/office/powerpoint/2010/main" val="1023181945"/>
       </p:ext>
     </p:extLst>
   </p:cSld>
   <p:clrMapOvr>
     <a:masterClrMapping/>
   </p:clrMapOvr>
-  <p:timing>
-    <p:tnLst>
-      <p:par>
-        <p:cTn id="1" dur="indefinite" restart="never" nodeType="tmRoot"/>
-      </p:par>
-    </p:tnLst>
-  </p:timing>
 </p:sld>
 </file>
 
@@ -7667,293 +7854,67 @@
       </p:grpSpPr>
       <p:sp>
         <p:nvSpPr>
-          <p:cNvPr id="20" name="Номер слайда 36"/>
-          <p:cNvSpPr txBox="1">
-            <a:spLocks/>
-          </p:cNvSpPr>
+          <p:cNvPr id="5" name="Прямоугольник 4"/>
+          <p:cNvSpPr/>
           <p:nvPr/>
         </p:nvSpPr>
         <p:spPr>
           <a:xfrm>
-            <a:off x="11280576" y="6165304"/>
-            <a:ext cx="648072" cy="432048"/>
-          </a:xfrm>
-          <a:prstGeom prst="roundRect">
-            <a:avLst/>
-          </a:prstGeom>
-          <a:ln w="25400" cap="flat" cmpd="sng" algn="ctr">
-            <a:solidFill>
-              <a:schemeClr val="tx2">
-                <a:lumMod val="60000"/>
-                <a:lumOff val="40000"/>
-              </a:schemeClr>
-            </a:solidFill>
-            <a:prstDash val="solid"/>
-          </a:ln>
+            <a:off x="0" y="0"/>
+            <a:ext cx="12192000" cy="6858000"/>
+          </a:xfrm>
+          <a:prstGeom prst="rect">
+            <a:avLst/>
+          </a:prstGeom>
+          <a:solidFill>
+            <a:schemeClr val="tx2">
+              <a:lumMod val="75000"/>
+            </a:schemeClr>
+          </a:solidFill>
         </p:spPr>
         <p:style>
           <a:lnRef idx="2">
-            <a:schemeClr val="accent1"/>
+            <a:schemeClr val="accent1">
+              <a:shade val="50000"/>
+            </a:schemeClr>
           </a:lnRef>
           <a:fillRef idx="1">
-            <a:schemeClr val="lt1"/>
-          </a:fillRef>
-          <a:effectRef idx="0">
-            <a:schemeClr val="accent1"/>
-          </a:effectRef>
-          <a:fontRef idx="minor">
-            <a:schemeClr val="dk1"/>
-          </a:fontRef>
-        </p:style>
-        <p:txBody>
-          <a:bodyPr vert="horz" lIns="91440" tIns="45720" rIns="91440" bIns="45720" rtlCol="0" anchor="ctr"/>
-          <a:lstStyle/>
-          <a:p>
-            <a:pPr algn="ctr">
-              <a:defRPr/>
-            </a:pPr>
-            <a:fld id="{6389AA22-90B4-448C-8B6B-C699140D38B9}" type="slidenum">
-              <a:rPr lang="uk-UA" sz="2400" b="1">
-                <a:solidFill>
-                  <a:schemeClr val="bg1">
-                    <a:lumMod val="50000"/>
-                  </a:schemeClr>
-                </a:solidFill>
-              </a:rPr>
-              <a:pPr algn="ctr">
-                <a:defRPr/>
-              </a:pPr>
-              <a:t>7</a:t>
-            </a:fld>
-            <a:endParaRPr lang="uk-UA" sz="2400" b="1" dirty="0">
-              <a:solidFill>
-                <a:schemeClr val="bg1">
-                  <a:lumMod val="50000"/>
-                </a:schemeClr>
-              </a:solidFill>
-            </a:endParaRPr>
-          </a:p>
-        </p:txBody>
-      </p:sp>
-      <p:sp>
-        <p:nvSpPr>
-          <p:cNvPr id="10" name="TextBox 9"/>
-          <p:cNvSpPr txBox="1"/>
-          <p:nvPr/>
-        </p:nvSpPr>
-        <p:spPr>
-          <a:xfrm>
-            <a:off x="5879976" y="1484784"/>
-            <a:ext cx="6192688" cy="2554545"/>
-          </a:xfrm>
-          <a:prstGeom prst="rect">
-            <a:avLst/>
-          </a:prstGeom>
-          <a:noFill/>
-        </p:spPr>
-        <p:txBody>
-          <a:bodyPr wrap="square" rtlCol="0">
-            <a:spAutoFit/>
-          </a:bodyPr>
-          <a:lstStyle/>
-          <a:p>
-            <a:r>
-              <a:rPr lang="ru-RU" sz="4000" dirty="0" smtClean="0"/>
-              <a:t>Анимация на веб-странице это изменение во времени того или иного стилевого</a:t>
-            </a:r>
-            <a:r>
-              <a:rPr lang="en-US" sz="4000" dirty="0" smtClean="0"/>
-              <a:t> </a:t>
-            </a:r>
-            <a:r>
-              <a:rPr lang="ru-RU" sz="4000" dirty="0" smtClean="0"/>
-              <a:t>свойства элемента.</a:t>
-            </a:r>
-            <a:endParaRPr lang="ru-RU" sz="4000" dirty="0"/>
-          </a:p>
-        </p:txBody>
-      </p:sp>
-      <p:sp>
-        <p:nvSpPr>
-          <p:cNvPr id="5" name="TextBox 4"/>
-          <p:cNvSpPr txBox="1"/>
-          <p:nvPr/>
-        </p:nvSpPr>
-        <p:spPr>
-          <a:xfrm>
-            <a:off x="5907950" y="4221088"/>
-            <a:ext cx="4824536" cy="1815882"/>
-          </a:xfrm>
-          <a:prstGeom prst="rect">
-            <a:avLst/>
-          </a:prstGeom>
-          <a:noFill/>
-        </p:spPr>
-        <p:txBody>
-          <a:bodyPr wrap="square" rtlCol="0">
-            <a:spAutoFit/>
-          </a:bodyPr>
-          <a:lstStyle/>
-          <a:p>
-            <a:r>
-              <a:rPr lang="ru-RU" sz="2800" i="1" dirty="0"/>
-              <a:t>До появления </a:t>
-            </a:r>
-            <a:r>
-              <a:rPr lang="en-US" sz="2800" b="1" i="1" dirty="0"/>
-              <a:t>CSS 3 </a:t>
-            </a:r>
-            <a:r>
-              <a:rPr lang="ru-RU" sz="2800" i="1" dirty="0"/>
-              <a:t>анимация </a:t>
-            </a:r>
-            <a:r>
-              <a:rPr lang="ru-RU" sz="2800" i="1" dirty="0" smtClean="0"/>
-              <a:t>создавалась </a:t>
-            </a:r>
-            <a:r>
-              <a:rPr lang="ru-RU" sz="2800" i="1" dirty="0"/>
-              <a:t>исключительно средствами </a:t>
-            </a:r>
-            <a:r>
-              <a:rPr lang="en-US" sz="2800" b="1" i="1" dirty="0"/>
-              <a:t>JavaScript</a:t>
-            </a:r>
-            <a:r>
-              <a:rPr lang="ru-RU" sz="2800" i="1" dirty="0"/>
-              <a:t>, но ничто не стоит на месте.</a:t>
-            </a:r>
-          </a:p>
-        </p:txBody>
-      </p:sp>
-      <p:cxnSp>
-        <p:nvCxnSpPr>
-          <p:cNvPr id="3" name="Прямая соединительная линия 2"/>
-          <p:cNvCxnSpPr/>
-          <p:nvPr/>
-        </p:nvCxnSpPr>
-        <p:spPr>
-          <a:xfrm>
-            <a:off x="5735960" y="1484784"/>
-            <a:ext cx="0" cy="4768210"/>
-          </a:xfrm>
-          <a:prstGeom prst="line">
-            <a:avLst/>
-          </a:prstGeom>
-          <a:ln w="28575">
-            <a:solidFill>
-              <a:schemeClr val="bg1">
-                <a:lumMod val="65000"/>
-              </a:schemeClr>
-            </a:solidFill>
-          </a:ln>
-        </p:spPr>
-        <p:style>
-          <a:lnRef idx="1">
-            <a:schemeClr val="accent1"/>
-          </a:lnRef>
-          <a:fillRef idx="0">
             <a:schemeClr val="accent1"/>
           </a:fillRef>
           <a:effectRef idx="0">
             <a:schemeClr val="accent1"/>
           </a:effectRef>
           <a:fontRef idx="minor">
-            <a:schemeClr val="tx1"/>
+            <a:schemeClr val="lt1"/>
           </a:fontRef>
         </p:style>
-      </p:cxnSp>
-      <p:sp>
-        <p:nvSpPr>
-          <p:cNvPr id="6" name="TextBox 5"/>
-          <p:cNvSpPr txBox="1"/>
-          <p:nvPr/>
-        </p:nvSpPr>
-        <p:spPr>
-          <a:xfrm>
-            <a:off x="0" y="260648"/>
-            <a:ext cx="12192000" cy="769441"/>
-          </a:xfrm>
-          <a:prstGeom prst="rect">
-            <a:avLst/>
-          </a:prstGeom>
-          <a:noFill/>
-        </p:spPr>
-        <p:txBody>
-          <a:bodyPr wrap="square" rtlCol="0">
-            <a:spAutoFit/>
-          </a:bodyPr>
+        <p:txBody>
+          <a:bodyPr rtlCol="0" anchor="ctr"/>
           <a:lstStyle/>
           <a:p>
             <a:pPr algn="ctr"/>
             <a:r>
-              <a:rPr lang="en-US" sz="4400" b="1" dirty="0" smtClean="0"/>
-              <a:t>CSS  </a:t>
-            </a:r>
-            <a:r>
-              <a:rPr lang="ru-RU" sz="4400" b="1" dirty="0" smtClean="0"/>
-              <a:t>и анимация</a:t>
-            </a:r>
-            <a:endParaRPr lang="uk-UA" sz="4400" b="1" dirty="0"/>
-          </a:p>
-        </p:txBody>
-      </p:sp>
-      <p:pic>
-        <p:nvPicPr>
-          <p:cNvPr id="8" name="Picture 4" descr="CSS Transitions"/>
-          <p:cNvPicPr>
-            <a:picLocks noChangeAspect="1" noChangeArrowheads="1"/>
-          </p:cNvPicPr>
-          <p:nvPr/>
-        </p:nvPicPr>
-        <p:blipFill rotWithShape="1">
-          <a:blip r:embed="rId2">
-            <a:extLst>
-              <a:ext uri="{28A0092B-C50C-407E-A947-70E740481C1C}">
-                <a14:useLocalDpi xmlns:a14="http://schemas.microsoft.com/office/drawing/2010/main" val="0"/>
-              </a:ext>
-            </a:extLst>
-          </a:blip>
-          <a:srcRect t="6294" b="33305"/>
-          <a:stretch/>
-        </p:blipFill>
-        <p:spPr bwMode="auto">
-          <a:xfrm>
-            <a:off x="479376" y="2920510"/>
-            <a:ext cx="4896544" cy="1896758"/>
-          </a:xfrm>
-          <a:prstGeom prst="rect">
-            <a:avLst/>
-          </a:prstGeom>
-          <a:noFill/>
-          <a:extLst>
-            <a:ext uri="{909E8E84-426E-40DD-AFC4-6F175D3DCCD1}">
-              <a14:hiddenFill xmlns:a14="http://schemas.microsoft.com/office/drawing/2010/main">
-                <a:solidFill>
-                  <a:srgbClr val="FFFFFF"/>
-                </a:solidFill>
-              </a14:hiddenFill>
-            </a:ext>
-          </a:extLst>
-        </p:spPr>
-      </p:pic>
+              <a:rPr lang="ru-RU" sz="6000" b="1" dirty="0"/>
+              <a:t>2. Анимация средствами </a:t>
+            </a:r>
+            <a:r>
+              <a:rPr lang="en-US" sz="6000" b="1" dirty="0"/>
+              <a:t>CSS</a:t>
+            </a:r>
+            <a:endParaRPr lang="uk-UA" sz="6000" b="1" dirty="0"/>
+          </a:p>
+        </p:txBody>
+      </p:sp>
     </p:spTree>
     <p:extLst>
       <p:ext uri="{BB962C8B-B14F-4D97-AF65-F5344CB8AC3E}">
-        <p14:creationId xmlns:p14="http://schemas.microsoft.com/office/powerpoint/2010/main" val="570090362"/>
+        <p14:creationId xmlns:p14="http://schemas.microsoft.com/office/powerpoint/2010/main" val="1739932376"/>
       </p:ext>
     </p:extLst>
   </p:cSld>
   <p:clrMapOvr>
     <a:masterClrMapping/>
   </p:clrMapOvr>
-  <p:timing>
-    <p:tnLst>
-      <p:par>
-        <p:cTn id="1" dur="indefinite" restart="never" nodeType="tmRoot"/>
-      </p:par>
-    </p:tnLst>
-  </p:timing>
 </p:sld>
 </file>
 
@@ -7976,7 +7937,7 @@
       </p:grpSpPr>
       <p:sp>
         <p:nvSpPr>
-          <p:cNvPr id="8" name="Номер слайда 36"/>
+          <p:cNvPr id="20" name="Номер слайда 36"/>
           <p:cNvSpPr txBox="1">
             <a:spLocks/>
           </p:cNvSpPr>
@@ -7984,7 +7945,7 @@
         </p:nvSpPr>
         <p:spPr>
           <a:xfrm>
-            <a:off x="11286458" y="6235626"/>
+            <a:off x="11280576" y="6165304"/>
             <a:ext cx="648072" cy="432048"/>
           </a:xfrm>
           <a:prstGeom prst="roundRect">
@@ -8046,14 +8007,51 @@
       </p:sp>
       <p:sp>
         <p:nvSpPr>
+          <p:cNvPr id="10" name="TextBox 9"/>
+          <p:cNvSpPr txBox="1"/>
+          <p:nvPr/>
+        </p:nvSpPr>
+        <p:spPr>
+          <a:xfrm>
+            <a:off x="5879976" y="1484784"/>
+            <a:ext cx="6192688" cy="2554545"/>
+          </a:xfrm>
+          <a:prstGeom prst="rect">
+            <a:avLst/>
+          </a:prstGeom>
+          <a:noFill/>
+        </p:spPr>
+        <p:txBody>
+          <a:bodyPr wrap="square" rtlCol="0">
+            <a:spAutoFit/>
+          </a:bodyPr>
+          <a:lstStyle/>
+          <a:p>
+            <a:r>
+              <a:rPr lang="ru-RU" sz="4000" dirty="0"/>
+              <a:t>Анимация на веб-странице это изменение во времени того или иного стилевого</a:t>
+            </a:r>
+            <a:r>
+              <a:rPr lang="en-US" sz="4000" dirty="0"/>
+              <a:t> </a:t>
+            </a:r>
+            <a:r>
+              <a:rPr lang="ru-RU" sz="4000" dirty="0"/>
+              <a:t>свойства элемента.</a:t>
+            </a:r>
+          </a:p>
+        </p:txBody>
+      </p:sp>
+      <p:sp>
+        <p:nvSpPr>
           <p:cNvPr id="5" name="TextBox 4"/>
           <p:cNvSpPr txBox="1"/>
           <p:nvPr/>
         </p:nvSpPr>
         <p:spPr>
           <a:xfrm>
-            <a:off x="3431705" y="251938"/>
-            <a:ext cx="5689443" cy="584775"/>
+            <a:off x="5907950" y="4221088"/>
+            <a:ext cx="4824536" cy="1815882"/>
           </a:xfrm>
           <a:prstGeom prst="rect">
             <a:avLst/>
@@ -8061,24 +8059,71 @@
           <a:noFill/>
         </p:spPr>
         <p:txBody>
-          <a:bodyPr wrap="none" rtlCol="0">
+          <a:bodyPr wrap="square" rtlCol="0">
             <a:spAutoFit/>
           </a:bodyPr>
           <a:lstStyle/>
           <a:p>
-            <a:pPr algn="ctr"/>
-            <a:r>
-              <a:rPr lang="ru-RU" sz="3200" b="1" dirty="0"/>
-              <a:t>Два подхода к анимации в </a:t>
-            </a:r>
-            <a:r>
-              <a:rPr lang="en-US" sz="3200" b="1" dirty="0"/>
-              <a:t>CSS</a:t>
-            </a:r>
-            <a:endParaRPr lang="ru-RU" sz="3200" b="1" dirty="0"/>
-          </a:p>
-        </p:txBody>
-      </p:sp>
+            <a:r>
+              <a:rPr lang="ru-RU" sz="2800" i="1" dirty="0"/>
+              <a:t>До появления </a:t>
+            </a:r>
+            <a:r>
+              <a:rPr lang="en-US" sz="2800" b="1" i="1" dirty="0"/>
+              <a:t>CSS 3 </a:t>
+            </a:r>
+            <a:r>
+              <a:rPr lang="ru-RU" sz="2800" i="1" dirty="0"/>
+              <a:t>анимация создавалась исключительно средствами </a:t>
+            </a:r>
+            <a:r>
+              <a:rPr lang="en-US" sz="2800" b="1" i="1" dirty="0"/>
+              <a:t>JavaScript</a:t>
+            </a:r>
+            <a:r>
+              <a:rPr lang="ru-RU" sz="2800" i="1" dirty="0"/>
+              <a:t>, но ничто не стоит на месте.</a:t>
+            </a:r>
+          </a:p>
+        </p:txBody>
+      </p:sp>
+      <p:cxnSp>
+        <p:nvCxnSpPr>
+          <p:cNvPr id="3" name="Прямая соединительная линия 2"/>
+          <p:cNvCxnSpPr/>
+          <p:nvPr/>
+        </p:nvCxnSpPr>
+        <p:spPr>
+          <a:xfrm>
+            <a:off x="5735960" y="1484784"/>
+            <a:ext cx="0" cy="4768210"/>
+          </a:xfrm>
+          <a:prstGeom prst="line">
+            <a:avLst/>
+          </a:prstGeom>
+          <a:ln w="28575">
+            <a:solidFill>
+              <a:schemeClr val="bg1">
+                <a:lumMod val="65000"/>
+              </a:schemeClr>
+            </a:solidFill>
+          </a:ln>
+        </p:spPr>
+        <p:style>
+          <a:lnRef idx="1">
+            <a:schemeClr val="accent1"/>
+          </a:lnRef>
+          <a:fillRef idx="0">
+            <a:schemeClr val="accent1"/>
+          </a:fillRef>
+          <a:effectRef idx="0">
+            <a:schemeClr val="accent1"/>
+          </a:effectRef>
+          <a:fontRef idx="minor">
+            <a:schemeClr val="tx1"/>
+          </a:fontRef>
+        </p:style>
+      </p:cxnSp>
       <p:sp>
         <p:nvSpPr>
           <p:cNvPr id="6" name="TextBox 5"/>
@@ -8087,8 +8132,8 @@
         </p:nvSpPr>
         <p:spPr>
           <a:xfrm>
-            <a:off x="7248128" y="1520233"/>
-            <a:ext cx="4680520" cy="4031873"/>
+            <a:off x="0" y="260648"/>
+            <a:ext cx="12192000" cy="769441"/>
           </a:xfrm>
           <a:prstGeom prst="rect">
             <a:avLst/>
@@ -8101,23 +8146,222 @@
           </a:bodyPr>
           <a:lstStyle/>
           <a:p>
-            <a:r>
-              <a:rPr lang="ru-RU" sz="3200" b="1" dirty="0" smtClean="0">
+            <a:pPr algn="ctr"/>
+            <a:r>
+              <a:rPr lang="en-US" sz="4400" b="1" dirty="0"/>
+              <a:t>CSS  </a:t>
+            </a:r>
+            <a:r>
+              <a:rPr lang="ru-RU" sz="4400" b="1" dirty="0"/>
+              <a:t>и анимация</a:t>
+            </a:r>
+            <a:endParaRPr lang="uk-UA" sz="4400" b="1" dirty="0"/>
+          </a:p>
+        </p:txBody>
+      </p:sp>
+      <p:pic>
+        <p:nvPicPr>
+          <p:cNvPr id="8" name="Picture 4" descr="CSS Transitions"/>
+          <p:cNvPicPr>
+            <a:picLocks noChangeAspect="1" noChangeArrowheads="1"/>
+          </p:cNvPicPr>
+          <p:nvPr/>
+        </p:nvPicPr>
+        <p:blipFill rotWithShape="1">
+          <a:blip r:embed="rId2">
+            <a:extLst>
+              <a:ext uri="{28A0092B-C50C-407E-A947-70E740481C1C}">
+                <a14:useLocalDpi xmlns:a14="http://schemas.microsoft.com/office/drawing/2010/main" val="0"/>
+              </a:ext>
+            </a:extLst>
+          </a:blip>
+          <a:srcRect t="6294" b="33305"/>
+          <a:stretch/>
+        </p:blipFill>
+        <p:spPr bwMode="auto">
+          <a:xfrm>
+            <a:off x="479376" y="2920510"/>
+            <a:ext cx="4896544" cy="1896758"/>
+          </a:xfrm>
+          <a:prstGeom prst="rect">
+            <a:avLst/>
+          </a:prstGeom>
+          <a:noFill/>
+          <a:extLst>
+            <a:ext uri="{909E8E84-426E-40DD-AFC4-6F175D3DCCD1}">
+              <a14:hiddenFill xmlns:a14="http://schemas.microsoft.com/office/drawing/2010/main">
                 <a:solidFill>
-                  <a:srgbClr val="92D050"/>
+                  <a:srgbClr val="FFFFFF"/>
                 </a:solidFill>
-              </a:rPr>
-              <a:t>Анимация по сценарию </a:t>
-            </a:r>
-            <a:r>
-              <a:rPr lang="ru-RU" sz="3200" dirty="0" smtClean="0">
+              </a14:hiddenFill>
+            </a:ext>
+          </a:extLst>
+        </p:spPr>
+      </p:pic>
+    </p:spTree>
+    <p:extLst>
+      <p:ext uri="{BB962C8B-B14F-4D97-AF65-F5344CB8AC3E}">
+        <p14:creationId xmlns:p14="http://schemas.microsoft.com/office/powerpoint/2010/main" val="570090362"/>
+      </p:ext>
+    </p:extLst>
+  </p:cSld>
+  <p:clrMapOvr>
+    <a:masterClrMapping/>
+  </p:clrMapOvr>
+</p:sld>
+</file>
+
+<file path=ppt/slides/slide9.xml><?xml version="1.0" encoding="utf-8"?>
+<p:sld xmlns:a="http://schemas.openxmlformats.org/drawingml/2006/main" xmlns:r="http://schemas.openxmlformats.org/officeDocument/2006/relationships" xmlns:p="http://schemas.openxmlformats.org/presentationml/2006/main">
+  <p:cSld>
+    <p:spTree>
+      <p:nvGrpSpPr>
+        <p:cNvPr id="1" name=""/>
+        <p:cNvGrpSpPr/>
+        <p:nvPr/>
+      </p:nvGrpSpPr>
+      <p:grpSpPr>
+        <a:xfrm>
+          <a:off x="0" y="0"/>
+          <a:ext cx="0" cy="0"/>
+          <a:chOff x="0" y="0"/>
+          <a:chExt cx="0" cy="0"/>
+        </a:xfrm>
+      </p:grpSpPr>
+      <p:sp>
+        <p:nvSpPr>
+          <p:cNvPr id="8" name="Номер слайда 36"/>
+          <p:cNvSpPr txBox="1">
+            <a:spLocks/>
+          </p:cNvSpPr>
+          <p:nvPr/>
+        </p:nvSpPr>
+        <p:spPr>
+          <a:xfrm>
+            <a:off x="11286458" y="6235626"/>
+            <a:ext cx="648072" cy="432048"/>
+          </a:xfrm>
+          <a:prstGeom prst="roundRect">
+            <a:avLst/>
+          </a:prstGeom>
+          <a:ln w="25400" cap="flat" cmpd="sng" algn="ctr">
+            <a:solidFill>
+              <a:schemeClr val="tx2">
+                <a:lumMod val="60000"/>
+                <a:lumOff val="40000"/>
+              </a:schemeClr>
+            </a:solidFill>
+            <a:prstDash val="solid"/>
+          </a:ln>
+        </p:spPr>
+        <p:style>
+          <a:lnRef idx="2">
+            <a:schemeClr val="accent1"/>
+          </a:lnRef>
+          <a:fillRef idx="1">
+            <a:schemeClr val="lt1"/>
+          </a:fillRef>
+          <a:effectRef idx="0">
+            <a:schemeClr val="accent1"/>
+          </a:effectRef>
+          <a:fontRef idx="minor">
+            <a:schemeClr val="dk1"/>
+          </a:fontRef>
+        </p:style>
+        <p:txBody>
+          <a:bodyPr vert="horz" lIns="91440" tIns="45720" rIns="91440" bIns="45720" rtlCol="0" anchor="ctr"/>
+          <a:lstStyle/>
+          <a:p>
+            <a:pPr algn="ctr">
+              <a:defRPr/>
+            </a:pPr>
+            <a:fld id="{6389AA22-90B4-448C-8B6B-C699140D38B9}" type="slidenum">
+              <a:rPr lang="uk-UA" sz="2400" b="1">
                 <a:solidFill>
                   <a:schemeClr val="bg1">
                     <a:lumMod val="50000"/>
                   </a:schemeClr>
                 </a:solidFill>
               </a:rPr>
-              <a:t>заранее определенная последовательность действий, которые проигрываются во время выполнения анимации, базируется </a:t>
+              <a:pPr algn="ctr">
+                <a:defRPr/>
+              </a:pPr>
+              <a:t>9</a:t>
+            </a:fld>
+            <a:endParaRPr lang="uk-UA" sz="2400" b="1" dirty="0">
+              <a:solidFill>
+                <a:schemeClr val="bg1">
+                  <a:lumMod val="50000"/>
+                </a:schemeClr>
+              </a:solidFill>
+            </a:endParaRPr>
+          </a:p>
+        </p:txBody>
+      </p:sp>
+      <p:sp>
+        <p:nvSpPr>
+          <p:cNvPr id="5" name="TextBox 4"/>
+          <p:cNvSpPr txBox="1"/>
+          <p:nvPr/>
+        </p:nvSpPr>
+        <p:spPr>
+          <a:xfrm>
+            <a:off x="3431705" y="251938"/>
+            <a:ext cx="5689443" cy="584775"/>
+          </a:xfrm>
+          <a:prstGeom prst="rect">
+            <a:avLst/>
+          </a:prstGeom>
+          <a:noFill/>
+        </p:spPr>
+        <p:txBody>
+          <a:bodyPr wrap="none" rtlCol="0">
+            <a:spAutoFit/>
+          </a:bodyPr>
+          <a:lstStyle/>
+          <a:p>
+            <a:pPr algn="ctr"/>
+            <a:r>
+              <a:rPr lang="ru-RU" sz="3200" b="1" dirty="0"/>
+              <a:t>Два подхода к анимации в </a:t>
+            </a:r>
+            <a:r>
+              <a:rPr lang="en-US" sz="3200" b="1" dirty="0"/>
+              <a:t>CSS</a:t>
+            </a:r>
+            <a:endParaRPr lang="ru-RU" sz="3200" b="1" dirty="0"/>
+          </a:p>
+        </p:txBody>
+      </p:sp>
+      <p:sp>
+        <p:nvSpPr>
+          <p:cNvPr id="6" name="TextBox 5"/>
+          <p:cNvSpPr txBox="1"/>
+          <p:nvPr/>
+        </p:nvSpPr>
+        <p:spPr>
+          <a:xfrm>
+            <a:off x="7248128" y="1520233"/>
+            <a:ext cx="4680520" cy="4031873"/>
+          </a:xfrm>
+          <a:prstGeom prst="rect">
+            <a:avLst/>
+          </a:prstGeom>
+          <a:noFill/>
+        </p:spPr>
+        <p:txBody>
+          <a:bodyPr wrap="square" rtlCol="0">
+            <a:spAutoFit/>
+          </a:bodyPr>
+          <a:lstStyle/>
+          <a:p>
+            <a:r>
+              <a:rPr lang="ru-RU" sz="3200" b="1" dirty="0">
+                <a:solidFill>
+                  <a:srgbClr val="92D050"/>
+                </a:solidFill>
+              </a:rPr>
+              <a:t>Анимация по сценарию </a:t>
             </a:r>
             <a:r>
               <a:rPr lang="ru-RU" sz="3200" dirty="0">
@@ -8127,17 +8371,7 @@
                   </a:schemeClr>
                 </a:solidFill>
               </a:rPr>
-              <a:t>на </a:t>
-            </a:r>
-            <a:r>
-              <a:rPr lang="ru-RU" sz="3200" dirty="0" smtClean="0">
-                <a:solidFill>
-                  <a:schemeClr val="bg1">
-                    <a:lumMod val="50000"/>
-                  </a:schemeClr>
-                </a:solidFill>
-              </a:rPr>
-              <a:t>свойстве </a:t>
+              <a:t>заранее определенная последовательность действий, которые проигрываются во время выполнения анимации, базируется на свойстве </a:t>
             </a:r>
             <a:r>
               <a:rPr lang="en-US" sz="3200" b="1" dirty="0">
@@ -8194,7 +8428,7 @@
           <a:p>
             <a:pPr algn="r"/>
             <a:r>
-              <a:rPr lang="ru-RU" sz="3600" b="1" dirty="0" smtClean="0">
+              <a:rPr lang="ru-RU" sz="3600" b="1" dirty="0">
                 <a:solidFill>
                   <a:srgbClr val="00B050"/>
                 </a:solidFill>
@@ -8202,24 +8436,8 @@
               <a:t>Анимация переходов</a:t>
             </a:r>
             <a:r>
-              <a:rPr lang="ru-RU" sz="3600" dirty="0" smtClean="0"/>
-              <a:t> плавный </a:t>
-            </a:r>
-            <a:r>
               <a:rPr lang="ru-RU" sz="3600" dirty="0"/>
-              <a:t>переход между </a:t>
-            </a:r>
-            <a:r>
-              <a:rPr lang="ru-RU" sz="3600" dirty="0" smtClean="0"/>
-              <a:t>различными значениями стилевых свойств, </a:t>
-            </a:r>
-            <a:r>
-              <a:rPr lang="ru-RU" sz="3600" dirty="0"/>
-              <a:t>базируется на </a:t>
-            </a:r>
-            <a:r>
-              <a:rPr lang="ru-RU" sz="3600" dirty="0" smtClean="0"/>
-              <a:t>свойстве </a:t>
+              <a:t> плавный переход между различными значениями стилевых свойств, базируется на свойстве </a:t>
             </a:r>
             <a:r>
               <a:rPr lang="en-US" sz="3600" b="1" dirty="0">
@@ -8286,118 +8504,6 @@
   <p:clrMapOvr>
     <a:masterClrMapping/>
   </p:clrMapOvr>
-  <p:timing>
-    <p:tnLst>
-      <p:par>
-        <p:cTn id="1" dur="indefinite" restart="never" nodeType="tmRoot"/>
-      </p:par>
-    </p:tnLst>
-  </p:timing>
-</p:sld>
-</file>
-
-<file path=ppt/slides/slide9.xml><?xml version="1.0" encoding="utf-8"?>
-<p:sld xmlns:a="http://schemas.openxmlformats.org/drawingml/2006/main" xmlns:r="http://schemas.openxmlformats.org/officeDocument/2006/relationships" xmlns:p="http://schemas.openxmlformats.org/presentationml/2006/main">
-  <p:cSld>
-    <p:spTree>
-      <p:nvGrpSpPr>
-        <p:cNvPr id="1" name=""/>
-        <p:cNvGrpSpPr/>
-        <p:nvPr/>
-      </p:nvGrpSpPr>
-      <p:grpSpPr>
-        <a:xfrm>
-          <a:off x="0" y="0"/>
-          <a:ext cx="0" cy="0"/>
-          <a:chOff x="0" y="0"/>
-          <a:chExt cx="0" cy="0"/>
-        </a:xfrm>
-      </p:grpSpPr>
-      <p:sp>
-        <p:nvSpPr>
-          <p:cNvPr id="5" name="Прямоугольник 4"/>
-          <p:cNvSpPr/>
-          <p:nvPr/>
-        </p:nvSpPr>
-        <p:spPr>
-          <a:xfrm>
-            <a:off x="0" y="0"/>
-            <a:ext cx="12192000" cy="6858000"/>
-          </a:xfrm>
-          <a:prstGeom prst="rect">
-            <a:avLst/>
-          </a:prstGeom>
-          <a:solidFill>
-            <a:schemeClr val="tx2">
-              <a:lumMod val="75000"/>
-            </a:schemeClr>
-          </a:solidFill>
-        </p:spPr>
-        <p:style>
-          <a:lnRef idx="2">
-            <a:schemeClr val="accent1">
-              <a:shade val="50000"/>
-            </a:schemeClr>
-          </a:lnRef>
-          <a:fillRef idx="1">
-            <a:schemeClr val="accent1"/>
-          </a:fillRef>
-          <a:effectRef idx="0">
-            <a:schemeClr val="accent1"/>
-          </a:effectRef>
-          <a:fontRef idx="minor">
-            <a:schemeClr val="lt1"/>
-          </a:fontRef>
-        </p:style>
-        <p:txBody>
-          <a:bodyPr rtlCol="0" anchor="ctr"/>
-          <a:lstStyle/>
-          <a:p>
-            <a:pPr algn="ctr"/>
-            <a:r>
-              <a:rPr lang="ru-RU" sz="6000" b="1" dirty="0" smtClean="0"/>
-              <a:t>3. Анимация переходов</a:t>
-            </a:r>
-            <a:r>
-              <a:rPr lang="en-US" sz="6000" b="1" dirty="0" smtClean="0"/>
-              <a:t> </a:t>
-            </a:r>
-            <a:r>
-              <a:rPr lang="uk-UA" sz="6000" b="1" dirty="0" smtClean="0"/>
-              <a:t/>
-            </a:r>
-            <a:br>
-              <a:rPr lang="uk-UA" sz="6000" b="1" dirty="0" smtClean="0"/>
-            </a:br>
-            <a:r>
-              <a:rPr lang="uk-UA" sz="6000" b="1" dirty="0" smtClean="0"/>
-              <a:t>на </a:t>
-            </a:r>
-            <a:r>
-              <a:rPr lang="ru-RU" sz="6000" b="1" dirty="0" smtClean="0"/>
-              <a:t>практике</a:t>
-            </a:r>
-            <a:endParaRPr lang="ru-RU" sz="6000" b="1" dirty="0"/>
-          </a:p>
-        </p:txBody>
-      </p:sp>
-    </p:spTree>
-    <p:extLst>
-      <p:ext uri="{BB962C8B-B14F-4D97-AF65-F5344CB8AC3E}">
-        <p14:creationId xmlns:p14="http://schemas.microsoft.com/office/powerpoint/2010/main" val="1545669484"/>
-      </p:ext>
-    </p:extLst>
-  </p:cSld>
-  <p:clrMapOvr>
-    <a:masterClrMapping/>
-  </p:clrMapOvr>
-  <p:timing>
-    <p:tnLst>
-      <p:par>
-        <p:cTn id="1" dur="indefinite" restart="never" nodeType="tmRoot"/>
-      </p:par>
-    </p:tnLst>
-  </p:timing>
 </p:sld>
 </file>
 

--- a/lesson08.pptx
+++ b/lesson08.pptx
@@ -337,6 +337,30 @@
       </pc:sldChg>
     </pc:docChg>
   </pc:docChgLst>
+  <pc:docChgLst>
+    <pc:chgData name="Anatoliy Kigel" userId="7432c6c4687b0a9c" providerId="LiveId" clId="{F3885492-3E8D-48F0-BD28-11A8F6AC9C31}"/>
+    <pc:docChg chg="modSld">
+      <pc:chgData name="Anatoliy Kigel" userId="7432c6c4687b0a9c" providerId="LiveId" clId="{F3885492-3E8D-48F0-BD28-11A8F6AC9C31}" dt="2021-01-04T16:20:52.944" v="3" actId="20577"/>
+      <pc:docMkLst>
+        <pc:docMk/>
+      </pc:docMkLst>
+      <pc:sldChg chg="modSp mod">
+        <pc:chgData name="Anatoliy Kigel" userId="7432c6c4687b0a9c" providerId="LiveId" clId="{F3885492-3E8D-48F0-BD28-11A8F6AC9C31}" dt="2021-01-04T16:20:52.944" v="3" actId="20577"/>
+        <pc:sldMkLst>
+          <pc:docMk/>
+          <pc:sldMk cId="3085796894" sldId="372"/>
+        </pc:sldMkLst>
+        <pc:spChg chg="mod">
+          <ac:chgData name="Anatoliy Kigel" userId="7432c6c4687b0a9c" providerId="LiveId" clId="{F3885492-3E8D-48F0-BD28-11A8F6AC9C31}" dt="2021-01-04T16:20:52.944" v="3" actId="20577"/>
+          <ac:spMkLst>
+            <pc:docMk/>
+            <pc:sldMk cId="3085796894" sldId="372"/>
+            <ac:spMk id="5" creationId="{00000000-0000-0000-0000-000000000000}"/>
+          </ac:spMkLst>
+        </pc:spChg>
+      </pc:sldChg>
+    </pc:docChg>
+  </pc:docChgLst>
 </pc:chgInfo>
 </file>
 
@@ -423,7 +447,7 @@
             <a:fld id="{85522811-C5C6-42D2-A409-F8556720C93F}" type="datetimeFigureOut">
               <a:rPr lang="uk-UA" smtClean="0"/>
               <a:pPr/>
-              <a:t>03.01.2021</a:t>
+              <a:t>04.01.2021</a:t>
             </a:fld>
             <a:endParaRPr lang="uk-UA"/>
           </a:p>
@@ -968,7 +992,7 @@
             <a:fld id="{E6FC6B0D-6115-4D7C-8040-9C8E2349BB6E}" type="datetime1">
               <a:rPr lang="uk-UA" smtClean="0"/>
               <a:pPr/>
-              <a:t>03.01.2021</a:t>
+              <a:t>04.01.2021</a:t>
             </a:fld>
             <a:endParaRPr lang="uk-UA"/>
           </a:p>
@@ -1135,7 +1159,7 @@
             <a:fld id="{996367BA-0A39-4DE2-BFC3-D5290044365E}" type="datetime1">
               <a:rPr lang="uk-UA" smtClean="0"/>
               <a:pPr/>
-              <a:t>03.01.2021</a:t>
+              <a:t>04.01.2021</a:t>
             </a:fld>
             <a:endParaRPr lang="uk-UA"/>
           </a:p>
@@ -1312,7 +1336,7 @@
             <a:fld id="{1BD6A67F-6C29-47DC-AF8A-FDB3C787DF70}" type="datetime1">
               <a:rPr lang="uk-UA" smtClean="0"/>
               <a:pPr/>
-              <a:t>03.01.2021</a:t>
+              <a:t>04.01.2021</a:t>
             </a:fld>
             <a:endParaRPr lang="uk-UA"/>
           </a:p>
@@ -1479,7 +1503,7 @@
             <a:fld id="{1657D9C5-7FF1-434F-B56E-9BAD559744E9}" type="datetime1">
               <a:rPr lang="uk-UA" smtClean="0"/>
               <a:pPr/>
-              <a:t>03.01.2021</a:t>
+              <a:t>04.01.2021</a:t>
             </a:fld>
             <a:endParaRPr lang="uk-UA"/>
           </a:p>
@@ -1722,7 +1746,7 @@
             <a:fld id="{2CEB0FC9-DE63-476B-A1A9-BE934D9049F8}" type="datetime1">
               <a:rPr lang="uk-UA" smtClean="0"/>
               <a:pPr/>
-              <a:t>03.01.2021</a:t>
+              <a:t>04.01.2021</a:t>
             </a:fld>
             <a:endParaRPr lang="uk-UA"/>
           </a:p>
@@ -2007,7 +2031,7 @@
             <a:fld id="{F964460F-86E2-4DF6-9D0F-12F5005CF375}" type="datetime1">
               <a:rPr lang="uk-UA" smtClean="0"/>
               <a:pPr/>
-              <a:t>03.01.2021</a:t>
+              <a:t>04.01.2021</a:t>
             </a:fld>
             <a:endParaRPr lang="uk-UA"/>
           </a:p>
@@ -2426,7 +2450,7 @@
             <a:fld id="{C521715E-DDCD-4267-B0A5-2918B6F6768A}" type="datetime1">
               <a:rPr lang="uk-UA" smtClean="0"/>
               <a:pPr/>
-              <a:t>03.01.2021</a:t>
+              <a:t>04.01.2021</a:t>
             </a:fld>
             <a:endParaRPr lang="uk-UA"/>
           </a:p>
@@ -2541,7 +2565,7 @@
             <a:fld id="{9289842C-EB2D-4EBB-A272-2F6A49D9794D}" type="datetime1">
               <a:rPr lang="uk-UA" smtClean="0"/>
               <a:pPr/>
-              <a:t>03.01.2021</a:t>
+              <a:t>04.01.2021</a:t>
             </a:fld>
             <a:endParaRPr lang="uk-UA"/>
           </a:p>
@@ -2633,7 +2657,7 @@
             <a:fld id="{D036F091-B700-4B52-99AC-85D0FD94D904}" type="datetime1">
               <a:rPr lang="uk-UA" smtClean="0"/>
               <a:pPr/>
-              <a:t>03.01.2021</a:t>
+              <a:t>04.01.2021</a:t>
             </a:fld>
             <a:endParaRPr lang="uk-UA"/>
           </a:p>
@@ -2907,7 +2931,7 @@
             <a:fld id="{B35DFABA-3811-4634-B803-2EAC4CD0063B}" type="datetime1">
               <a:rPr lang="uk-UA" smtClean="0"/>
               <a:pPr/>
-              <a:t>03.01.2021</a:t>
+              <a:t>04.01.2021</a:t>
             </a:fld>
             <a:endParaRPr lang="uk-UA"/>
           </a:p>
@@ -3157,7 +3181,7 @@
             <a:fld id="{8A9EA25E-F88E-463A-A119-D1E55A881002}" type="datetime1">
               <a:rPr lang="uk-UA" smtClean="0"/>
               <a:pPr/>
-              <a:t>03.01.2021</a:t>
+              <a:t>04.01.2021</a:t>
             </a:fld>
             <a:endParaRPr lang="uk-UA"/>
           </a:p>
@@ -3367,7 +3391,7 @@
             <a:fld id="{E708ED03-0080-49A2-B709-7DA4ACB3A1C3}" type="datetime1">
               <a:rPr lang="uk-UA" smtClean="0"/>
               <a:pPr/>
-              <a:t>03.01.2021</a:t>
+              <a:t>04.01.2021</a:t>
             </a:fld>
             <a:endParaRPr lang="uk-UA"/>
           </a:p>
@@ -6170,8 +6194,12 @@
           <a:p>
             <a:pPr algn="ctr"/>
             <a:r>
+              <a:rPr lang="ru-RU" sz="6600" b="1"/>
+              <a:t>Через </a:t>
+            </a:r>
+            <a:r>
               <a:rPr lang="ru-RU" sz="6600" b="1" dirty="0"/>
-              <a:t>Черед одно занятие…</a:t>
+              <a:t>одно занятие…</a:t>
             </a:r>
             <a:endParaRPr lang="uk-UA" sz="6600" b="1" dirty="0"/>
           </a:p>
